--- a/TPFINAL FULLCODERS.pptx
+++ b/TPFINAL FULLCODERS.pptx
@@ -1,37 +1,37 @@
 
 <file path=ppt/presentation.xml><?xml version="1.0" encoding="utf-8"?>
-<p:presentation xmlns:a="http://schemas.openxmlformats.org/drawingml/2006/main" xmlns:r="http://schemas.openxmlformats.org/officeDocument/2006/relationships" xmlns:mc="http://schemas.openxmlformats.org/markup-compatibility/2006" xmlns:mv="urn:schemas-microsoft-com:mac:vml" xmlns:p="http://schemas.openxmlformats.org/presentationml/2006/main" xmlns:c="http://schemas.openxmlformats.org/drawingml/2006/chart" xmlns:dgm="http://schemas.openxmlformats.org/drawingml/2006/diagram" xmlns:o="urn:schemas-microsoft-com:office:office" xmlns:v="urn:schemas-microsoft-com:vml" xmlns:pvml="urn:schemas-microsoft-com:office:powerpoint" xmlns:com="http://schemas.openxmlformats.org/drawingml/2006/compatibility" xmlns:p14="http://schemas.microsoft.com/office/powerpoint/2010/main" xmlns:p15="http://schemas.microsoft.com/office/powerpoint/2012/main" xmlns:ahyp="http://schemas.microsoft.com/office/drawing/2018/hyperlinkcolor" autoCompressPictures="0" embedTrueTypeFonts="1" strictFirstAndLastChars="0" saveSubsetFonts="1">
+<p:presentation xmlns:a="http://schemas.openxmlformats.org/drawingml/2006/main" xmlns:r="http://schemas.openxmlformats.org/officeDocument/2006/relationships" xmlns:p="http://schemas.openxmlformats.org/presentationml/2006/main" strictFirstAndLastChars="0" embedTrueTypeFonts="1" saveSubsetFonts="1" autoCompressPictures="0">
   <p:sldMasterIdLst>
-    <p:sldMasterId id="2147483659" r:id="rId4"/>
+    <p:sldMasterId id="2147483659" r:id="rId1"/>
   </p:sldMasterIdLst>
   <p:notesMasterIdLst>
-    <p:notesMasterId r:id="rId5"/>
+    <p:notesMasterId r:id="rId7"/>
   </p:notesMasterIdLst>
   <p:sldIdLst>
-    <p:sldId id="256" r:id="rId6"/>
-    <p:sldId id="257" r:id="rId7"/>
-    <p:sldId id="258" r:id="rId8"/>
-    <p:sldId id="259" r:id="rId9"/>
-    <p:sldId id="260" r:id="rId10"/>
+    <p:sldId id="256" r:id="rId2"/>
+    <p:sldId id="257" r:id="rId3"/>
+    <p:sldId id="258" r:id="rId4"/>
+    <p:sldId id="259" r:id="rId5"/>
+    <p:sldId id="260" r:id="rId6"/>
   </p:sldIdLst>
-  <p:sldSz cy="5143500" cx="9144000"/>
+  <p:sldSz cx="9144000" cy="5143500" type="screen16x9"/>
   <p:notesSz cx="6858000" cy="9144000"/>
   <p:embeddedFontLst>
     <p:embeddedFont>
-      <p:font typeface="Amatic SC"/>
-      <p:regular r:id="rId11"/>
-      <p:bold r:id="rId12"/>
+      <p:font typeface="Amatic SC" panose="020B0604020202020204" charset="-79"/>
+      <p:regular r:id="rId8"/>
+      <p:bold r:id="rId9"/>
     </p:embeddedFont>
     <p:embeddedFont>
-      <p:font typeface="Source Code Pro"/>
-      <p:regular r:id="rId13"/>
-      <p:bold r:id="rId14"/>
-      <p:italic r:id="rId15"/>
-      <p:boldItalic r:id="rId16"/>
+      <p:font typeface="Source Code Pro" panose="020B0604020202020204" charset="0"/>
+      <p:regular r:id="rId10"/>
+      <p:bold r:id="rId11"/>
+      <p:italic r:id="rId12"/>
+      <p:boldItalic r:id="rId13"/>
     </p:embeddedFont>
   </p:embeddedFontLst>
   <p:defaultTextStyle>
-    <a:defPPr lvl="0" marR="0" rtl="0" algn="l">
+    <a:defPPr marR="0" lvl="0" algn="l" rtl="0">
       <a:lnSpc>
         <a:spcPct val="100000"/>
       </a:lnSpc>
@@ -42,7 +42,7 @@
         <a:spcPts val="0"/>
       </a:spcAft>
     </a:defPPr>
-    <a:lvl1pPr lvl="0" marR="0" rtl="0" algn="l">
+    <a:lvl1pPr marR="0" lvl="0" algn="l" rtl="0">
       <a:lnSpc>
         <a:spcPct val="100000"/>
       </a:lnSpc>
@@ -56,7 +56,7 @@
         <a:srgbClr val="000000"/>
       </a:buClr>
       <a:buFont typeface="Arial"/>
-      <a:defRPr b="0" i="0" sz="1400" u="none" cap="none" strike="noStrike">
+      <a:defRPr sz="1400" b="0" i="0" u="none" strike="noStrike" cap="none">
         <a:solidFill>
           <a:srgbClr val="000000"/>
         </a:solidFill>
@@ -66,7 +66,7 @@
         <a:sym typeface="Arial"/>
       </a:defRPr>
     </a:lvl1pPr>
-    <a:lvl2pPr lvl="1" marR="0" rtl="0" algn="l">
+    <a:lvl2pPr marR="0" lvl="1" algn="l" rtl="0">
       <a:lnSpc>
         <a:spcPct val="100000"/>
       </a:lnSpc>
@@ -80,7 +80,7 @@
         <a:srgbClr val="000000"/>
       </a:buClr>
       <a:buFont typeface="Arial"/>
-      <a:defRPr b="0" i="0" sz="1400" u="none" cap="none" strike="noStrike">
+      <a:defRPr sz="1400" b="0" i="0" u="none" strike="noStrike" cap="none">
         <a:solidFill>
           <a:srgbClr val="000000"/>
         </a:solidFill>
@@ -90,7 +90,7 @@
         <a:sym typeface="Arial"/>
       </a:defRPr>
     </a:lvl2pPr>
-    <a:lvl3pPr lvl="2" marR="0" rtl="0" algn="l">
+    <a:lvl3pPr marR="0" lvl="2" algn="l" rtl="0">
       <a:lnSpc>
         <a:spcPct val="100000"/>
       </a:lnSpc>
@@ -104,7 +104,7 @@
         <a:srgbClr val="000000"/>
       </a:buClr>
       <a:buFont typeface="Arial"/>
-      <a:defRPr b="0" i="0" sz="1400" u="none" cap="none" strike="noStrike">
+      <a:defRPr sz="1400" b="0" i="0" u="none" strike="noStrike" cap="none">
         <a:solidFill>
           <a:srgbClr val="000000"/>
         </a:solidFill>
@@ -114,7 +114,7 @@
         <a:sym typeface="Arial"/>
       </a:defRPr>
     </a:lvl3pPr>
-    <a:lvl4pPr lvl="3" marR="0" rtl="0" algn="l">
+    <a:lvl4pPr marR="0" lvl="3" algn="l" rtl="0">
       <a:lnSpc>
         <a:spcPct val="100000"/>
       </a:lnSpc>
@@ -128,7 +128,7 @@
         <a:srgbClr val="000000"/>
       </a:buClr>
       <a:buFont typeface="Arial"/>
-      <a:defRPr b="0" i="0" sz="1400" u="none" cap="none" strike="noStrike">
+      <a:defRPr sz="1400" b="0" i="0" u="none" strike="noStrike" cap="none">
         <a:solidFill>
           <a:srgbClr val="000000"/>
         </a:solidFill>
@@ -138,7 +138,7 @@
         <a:sym typeface="Arial"/>
       </a:defRPr>
     </a:lvl4pPr>
-    <a:lvl5pPr lvl="4" marR="0" rtl="0" algn="l">
+    <a:lvl5pPr marR="0" lvl="4" algn="l" rtl="0">
       <a:lnSpc>
         <a:spcPct val="100000"/>
       </a:lnSpc>
@@ -152,7 +152,7 @@
         <a:srgbClr val="000000"/>
       </a:buClr>
       <a:buFont typeface="Arial"/>
-      <a:defRPr b="0" i="0" sz="1400" u="none" cap="none" strike="noStrike">
+      <a:defRPr sz="1400" b="0" i="0" u="none" strike="noStrike" cap="none">
         <a:solidFill>
           <a:srgbClr val="000000"/>
         </a:solidFill>
@@ -162,7 +162,7 @@
         <a:sym typeface="Arial"/>
       </a:defRPr>
     </a:lvl5pPr>
-    <a:lvl6pPr lvl="5" marR="0" rtl="0" algn="l">
+    <a:lvl6pPr marR="0" lvl="5" algn="l" rtl="0">
       <a:lnSpc>
         <a:spcPct val="100000"/>
       </a:lnSpc>
@@ -176,7 +176,7 @@
         <a:srgbClr val="000000"/>
       </a:buClr>
       <a:buFont typeface="Arial"/>
-      <a:defRPr b="0" i="0" sz="1400" u="none" cap="none" strike="noStrike">
+      <a:defRPr sz="1400" b="0" i="0" u="none" strike="noStrike" cap="none">
         <a:solidFill>
           <a:srgbClr val="000000"/>
         </a:solidFill>
@@ -186,7 +186,7 @@
         <a:sym typeface="Arial"/>
       </a:defRPr>
     </a:lvl6pPr>
-    <a:lvl7pPr lvl="6" marR="0" rtl="0" algn="l">
+    <a:lvl7pPr marR="0" lvl="6" algn="l" rtl="0">
       <a:lnSpc>
         <a:spcPct val="100000"/>
       </a:lnSpc>
@@ -200,7 +200,7 @@
         <a:srgbClr val="000000"/>
       </a:buClr>
       <a:buFont typeface="Arial"/>
-      <a:defRPr b="0" i="0" sz="1400" u="none" cap="none" strike="noStrike">
+      <a:defRPr sz="1400" b="0" i="0" u="none" strike="noStrike" cap="none">
         <a:solidFill>
           <a:srgbClr val="000000"/>
         </a:solidFill>
@@ -210,7 +210,7 @@
         <a:sym typeface="Arial"/>
       </a:defRPr>
     </a:lvl7pPr>
-    <a:lvl8pPr lvl="7" marR="0" rtl="0" algn="l">
+    <a:lvl8pPr marR="0" lvl="7" algn="l" rtl="0">
       <a:lnSpc>
         <a:spcPct val="100000"/>
       </a:lnSpc>
@@ -224,7 +224,7 @@
         <a:srgbClr val="000000"/>
       </a:buClr>
       <a:buFont typeface="Arial"/>
-      <a:defRPr b="0" i="0" sz="1400" u="none" cap="none" strike="noStrike">
+      <a:defRPr sz="1400" b="0" i="0" u="none" strike="noStrike" cap="none">
         <a:solidFill>
           <a:srgbClr val="000000"/>
         </a:solidFill>
@@ -234,7 +234,7 @@
         <a:sym typeface="Arial"/>
       </a:defRPr>
     </a:lvl8pPr>
-    <a:lvl9pPr lvl="8" marR="0" rtl="0" algn="l">
+    <a:lvl9pPr marR="0" lvl="8" algn="l" rtl="0">
       <a:lnSpc>
         <a:spcPct val="100000"/>
       </a:lnSpc>
@@ -248,7 +248,7 @@
         <a:srgbClr val="000000"/>
       </a:buClr>
       <a:buFont typeface="Arial"/>
-      <a:defRPr b="0" i="0" sz="1400" u="none" cap="none" strike="noStrike">
+      <a:defRPr sz="1400" b="0" i="0" u="none" strike="noStrike" cap="none">
         <a:solidFill>
           <a:srgbClr val="000000"/>
         </a:solidFill>
@@ -261,7 +261,7 @@
   </p:defaultTextStyle>
   <p:extLst>
     <p:ext uri="{EFAFB233-063F-42B5-8137-9DF3F51BA10A}">
-      <p15:sldGuideLst>
+      <p15:sldGuideLst xmlns:p15="http://schemas.microsoft.com/office/powerpoint/2012/main">
         <p15:guide id="1" orient="horz" pos="1620">
           <p15:clr>
             <a:srgbClr val="747775"/>
@@ -279,11 +279,16 @@
 </file>
 
 <file path=ppt/notesMasters/notesMaster1.xml><?xml version="1.0" encoding="utf-8"?>
-<p:notesMaster xmlns:a="http://schemas.openxmlformats.org/drawingml/2006/main" xmlns:r="http://schemas.openxmlformats.org/officeDocument/2006/relationships" xmlns:mc="http://schemas.openxmlformats.org/markup-compatibility/2006" xmlns:mv="urn:schemas-microsoft-com:mac:vml" xmlns:p="http://schemas.openxmlformats.org/presentationml/2006/main" xmlns:c="http://schemas.openxmlformats.org/drawingml/2006/chart" xmlns:dgm="http://schemas.openxmlformats.org/drawingml/2006/diagram" xmlns:o="urn:schemas-microsoft-com:office:office" xmlns:v="urn:schemas-microsoft-com:vml" xmlns:pvml="urn:schemas-microsoft-com:office:powerpoint" xmlns:com="http://schemas.openxmlformats.org/drawingml/2006/compatibility" xmlns:p14="http://schemas.microsoft.com/office/powerpoint/2010/main" xmlns:p15="http://schemas.microsoft.com/office/powerpoint/2012/main" xmlns:ahyp="http://schemas.microsoft.com/office/drawing/2018/hyperlinkcolor">
+<p:notesMaster xmlns:a="http://schemas.openxmlformats.org/drawingml/2006/main" xmlns:r="http://schemas.openxmlformats.org/officeDocument/2006/relationships" xmlns:p="http://schemas.openxmlformats.org/presentationml/2006/main">
   <p:cSld>
+    <p:bg>
+      <p:bgRef idx="1001">
+        <a:schemeClr val="bg1"/>
+      </p:bgRef>
+    </p:bg>
     <p:spTree>
       <p:nvGrpSpPr>
-        <p:cNvPr id="2" name="Shape 2"/>
+        <p:cNvPr id="1" name="Shape 2"/>
         <p:cNvGrpSpPr/>
         <p:nvPr/>
       </p:nvGrpSpPr>
@@ -298,9 +303,11 @@
       <p:sp>
         <p:nvSpPr>
           <p:cNvPr id="3" name="Google Shape;3;n"/>
-          <p:cNvSpPr/>
+          <p:cNvSpPr>
+            <a:spLocks noGrp="1" noRot="1" noChangeAspect="1"/>
+          </p:cNvSpPr>
           <p:nvPr>
-            <p:ph idx="2" type="sldImg"/>
+            <p:ph type="sldImg" idx="2"/>
           </p:nvPr>
         </p:nvSpPr>
         <p:spPr>
@@ -309,9 +316,13 @@
             <a:ext cx="6096075" cy="3429000"/>
           </a:xfrm>
           <a:custGeom>
-            <a:rect b="b" l="l" r="r" t="t"/>
+            <a:avLst/>
+            <a:gdLst/>
+            <a:ahLst/>
+            <a:cxnLst/>
+            <a:rect l="l" t="t" r="r" b="b"/>
             <a:pathLst>
-              <a:path extrusionOk="0" h="120000" w="120000">
+              <a:path w="120000" h="120000" extrusionOk="0">
                 <a:moveTo>
                   <a:pt x="0" y="0"/>
                 </a:moveTo>
@@ -329,23 +340,25 @@
             </a:pathLst>
           </a:custGeom>
           <a:noFill/>
-          <a:ln cap="flat" cmpd="sng" w="9525">
+          <a:ln w="9525" cap="flat" cmpd="sng">
             <a:solidFill>
               <a:srgbClr val="000000"/>
             </a:solidFill>
             <a:prstDash val="solid"/>
             <a:round/>
-            <a:headEnd len="sm" w="sm" type="none"/>
-            <a:tailEnd len="sm" w="sm" type="none"/>
+            <a:headEnd type="none" w="sm" len="sm"/>
+            <a:tailEnd type="none" w="sm" len="sm"/>
           </a:ln>
         </p:spPr>
       </p:sp>
       <p:sp>
         <p:nvSpPr>
           <p:cNvPr id="4" name="Google Shape;4;n"/>
-          <p:cNvSpPr txBox="1"/>
+          <p:cNvSpPr txBox="1">
+            <a:spLocks noGrp="1"/>
+          </p:cNvSpPr>
           <p:nvPr>
-            <p:ph idx="1" type="body"/>
+            <p:ph type="body" idx="1"/>
           </p:nvPr>
         </p:nvSpPr>
         <p:spPr>
@@ -362,11 +375,11 @@
           </a:ln>
         </p:spPr>
         <p:txBody>
-          <a:bodyPr anchorCtr="0" anchor="t" bIns="91425" lIns="91425" spcFirstLastPara="1" rIns="91425" wrap="square" tIns="91425">
+          <a:bodyPr spcFirstLastPara="1" wrap="square" lIns="91425" tIns="91425" rIns="91425" bIns="91425" anchor="t" anchorCtr="0">
             <a:noAutofit/>
           </a:bodyPr>
           <a:lstStyle>
-            <a:lvl1pPr indent="-298450" lvl="0" marL="457200">
+            <a:lvl1pPr marL="457200" lvl="0" indent="-298450">
               <a:spcBef>
                 <a:spcPts val="0"/>
               </a:spcBef>
@@ -377,7 +390,7 @@
               <a:buChar char="●"/>
               <a:defRPr sz="1100"/>
             </a:lvl1pPr>
-            <a:lvl2pPr indent="-298450" lvl="1" marL="914400">
+            <a:lvl2pPr marL="914400" lvl="1" indent="-298450">
               <a:spcBef>
                 <a:spcPts val="0"/>
               </a:spcBef>
@@ -388,7 +401,7 @@
               <a:buChar char="○"/>
               <a:defRPr sz="1100"/>
             </a:lvl2pPr>
-            <a:lvl3pPr indent="-298450" lvl="2" marL="1371600">
+            <a:lvl3pPr marL="1371600" lvl="2" indent="-298450">
               <a:spcBef>
                 <a:spcPts val="0"/>
               </a:spcBef>
@@ -399,7 +412,7 @@
               <a:buChar char="■"/>
               <a:defRPr sz="1100"/>
             </a:lvl3pPr>
-            <a:lvl4pPr indent="-298450" lvl="3" marL="1828800">
+            <a:lvl4pPr marL="1828800" lvl="3" indent="-298450">
               <a:spcBef>
                 <a:spcPts val="0"/>
               </a:spcBef>
@@ -410,7 +423,7 @@
               <a:buChar char="●"/>
               <a:defRPr sz="1100"/>
             </a:lvl4pPr>
-            <a:lvl5pPr indent="-298450" lvl="4" marL="2286000">
+            <a:lvl5pPr marL="2286000" lvl="4" indent="-298450">
               <a:spcBef>
                 <a:spcPts val="0"/>
               </a:spcBef>
@@ -421,7 +434,7 @@
               <a:buChar char="○"/>
               <a:defRPr sz="1100"/>
             </a:lvl5pPr>
-            <a:lvl6pPr indent="-298450" lvl="5" marL="2743200">
+            <a:lvl6pPr marL="2743200" lvl="5" indent="-298450">
               <a:spcBef>
                 <a:spcPts val="0"/>
               </a:spcBef>
@@ -432,7 +445,7 @@
               <a:buChar char="■"/>
               <a:defRPr sz="1100"/>
             </a:lvl6pPr>
-            <a:lvl7pPr indent="-298450" lvl="6" marL="3200400">
+            <a:lvl7pPr marL="3200400" lvl="6" indent="-298450">
               <a:spcBef>
                 <a:spcPts val="0"/>
               </a:spcBef>
@@ -443,7 +456,7 @@
               <a:buChar char="●"/>
               <a:defRPr sz="1100"/>
             </a:lvl7pPr>
-            <a:lvl8pPr indent="-298450" lvl="7" marL="3657600">
+            <a:lvl8pPr marL="3657600" lvl="7" indent="-298450">
               <a:spcBef>
                 <a:spcPts val="0"/>
               </a:spcBef>
@@ -454,7 +467,7 @@
               <a:buChar char="○"/>
               <a:defRPr sz="1100"/>
             </a:lvl8pPr>
-            <a:lvl9pPr indent="-298450" lvl="8" marL="4114800">
+            <a:lvl9pPr marL="4114800" lvl="8" indent="-298450">
               <a:spcBef>
                 <a:spcPts val="0"/>
               </a:spcBef>
@@ -466,14 +479,16 @@
               <a:defRPr sz="1100"/>
             </a:lvl9pPr>
           </a:lstStyle>
-          <a:p/>
+          <a:p>
+            <a:endParaRPr/>
+          </a:p>
         </p:txBody>
       </p:sp>
     </p:spTree>
   </p:cSld>
-  <p:clrMap accent1="accent1" accent2="accent2" accent3="accent3" accent4="accent4" accent5="accent5" accent6="accent6" bg1="lt1" bg2="dk2" tx1="dk1" tx2="lt2" folHlink="folHlink" hlink="hlink"/>
+  <p:clrMap bg1="lt1" tx1="dk1" bg2="dk2" tx2="lt2" accent1="accent1" accent2="accent2" accent3="accent3" accent4="accent4" accent5="accent5" accent6="accent6" hlink="hlink" folHlink="folHlink"/>
   <p:notesStyle>
-    <a:defPPr lvl="0" marR="0" rtl="0" algn="l">
+    <a:defPPr marR="0" lvl="0" algn="l" rtl="0">
       <a:lnSpc>
         <a:spcPct val="100000"/>
       </a:lnSpc>
@@ -484,7 +499,7 @@
         <a:spcPts val="0"/>
       </a:spcAft>
     </a:defPPr>
-    <a:lvl1pPr lvl="0" marR="0" rtl="0" algn="l">
+    <a:lvl1pPr marR="0" lvl="0" algn="l" rtl="0">
       <a:lnSpc>
         <a:spcPct val="100000"/>
       </a:lnSpc>
@@ -498,7 +513,7 @@
         <a:srgbClr val="000000"/>
       </a:buClr>
       <a:buFont typeface="Arial"/>
-      <a:defRPr b="0" i="0" sz="1400" u="none" cap="none" strike="noStrike">
+      <a:defRPr sz="1400" b="0" i="0" u="none" strike="noStrike" cap="none">
         <a:solidFill>
           <a:srgbClr val="000000"/>
         </a:solidFill>
@@ -508,7 +523,7 @@
         <a:sym typeface="Arial"/>
       </a:defRPr>
     </a:lvl1pPr>
-    <a:lvl2pPr lvl="1" marR="0" rtl="0" algn="l">
+    <a:lvl2pPr marR="0" lvl="1" algn="l" rtl="0">
       <a:lnSpc>
         <a:spcPct val="100000"/>
       </a:lnSpc>
@@ -522,7 +537,7 @@
         <a:srgbClr val="000000"/>
       </a:buClr>
       <a:buFont typeface="Arial"/>
-      <a:defRPr b="0" i="0" sz="1400" u="none" cap="none" strike="noStrike">
+      <a:defRPr sz="1400" b="0" i="0" u="none" strike="noStrike" cap="none">
         <a:solidFill>
           <a:srgbClr val="000000"/>
         </a:solidFill>
@@ -532,7 +547,7 @@
         <a:sym typeface="Arial"/>
       </a:defRPr>
     </a:lvl2pPr>
-    <a:lvl3pPr lvl="2" marR="0" rtl="0" algn="l">
+    <a:lvl3pPr marR="0" lvl="2" algn="l" rtl="0">
       <a:lnSpc>
         <a:spcPct val="100000"/>
       </a:lnSpc>
@@ -546,7 +561,7 @@
         <a:srgbClr val="000000"/>
       </a:buClr>
       <a:buFont typeface="Arial"/>
-      <a:defRPr b="0" i="0" sz="1400" u="none" cap="none" strike="noStrike">
+      <a:defRPr sz="1400" b="0" i="0" u="none" strike="noStrike" cap="none">
         <a:solidFill>
           <a:srgbClr val="000000"/>
         </a:solidFill>
@@ -556,7 +571,7 @@
         <a:sym typeface="Arial"/>
       </a:defRPr>
     </a:lvl3pPr>
-    <a:lvl4pPr lvl="3" marR="0" rtl="0" algn="l">
+    <a:lvl4pPr marR="0" lvl="3" algn="l" rtl="0">
       <a:lnSpc>
         <a:spcPct val="100000"/>
       </a:lnSpc>
@@ -570,7 +585,7 @@
         <a:srgbClr val="000000"/>
       </a:buClr>
       <a:buFont typeface="Arial"/>
-      <a:defRPr b="0" i="0" sz="1400" u="none" cap="none" strike="noStrike">
+      <a:defRPr sz="1400" b="0" i="0" u="none" strike="noStrike" cap="none">
         <a:solidFill>
           <a:srgbClr val="000000"/>
         </a:solidFill>
@@ -580,7 +595,7 @@
         <a:sym typeface="Arial"/>
       </a:defRPr>
     </a:lvl4pPr>
-    <a:lvl5pPr lvl="4" marR="0" rtl="0" algn="l">
+    <a:lvl5pPr marR="0" lvl="4" algn="l" rtl="0">
       <a:lnSpc>
         <a:spcPct val="100000"/>
       </a:lnSpc>
@@ -594,7 +609,7 @@
         <a:srgbClr val="000000"/>
       </a:buClr>
       <a:buFont typeface="Arial"/>
-      <a:defRPr b="0" i="0" sz="1400" u="none" cap="none" strike="noStrike">
+      <a:defRPr sz="1400" b="0" i="0" u="none" strike="noStrike" cap="none">
         <a:solidFill>
           <a:srgbClr val="000000"/>
         </a:solidFill>
@@ -604,7 +619,7 @@
         <a:sym typeface="Arial"/>
       </a:defRPr>
     </a:lvl5pPr>
-    <a:lvl6pPr lvl="5" marR="0" rtl="0" algn="l">
+    <a:lvl6pPr marR="0" lvl="5" algn="l" rtl="0">
       <a:lnSpc>
         <a:spcPct val="100000"/>
       </a:lnSpc>
@@ -618,7 +633,7 @@
         <a:srgbClr val="000000"/>
       </a:buClr>
       <a:buFont typeface="Arial"/>
-      <a:defRPr b="0" i="0" sz="1400" u="none" cap="none" strike="noStrike">
+      <a:defRPr sz="1400" b="0" i="0" u="none" strike="noStrike" cap="none">
         <a:solidFill>
           <a:srgbClr val="000000"/>
         </a:solidFill>
@@ -628,7 +643,7 @@
         <a:sym typeface="Arial"/>
       </a:defRPr>
     </a:lvl6pPr>
-    <a:lvl7pPr lvl="6" marR="0" rtl="0" algn="l">
+    <a:lvl7pPr marR="0" lvl="6" algn="l" rtl="0">
       <a:lnSpc>
         <a:spcPct val="100000"/>
       </a:lnSpc>
@@ -642,7 +657,7 @@
         <a:srgbClr val="000000"/>
       </a:buClr>
       <a:buFont typeface="Arial"/>
-      <a:defRPr b="0" i="0" sz="1400" u="none" cap="none" strike="noStrike">
+      <a:defRPr sz="1400" b="0" i="0" u="none" strike="noStrike" cap="none">
         <a:solidFill>
           <a:srgbClr val="000000"/>
         </a:solidFill>
@@ -652,7 +667,7 @@
         <a:sym typeface="Arial"/>
       </a:defRPr>
     </a:lvl7pPr>
-    <a:lvl8pPr lvl="7" marR="0" rtl="0" algn="l">
+    <a:lvl8pPr marR="0" lvl="7" algn="l" rtl="0">
       <a:lnSpc>
         <a:spcPct val="100000"/>
       </a:lnSpc>
@@ -666,7 +681,7 @@
         <a:srgbClr val="000000"/>
       </a:buClr>
       <a:buFont typeface="Arial"/>
-      <a:defRPr b="0" i="0" sz="1400" u="none" cap="none" strike="noStrike">
+      <a:defRPr sz="1400" b="0" i="0" u="none" strike="noStrike" cap="none">
         <a:solidFill>
           <a:srgbClr val="000000"/>
         </a:solidFill>
@@ -676,7 +691,7 @@
         <a:sym typeface="Arial"/>
       </a:defRPr>
     </a:lvl8pPr>
-    <a:lvl9pPr lvl="8" marR="0" rtl="0" algn="l">
+    <a:lvl9pPr marR="0" lvl="8" algn="l" rtl="0">
       <a:lnSpc>
         <a:spcPct val="100000"/>
       </a:lnSpc>
@@ -690,7 +705,7 @@
         <a:srgbClr val="000000"/>
       </a:buClr>
       <a:buFont typeface="Arial"/>
-      <a:defRPr b="0" i="0" sz="1400" u="none" cap="none" strike="noStrike">
+      <a:defRPr sz="1400" b="0" i="0" u="none" strike="noStrike" cap="none">
         <a:solidFill>
           <a:srgbClr val="000000"/>
         </a:solidFill>
@@ -705,11 +720,11 @@
 </file>
 
 <file path=ppt/notesSlides/notesSlide1.xml><?xml version="1.0" encoding="utf-8"?>
-<p:notes xmlns:a="http://schemas.openxmlformats.org/drawingml/2006/main" xmlns:r="http://schemas.openxmlformats.org/officeDocument/2006/relationships" xmlns:mc="http://schemas.openxmlformats.org/markup-compatibility/2006" xmlns:mv="urn:schemas-microsoft-com:mac:vml" xmlns:p="http://schemas.openxmlformats.org/presentationml/2006/main" xmlns:c="http://schemas.openxmlformats.org/drawingml/2006/chart" xmlns:dgm="http://schemas.openxmlformats.org/drawingml/2006/diagram" xmlns:o="urn:schemas-microsoft-com:office:office" xmlns:v="urn:schemas-microsoft-com:vml" xmlns:pvml="urn:schemas-microsoft-com:office:powerpoint" xmlns:com="http://schemas.openxmlformats.org/drawingml/2006/compatibility" xmlns:p14="http://schemas.microsoft.com/office/powerpoint/2010/main" xmlns:p15="http://schemas.microsoft.com/office/powerpoint/2012/main" xmlns:ahyp="http://schemas.microsoft.com/office/drawing/2018/hyperlinkcolor" showMasterPhAnim="0" showMasterSp="0">
+<p:notes xmlns:a="http://schemas.openxmlformats.org/drawingml/2006/main" xmlns:r="http://schemas.openxmlformats.org/officeDocument/2006/relationships" xmlns:p="http://schemas.openxmlformats.org/presentationml/2006/main" showMasterSp="0" showMasterPhAnim="0">
   <p:cSld>
     <p:spTree>
       <p:nvGrpSpPr>
-        <p:cNvPr id="52" name="Shape 52"/>
+        <p:cNvPr id="1" name="Shape 52"/>
         <p:cNvGrpSpPr/>
         <p:nvPr/>
       </p:nvGrpSpPr>
@@ -724,20 +739,26 @@
       <p:sp>
         <p:nvSpPr>
           <p:cNvPr id="53" name="Google Shape;53;p:notes"/>
-          <p:cNvSpPr/>
+          <p:cNvSpPr>
+            <a:spLocks noGrp="1" noRot="1" noChangeAspect="1"/>
+          </p:cNvSpPr>
           <p:nvPr>
-            <p:ph idx="2" type="sldImg"/>
+            <p:ph type="sldImg" idx="2"/>
           </p:nvPr>
         </p:nvSpPr>
         <p:spPr>
           <a:xfrm>
-            <a:off x="381300" y="685800"/>
-            <a:ext cx="6096075" cy="3429000"/>
+            <a:off x="381000" y="685800"/>
+            <a:ext cx="6096000" cy="3429000"/>
           </a:xfrm>
           <a:custGeom>
-            <a:rect b="b" l="l" r="r" t="t"/>
+            <a:avLst/>
+            <a:gdLst/>
+            <a:ahLst/>
+            <a:cxnLst/>
+            <a:rect l="l" t="t" r="r" b="b"/>
             <a:pathLst>
-              <a:path extrusionOk="0" h="120000" w="120000">
+              <a:path w="120000" h="120000" extrusionOk="0">
                 <a:moveTo>
                   <a:pt x="0" y="0"/>
                 </a:moveTo>
@@ -759,9 +780,11 @@
       <p:sp>
         <p:nvSpPr>
           <p:cNvPr id="54" name="Google Shape;54;p:notes"/>
-          <p:cNvSpPr txBox="1"/>
+          <p:cNvSpPr txBox="1">
+            <a:spLocks noGrp="1"/>
+          </p:cNvSpPr>
           <p:nvPr>
-            <p:ph idx="1" type="body"/>
+            <p:ph type="body" idx="1"/>
           </p:nvPr>
         </p:nvSpPr>
         <p:spPr>
@@ -774,12 +797,12 @@
           </a:prstGeom>
         </p:spPr>
         <p:txBody>
-          <a:bodyPr anchorCtr="0" anchor="t" bIns="91425" lIns="91425" spcFirstLastPara="1" rIns="91425" wrap="square" tIns="91425">
+          <a:bodyPr spcFirstLastPara="1" wrap="square" lIns="91425" tIns="91425" rIns="91425" bIns="91425" anchor="t" anchorCtr="0">
             <a:noAutofit/>
           </a:bodyPr>
           <a:lstStyle/>
           <a:p>
-            <a:pPr indent="0" lvl="0" marL="0" rtl="0" algn="l">
+            <a:pPr marL="0" lvl="0" indent="0" algn="l" rtl="0">
               <a:spcBef>
                 <a:spcPts val="0"/>
               </a:spcBef>
@@ -788,9 +811,6 @@
               </a:spcAft>
               <a:buNone/>
             </a:pPr>
-            <a:r>
-              <a:t/>
-            </a:r>
             <a:endParaRPr/>
           </a:p>
         </p:txBody>
@@ -804,11 +824,11 @@
 </file>
 
 <file path=ppt/notesSlides/notesSlide2.xml><?xml version="1.0" encoding="utf-8"?>
-<p:notes xmlns:a="http://schemas.openxmlformats.org/drawingml/2006/main" xmlns:r="http://schemas.openxmlformats.org/officeDocument/2006/relationships" xmlns:mc="http://schemas.openxmlformats.org/markup-compatibility/2006" xmlns:mv="urn:schemas-microsoft-com:mac:vml" xmlns:p="http://schemas.openxmlformats.org/presentationml/2006/main" xmlns:c="http://schemas.openxmlformats.org/drawingml/2006/chart" xmlns:dgm="http://schemas.openxmlformats.org/drawingml/2006/diagram" xmlns:o="urn:schemas-microsoft-com:office:office" xmlns:v="urn:schemas-microsoft-com:vml" xmlns:pvml="urn:schemas-microsoft-com:office:powerpoint" xmlns:com="http://schemas.openxmlformats.org/drawingml/2006/compatibility" xmlns:p14="http://schemas.microsoft.com/office/powerpoint/2010/main" xmlns:p15="http://schemas.microsoft.com/office/powerpoint/2012/main" xmlns:ahyp="http://schemas.microsoft.com/office/drawing/2018/hyperlinkcolor" showMasterPhAnim="0" showMasterSp="0">
+<p:notes xmlns:a="http://schemas.openxmlformats.org/drawingml/2006/main" xmlns:r="http://schemas.openxmlformats.org/officeDocument/2006/relationships" xmlns:p="http://schemas.openxmlformats.org/presentationml/2006/main" showMasterSp="0" showMasterPhAnim="0">
   <p:cSld>
     <p:spTree>
       <p:nvGrpSpPr>
-        <p:cNvPr id="58" name="Shape 58"/>
+        <p:cNvPr id="1" name="Shape 58"/>
         <p:cNvGrpSpPr/>
         <p:nvPr/>
       </p:nvGrpSpPr>
@@ -823,20 +843,26 @@
       <p:sp>
         <p:nvSpPr>
           <p:cNvPr id="59" name="Google Shape;59;g27af6f34992_0_465:notes"/>
-          <p:cNvSpPr/>
+          <p:cNvSpPr>
+            <a:spLocks noGrp="1" noRot="1" noChangeAspect="1"/>
+          </p:cNvSpPr>
           <p:nvPr>
-            <p:ph idx="2" type="sldImg"/>
+            <p:ph type="sldImg" idx="2"/>
           </p:nvPr>
         </p:nvSpPr>
         <p:spPr>
           <a:xfrm>
-            <a:off x="381300" y="685800"/>
+            <a:off x="381000" y="685800"/>
             <a:ext cx="6096000" cy="3429000"/>
           </a:xfrm>
           <a:custGeom>
-            <a:rect b="b" l="l" r="r" t="t"/>
+            <a:avLst/>
+            <a:gdLst/>
+            <a:ahLst/>
+            <a:cxnLst/>
+            <a:rect l="l" t="t" r="r" b="b"/>
             <a:pathLst>
-              <a:path extrusionOk="0" h="120000" w="120000">
+              <a:path w="120000" h="120000" extrusionOk="0">
                 <a:moveTo>
                   <a:pt x="0" y="0"/>
                 </a:moveTo>
@@ -858,9 +884,11 @@
       <p:sp>
         <p:nvSpPr>
           <p:cNvPr id="60" name="Google Shape;60;g27af6f34992_0_465:notes"/>
-          <p:cNvSpPr txBox="1"/>
+          <p:cNvSpPr txBox="1">
+            <a:spLocks noGrp="1"/>
+          </p:cNvSpPr>
           <p:nvPr>
-            <p:ph idx="1" type="body"/>
+            <p:ph type="body" idx="1"/>
           </p:nvPr>
         </p:nvSpPr>
         <p:spPr>
@@ -873,12 +901,12 @@
           </a:prstGeom>
         </p:spPr>
         <p:txBody>
-          <a:bodyPr anchorCtr="0" anchor="t" bIns="91425" lIns="91425" spcFirstLastPara="1" rIns="91425" wrap="square" tIns="91425">
+          <a:bodyPr spcFirstLastPara="1" wrap="square" lIns="91425" tIns="91425" rIns="91425" bIns="91425" anchor="t" anchorCtr="0">
             <a:noAutofit/>
           </a:bodyPr>
           <a:lstStyle/>
           <a:p>
-            <a:pPr indent="0" lvl="0" marL="0" rtl="0" algn="l">
+            <a:pPr marL="0" lvl="0" indent="0" algn="l" rtl="0">
               <a:spcBef>
                 <a:spcPts val="0"/>
               </a:spcBef>
@@ -887,9 +915,6 @@
               </a:spcAft>
               <a:buNone/>
             </a:pPr>
-            <a:r>
-              <a:t/>
-            </a:r>
             <a:endParaRPr/>
           </a:p>
         </p:txBody>
@@ -903,11 +928,11 @@
 </file>
 
 <file path=ppt/notesSlides/notesSlide3.xml><?xml version="1.0" encoding="utf-8"?>
-<p:notes xmlns:a="http://schemas.openxmlformats.org/drawingml/2006/main" xmlns:r="http://schemas.openxmlformats.org/officeDocument/2006/relationships" xmlns:mc="http://schemas.openxmlformats.org/markup-compatibility/2006" xmlns:mv="urn:schemas-microsoft-com:mac:vml" xmlns:p="http://schemas.openxmlformats.org/presentationml/2006/main" xmlns:c="http://schemas.openxmlformats.org/drawingml/2006/chart" xmlns:dgm="http://schemas.openxmlformats.org/drawingml/2006/diagram" xmlns:o="urn:schemas-microsoft-com:office:office" xmlns:v="urn:schemas-microsoft-com:vml" xmlns:pvml="urn:schemas-microsoft-com:office:powerpoint" xmlns:com="http://schemas.openxmlformats.org/drawingml/2006/compatibility" xmlns:p14="http://schemas.microsoft.com/office/powerpoint/2010/main" xmlns:p15="http://schemas.microsoft.com/office/powerpoint/2012/main" xmlns:ahyp="http://schemas.microsoft.com/office/drawing/2018/hyperlinkcolor" showMasterPhAnim="0" showMasterSp="0">
+<p:notes xmlns:a="http://schemas.openxmlformats.org/drawingml/2006/main" xmlns:r="http://schemas.openxmlformats.org/officeDocument/2006/relationships" xmlns:p="http://schemas.openxmlformats.org/presentationml/2006/main" showMasterSp="0" showMasterPhAnim="0">
   <p:cSld>
     <p:spTree>
       <p:nvGrpSpPr>
-        <p:cNvPr id="65" name="Shape 65"/>
+        <p:cNvPr id="1" name="Shape 65"/>
         <p:cNvGrpSpPr/>
         <p:nvPr/>
       </p:nvGrpSpPr>
@@ -922,20 +947,26 @@
       <p:sp>
         <p:nvSpPr>
           <p:cNvPr id="66" name="Google Shape;66;g27af6f34992_0_605:notes"/>
-          <p:cNvSpPr/>
+          <p:cNvSpPr>
+            <a:spLocks noGrp="1" noRot="1" noChangeAspect="1"/>
+          </p:cNvSpPr>
           <p:nvPr>
-            <p:ph idx="2" type="sldImg"/>
+            <p:ph type="sldImg" idx="2"/>
           </p:nvPr>
         </p:nvSpPr>
         <p:spPr>
           <a:xfrm>
-            <a:off x="381300" y="685800"/>
+            <a:off x="381000" y="685800"/>
             <a:ext cx="6096000" cy="3429000"/>
           </a:xfrm>
           <a:custGeom>
-            <a:rect b="b" l="l" r="r" t="t"/>
+            <a:avLst/>
+            <a:gdLst/>
+            <a:ahLst/>
+            <a:cxnLst/>
+            <a:rect l="l" t="t" r="r" b="b"/>
             <a:pathLst>
-              <a:path extrusionOk="0" h="120000" w="120000">
+              <a:path w="120000" h="120000" extrusionOk="0">
                 <a:moveTo>
                   <a:pt x="0" y="0"/>
                 </a:moveTo>
@@ -957,9 +988,11 @@
       <p:sp>
         <p:nvSpPr>
           <p:cNvPr id="67" name="Google Shape;67;g27af6f34992_0_605:notes"/>
-          <p:cNvSpPr txBox="1"/>
+          <p:cNvSpPr txBox="1">
+            <a:spLocks noGrp="1"/>
+          </p:cNvSpPr>
           <p:nvPr>
-            <p:ph idx="1" type="body"/>
+            <p:ph type="body" idx="1"/>
           </p:nvPr>
         </p:nvSpPr>
         <p:spPr>
@@ -972,12 +1005,12 @@
           </a:prstGeom>
         </p:spPr>
         <p:txBody>
-          <a:bodyPr anchorCtr="0" anchor="t" bIns="91425" lIns="91425" spcFirstLastPara="1" rIns="91425" wrap="square" tIns="91425">
+          <a:bodyPr spcFirstLastPara="1" wrap="square" lIns="91425" tIns="91425" rIns="91425" bIns="91425" anchor="t" anchorCtr="0">
             <a:noAutofit/>
           </a:bodyPr>
           <a:lstStyle/>
           <a:p>
-            <a:pPr indent="0" lvl="0" marL="0" rtl="0" algn="l">
+            <a:pPr marL="0" lvl="0" indent="0" algn="l" rtl="0">
               <a:spcBef>
                 <a:spcPts val="0"/>
               </a:spcBef>
@@ -986,9 +1019,6 @@
               </a:spcAft>
               <a:buNone/>
             </a:pPr>
-            <a:r>
-              <a:t/>
-            </a:r>
             <a:endParaRPr/>
           </a:p>
         </p:txBody>
@@ -1002,11 +1032,11 @@
 </file>
 
 <file path=ppt/notesSlides/notesSlide4.xml><?xml version="1.0" encoding="utf-8"?>
-<p:notes xmlns:a="http://schemas.openxmlformats.org/drawingml/2006/main" xmlns:r="http://schemas.openxmlformats.org/officeDocument/2006/relationships" xmlns:mc="http://schemas.openxmlformats.org/markup-compatibility/2006" xmlns:mv="urn:schemas-microsoft-com:mac:vml" xmlns:p="http://schemas.openxmlformats.org/presentationml/2006/main" xmlns:c="http://schemas.openxmlformats.org/drawingml/2006/chart" xmlns:dgm="http://schemas.openxmlformats.org/drawingml/2006/diagram" xmlns:o="urn:schemas-microsoft-com:office:office" xmlns:v="urn:schemas-microsoft-com:vml" xmlns:pvml="urn:schemas-microsoft-com:office:powerpoint" xmlns:com="http://schemas.openxmlformats.org/drawingml/2006/compatibility" xmlns:p14="http://schemas.microsoft.com/office/powerpoint/2010/main" xmlns:p15="http://schemas.microsoft.com/office/powerpoint/2012/main" xmlns:ahyp="http://schemas.microsoft.com/office/drawing/2018/hyperlinkcolor" showMasterPhAnim="0" showMasterSp="0">
+<p:notes xmlns:a="http://schemas.openxmlformats.org/drawingml/2006/main" xmlns:r="http://schemas.openxmlformats.org/officeDocument/2006/relationships" xmlns:p="http://schemas.openxmlformats.org/presentationml/2006/main" showMasterSp="0" showMasterPhAnim="0">
   <p:cSld>
     <p:spTree>
       <p:nvGrpSpPr>
-        <p:cNvPr id="72" name="Shape 72"/>
+        <p:cNvPr id="1" name="Shape 72"/>
         <p:cNvGrpSpPr/>
         <p:nvPr/>
       </p:nvGrpSpPr>
@@ -1021,20 +1051,26 @@
       <p:sp>
         <p:nvSpPr>
           <p:cNvPr id="73" name="Google Shape;73;g27af6f34992_0_580:notes"/>
-          <p:cNvSpPr/>
+          <p:cNvSpPr>
+            <a:spLocks noGrp="1" noRot="1" noChangeAspect="1"/>
+          </p:cNvSpPr>
           <p:nvPr>
-            <p:ph idx="2" type="sldImg"/>
+            <p:ph type="sldImg" idx="2"/>
           </p:nvPr>
         </p:nvSpPr>
         <p:spPr>
           <a:xfrm>
-            <a:off x="381300" y="685800"/>
+            <a:off x="381000" y="685800"/>
             <a:ext cx="6096000" cy="3429000"/>
           </a:xfrm>
           <a:custGeom>
-            <a:rect b="b" l="l" r="r" t="t"/>
+            <a:avLst/>
+            <a:gdLst/>
+            <a:ahLst/>
+            <a:cxnLst/>
+            <a:rect l="l" t="t" r="r" b="b"/>
             <a:pathLst>
-              <a:path extrusionOk="0" h="120000" w="120000">
+              <a:path w="120000" h="120000" extrusionOk="0">
                 <a:moveTo>
                   <a:pt x="0" y="0"/>
                 </a:moveTo>
@@ -1056,9 +1092,11 @@
       <p:sp>
         <p:nvSpPr>
           <p:cNvPr id="74" name="Google Shape;74;g27af6f34992_0_580:notes"/>
-          <p:cNvSpPr txBox="1"/>
+          <p:cNvSpPr txBox="1">
+            <a:spLocks noGrp="1"/>
+          </p:cNvSpPr>
           <p:nvPr>
-            <p:ph idx="1" type="body"/>
+            <p:ph type="body" idx="1"/>
           </p:nvPr>
         </p:nvSpPr>
         <p:spPr>
@@ -1071,12 +1109,12 @@
           </a:prstGeom>
         </p:spPr>
         <p:txBody>
-          <a:bodyPr anchorCtr="0" anchor="t" bIns="91425" lIns="91425" spcFirstLastPara="1" rIns="91425" wrap="square" tIns="91425">
+          <a:bodyPr spcFirstLastPara="1" wrap="square" lIns="91425" tIns="91425" rIns="91425" bIns="91425" anchor="t" anchorCtr="0">
             <a:noAutofit/>
           </a:bodyPr>
           <a:lstStyle/>
           <a:p>
-            <a:pPr indent="0" lvl="0" marL="0" rtl="0" algn="l">
+            <a:pPr marL="0" lvl="0" indent="0" algn="l" rtl="0">
               <a:spcBef>
                 <a:spcPts val="0"/>
               </a:spcBef>
@@ -1085,9 +1123,6 @@
               </a:spcAft>
               <a:buNone/>
             </a:pPr>
-            <a:r>
-              <a:t/>
-            </a:r>
             <a:endParaRPr/>
           </a:p>
         </p:txBody>
@@ -1101,11 +1136,11 @@
 </file>
 
 <file path=ppt/notesSlides/notesSlide5.xml><?xml version="1.0" encoding="utf-8"?>
-<p:notes xmlns:a="http://schemas.openxmlformats.org/drawingml/2006/main" xmlns:r="http://schemas.openxmlformats.org/officeDocument/2006/relationships" xmlns:mc="http://schemas.openxmlformats.org/markup-compatibility/2006" xmlns:mv="urn:schemas-microsoft-com:mac:vml" xmlns:p="http://schemas.openxmlformats.org/presentationml/2006/main" xmlns:c="http://schemas.openxmlformats.org/drawingml/2006/chart" xmlns:dgm="http://schemas.openxmlformats.org/drawingml/2006/diagram" xmlns:o="urn:schemas-microsoft-com:office:office" xmlns:v="urn:schemas-microsoft-com:vml" xmlns:pvml="urn:schemas-microsoft-com:office:powerpoint" xmlns:com="http://schemas.openxmlformats.org/drawingml/2006/compatibility" xmlns:p14="http://schemas.microsoft.com/office/powerpoint/2010/main" xmlns:p15="http://schemas.microsoft.com/office/powerpoint/2012/main" xmlns:ahyp="http://schemas.microsoft.com/office/drawing/2018/hyperlinkcolor" showMasterPhAnim="0" showMasterSp="0">
+<p:notes xmlns:a="http://schemas.openxmlformats.org/drawingml/2006/main" xmlns:r="http://schemas.openxmlformats.org/officeDocument/2006/relationships" xmlns:p="http://schemas.openxmlformats.org/presentationml/2006/main" showMasterSp="0" showMasterPhAnim="0">
   <p:cSld>
     <p:spTree>
       <p:nvGrpSpPr>
-        <p:cNvPr id="80" name="Shape 80"/>
+        <p:cNvPr id="1" name="Shape 80"/>
         <p:cNvGrpSpPr/>
         <p:nvPr/>
       </p:nvGrpSpPr>
@@ -1120,20 +1155,26 @@
       <p:sp>
         <p:nvSpPr>
           <p:cNvPr id="81" name="Google Shape;81;g27af6f34992_0_594:notes"/>
-          <p:cNvSpPr/>
+          <p:cNvSpPr>
+            <a:spLocks noGrp="1" noRot="1" noChangeAspect="1"/>
+          </p:cNvSpPr>
           <p:nvPr>
-            <p:ph idx="2" type="sldImg"/>
+            <p:ph type="sldImg" idx="2"/>
           </p:nvPr>
         </p:nvSpPr>
         <p:spPr>
           <a:xfrm>
-            <a:off x="381300" y="685800"/>
+            <a:off x="381000" y="685800"/>
             <a:ext cx="6096000" cy="3429000"/>
           </a:xfrm>
           <a:custGeom>
-            <a:rect b="b" l="l" r="r" t="t"/>
+            <a:avLst/>
+            <a:gdLst/>
+            <a:ahLst/>
+            <a:cxnLst/>
+            <a:rect l="l" t="t" r="r" b="b"/>
             <a:pathLst>
-              <a:path extrusionOk="0" h="120000" w="120000">
+              <a:path w="120000" h="120000" extrusionOk="0">
                 <a:moveTo>
                   <a:pt x="0" y="0"/>
                 </a:moveTo>
@@ -1155,9 +1196,11 @@
       <p:sp>
         <p:nvSpPr>
           <p:cNvPr id="82" name="Google Shape;82;g27af6f34992_0_594:notes"/>
-          <p:cNvSpPr txBox="1"/>
+          <p:cNvSpPr txBox="1">
+            <a:spLocks noGrp="1"/>
+          </p:cNvSpPr>
           <p:nvPr>
-            <p:ph idx="1" type="body"/>
+            <p:ph type="body" idx="1"/>
           </p:nvPr>
         </p:nvSpPr>
         <p:spPr>
@@ -1170,12 +1213,12 @@
           </a:prstGeom>
         </p:spPr>
         <p:txBody>
-          <a:bodyPr anchorCtr="0" anchor="t" bIns="91425" lIns="91425" spcFirstLastPara="1" rIns="91425" wrap="square" tIns="91425">
+          <a:bodyPr spcFirstLastPara="1" wrap="square" lIns="91425" tIns="91425" rIns="91425" bIns="91425" anchor="t" anchorCtr="0">
             <a:noAutofit/>
           </a:bodyPr>
           <a:lstStyle/>
           <a:p>
-            <a:pPr indent="0" lvl="0" marL="0" rtl="0" algn="l">
+            <a:pPr marL="0" lvl="0" indent="0" algn="l" rtl="0">
               <a:spcBef>
                 <a:spcPts val="0"/>
               </a:spcBef>
@@ -1184,9 +1227,6 @@
               </a:spcAft>
               <a:buNone/>
             </a:pPr>
-            <a:r>
-              <a:t/>
-            </a:r>
             <a:endParaRPr/>
           </a:p>
         </p:txBody>
@@ -1200,18 +1240,19 @@
 </file>
 
 <file path=ppt/slideLayouts/slideLayout1.xml><?xml version="1.0" encoding="utf-8"?>
-<p:sldLayout xmlns:a="http://schemas.openxmlformats.org/drawingml/2006/main" xmlns:r="http://schemas.openxmlformats.org/officeDocument/2006/relationships" xmlns:mc="http://schemas.openxmlformats.org/markup-compatibility/2006" xmlns:mv="urn:schemas-microsoft-com:mac:vml" xmlns:p="http://schemas.openxmlformats.org/presentationml/2006/main" xmlns:c="http://schemas.openxmlformats.org/drawingml/2006/chart" xmlns:dgm="http://schemas.openxmlformats.org/drawingml/2006/diagram" xmlns:o="urn:schemas-microsoft-com:office:office" xmlns:v="urn:schemas-microsoft-com:vml" xmlns:pvml="urn:schemas-microsoft-com:office:powerpoint" xmlns:com="http://schemas.openxmlformats.org/drawingml/2006/compatibility" xmlns:p14="http://schemas.microsoft.com/office/powerpoint/2010/main" xmlns:p15="http://schemas.microsoft.com/office/powerpoint/2012/main" xmlns:ahyp="http://schemas.microsoft.com/office/drawing/2018/hyperlinkcolor" matchingName="Title slide" type="title">
+<p:sldLayout xmlns:a="http://schemas.openxmlformats.org/drawingml/2006/main" xmlns:r="http://schemas.openxmlformats.org/officeDocument/2006/relationships" xmlns:p="http://schemas.openxmlformats.org/presentationml/2006/main" matchingName="Title slide" type="title">
   <p:cSld name="TITLE">
     <p:bg>
       <p:bgPr>
         <a:solidFill>
           <a:schemeClr val="dk1"/>
         </a:solidFill>
+        <a:effectLst/>
       </p:bgPr>
     </p:bg>
     <p:spTree>
       <p:nvGrpSpPr>
-        <p:cNvPr id="9" name="Shape 9"/>
+        <p:cNvPr id="1" name="Shape 9"/>
         <p:cNvGrpSpPr/>
         <p:nvPr/>
       </p:nvGrpSpPr>
@@ -1245,12 +1286,12 @@
           </a:ln>
         </p:spPr>
         <p:txBody>
-          <a:bodyPr anchorCtr="0" anchor="ctr" bIns="91425" lIns="91425" spcFirstLastPara="1" rIns="91425" wrap="square" tIns="91425">
+          <a:bodyPr spcFirstLastPara="1" wrap="square" lIns="91425" tIns="91425" rIns="91425" bIns="91425" anchor="ctr" anchorCtr="0">
             <a:noAutofit/>
           </a:bodyPr>
           <a:lstStyle/>
           <a:p>
-            <a:pPr indent="0" lvl="0" marL="0" rtl="0" algn="l">
+            <a:pPr marL="0" lvl="0" indent="0" algn="l" rtl="0">
               <a:spcBef>
                 <a:spcPts val="0"/>
               </a:spcBef>
@@ -1259,9 +1300,6 @@
               </a:spcAft>
               <a:buNone/>
             </a:pPr>
-            <a:r>
-              <a:t/>
-            </a:r>
             <a:endParaRPr/>
           </a:p>
         </p:txBody>
@@ -1269,7 +1307,9 @@
       <p:sp>
         <p:nvSpPr>
           <p:cNvPr id="11" name="Google Shape;11;p2"/>
-          <p:cNvSpPr txBox="1"/>
+          <p:cNvSpPr txBox="1">
+            <a:spLocks noGrp="1"/>
+          </p:cNvSpPr>
           <p:nvPr>
             <p:ph type="ctrTitle"/>
           </p:nvPr>
@@ -1284,11 +1324,11 @@
           </a:prstGeom>
         </p:spPr>
         <p:txBody>
-          <a:bodyPr anchorCtr="0" anchor="ctr" bIns="91425" lIns="91425" spcFirstLastPara="1" rIns="91425" wrap="square" tIns="91425">
+          <a:bodyPr spcFirstLastPara="1" wrap="square" lIns="91425" tIns="91425" rIns="91425" bIns="91425" anchor="ctr" anchorCtr="0">
             <a:normAutofit/>
           </a:bodyPr>
           <a:lstStyle>
-            <a:lvl1pPr lvl="0" rtl="0" algn="ctr">
+            <a:lvl1pPr lvl="0" algn="ctr" rtl="0">
               <a:spcBef>
                 <a:spcPts val="0"/>
               </a:spcBef>
@@ -1299,7 +1339,7 @@
               <a:buNone/>
               <a:defRPr sz="8000"/>
             </a:lvl1pPr>
-            <a:lvl2pPr lvl="1" rtl="0" algn="ctr">
+            <a:lvl2pPr lvl="1" algn="ctr" rtl="0">
               <a:spcBef>
                 <a:spcPts val="0"/>
               </a:spcBef>
@@ -1310,7 +1350,7 @@
               <a:buNone/>
               <a:defRPr sz="8000"/>
             </a:lvl2pPr>
-            <a:lvl3pPr lvl="2" rtl="0" algn="ctr">
+            <a:lvl3pPr lvl="2" algn="ctr" rtl="0">
               <a:spcBef>
                 <a:spcPts val="0"/>
               </a:spcBef>
@@ -1321,7 +1361,7 @@
               <a:buNone/>
               <a:defRPr sz="8000"/>
             </a:lvl3pPr>
-            <a:lvl4pPr lvl="3" rtl="0" algn="ctr">
+            <a:lvl4pPr lvl="3" algn="ctr" rtl="0">
               <a:spcBef>
                 <a:spcPts val="0"/>
               </a:spcBef>
@@ -1332,7 +1372,7 @@
               <a:buNone/>
               <a:defRPr sz="8000"/>
             </a:lvl4pPr>
-            <a:lvl5pPr lvl="4" rtl="0" algn="ctr">
+            <a:lvl5pPr lvl="4" algn="ctr" rtl="0">
               <a:spcBef>
                 <a:spcPts val="0"/>
               </a:spcBef>
@@ -1343,7 +1383,7 @@
               <a:buNone/>
               <a:defRPr sz="8000"/>
             </a:lvl5pPr>
-            <a:lvl6pPr lvl="5" rtl="0" algn="ctr">
+            <a:lvl6pPr lvl="5" algn="ctr" rtl="0">
               <a:spcBef>
                 <a:spcPts val="0"/>
               </a:spcBef>
@@ -1354,7 +1394,7 @@
               <a:buNone/>
               <a:defRPr sz="8000"/>
             </a:lvl6pPr>
-            <a:lvl7pPr lvl="6" rtl="0" algn="ctr">
+            <a:lvl7pPr lvl="6" algn="ctr" rtl="0">
               <a:spcBef>
                 <a:spcPts val="0"/>
               </a:spcBef>
@@ -1365,7 +1405,7 @@
               <a:buNone/>
               <a:defRPr sz="8000"/>
             </a:lvl7pPr>
-            <a:lvl8pPr lvl="7" rtl="0" algn="ctr">
+            <a:lvl8pPr lvl="7" algn="ctr" rtl="0">
               <a:spcBef>
                 <a:spcPts val="0"/>
               </a:spcBef>
@@ -1376,7 +1416,7 @@
               <a:buNone/>
               <a:defRPr sz="8000"/>
             </a:lvl8pPr>
-            <a:lvl9pPr lvl="8" rtl="0" algn="ctr">
+            <a:lvl9pPr lvl="8" algn="ctr" rtl="0">
               <a:spcBef>
                 <a:spcPts val="0"/>
               </a:spcBef>
@@ -1388,15 +1428,19 @@
               <a:defRPr sz="8000"/>
             </a:lvl9pPr>
           </a:lstStyle>
-          <a:p/>
+          <a:p>
+            <a:endParaRPr/>
+          </a:p>
         </p:txBody>
       </p:sp>
       <p:sp>
         <p:nvSpPr>
           <p:cNvPr id="12" name="Google Shape;12;p2"/>
-          <p:cNvSpPr txBox="1"/>
+          <p:cNvSpPr txBox="1">
+            <a:spLocks noGrp="1"/>
+          </p:cNvSpPr>
           <p:nvPr>
-            <p:ph idx="1" type="subTitle"/>
+            <p:ph type="subTitle" idx="1"/>
           </p:nvPr>
         </p:nvSpPr>
         <p:spPr>
@@ -1409,11 +1453,11 @@
           </a:prstGeom>
         </p:spPr>
         <p:txBody>
-          <a:bodyPr anchorCtr="0" anchor="ctr" bIns="91425" lIns="91425" spcFirstLastPara="1" rIns="91425" wrap="square" tIns="91425">
+          <a:bodyPr spcFirstLastPara="1" wrap="square" lIns="91425" tIns="91425" rIns="91425" bIns="91425" anchor="ctr" anchorCtr="0">
             <a:normAutofit/>
           </a:bodyPr>
           <a:lstStyle>
-            <a:lvl1pPr lvl="0" rtl="0" algn="ctr">
+            <a:lvl1pPr lvl="0" algn="ctr" rtl="0">
               <a:lnSpc>
                 <a:spcPct val="100000"/>
               </a:lnSpc>
@@ -1428,13 +1472,13 @@
               </a:buClr>
               <a:buSzPts val="2100"/>
               <a:buNone/>
-              <a:defRPr b="1" sz="2100">
+              <a:defRPr sz="2100" b="1">
                 <a:solidFill>
                   <a:schemeClr val="accent1"/>
                 </a:solidFill>
               </a:defRPr>
             </a:lvl1pPr>
-            <a:lvl2pPr lvl="1" rtl="0" algn="ctr">
+            <a:lvl2pPr lvl="1" algn="ctr" rtl="0">
               <a:lnSpc>
                 <a:spcPct val="100000"/>
               </a:lnSpc>
@@ -1449,13 +1493,13 @@
               </a:buClr>
               <a:buSzPts val="2100"/>
               <a:buNone/>
-              <a:defRPr b="1" sz="2100">
+              <a:defRPr sz="2100" b="1">
                 <a:solidFill>
                   <a:schemeClr val="accent1"/>
                 </a:solidFill>
               </a:defRPr>
             </a:lvl2pPr>
-            <a:lvl3pPr lvl="2" rtl="0" algn="ctr">
+            <a:lvl3pPr lvl="2" algn="ctr" rtl="0">
               <a:lnSpc>
                 <a:spcPct val="100000"/>
               </a:lnSpc>
@@ -1470,13 +1514,13 @@
               </a:buClr>
               <a:buSzPts val="2100"/>
               <a:buNone/>
-              <a:defRPr b="1" sz="2100">
+              <a:defRPr sz="2100" b="1">
                 <a:solidFill>
                   <a:schemeClr val="accent1"/>
                 </a:solidFill>
               </a:defRPr>
             </a:lvl3pPr>
-            <a:lvl4pPr lvl="3" rtl="0" algn="ctr">
+            <a:lvl4pPr lvl="3" algn="ctr" rtl="0">
               <a:lnSpc>
                 <a:spcPct val="100000"/>
               </a:lnSpc>
@@ -1491,13 +1535,13 @@
               </a:buClr>
               <a:buSzPts val="2100"/>
               <a:buNone/>
-              <a:defRPr b="1" sz="2100">
+              <a:defRPr sz="2100" b="1">
                 <a:solidFill>
                   <a:schemeClr val="accent1"/>
                 </a:solidFill>
               </a:defRPr>
             </a:lvl4pPr>
-            <a:lvl5pPr lvl="4" rtl="0" algn="ctr">
+            <a:lvl5pPr lvl="4" algn="ctr" rtl="0">
               <a:lnSpc>
                 <a:spcPct val="100000"/>
               </a:lnSpc>
@@ -1512,13 +1556,13 @@
               </a:buClr>
               <a:buSzPts val="2100"/>
               <a:buNone/>
-              <a:defRPr b="1" sz="2100">
+              <a:defRPr sz="2100" b="1">
                 <a:solidFill>
                   <a:schemeClr val="accent1"/>
                 </a:solidFill>
               </a:defRPr>
             </a:lvl5pPr>
-            <a:lvl6pPr lvl="5" rtl="0" algn="ctr">
+            <a:lvl6pPr lvl="5" algn="ctr" rtl="0">
               <a:lnSpc>
                 <a:spcPct val="100000"/>
               </a:lnSpc>
@@ -1533,13 +1577,13 @@
               </a:buClr>
               <a:buSzPts val="2100"/>
               <a:buNone/>
-              <a:defRPr b="1" sz="2100">
+              <a:defRPr sz="2100" b="1">
                 <a:solidFill>
                   <a:schemeClr val="accent1"/>
                 </a:solidFill>
               </a:defRPr>
             </a:lvl6pPr>
-            <a:lvl7pPr lvl="6" rtl="0" algn="ctr">
+            <a:lvl7pPr lvl="6" algn="ctr" rtl="0">
               <a:lnSpc>
                 <a:spcPct val="100000"/>
               </a:lnSpc>
@@ -1554,13 +1598,13 @@
               </a:buClr>
               <a:buSzPts val="2100"/>
               <a:buNone/>
-              <a:defRPr b="1" sz="2100">
+              <a:defRPr sz="2100" b="1">
                 <a:solidFill>
                   <a:schemeClr val="accent1"/>
                 </a:solidFill>
               </a:defRPr>
             </a:lvl7pPr>
-            <a:lvl8pPr lvl="7" rtl="0" algn="ctr">
+            <a:lvl8pPr lvl="7" algn="ctr" rtl="0">
               <a:lnSpc>
                 <a:spcPct val="100000"/>
               </a:lnSpc>
@@ -1575,13 +1619,13 @@
               </a:buClr>
               <a:buSzPts val="2100"/>
               <a:buNone/>
-              <a:defRPr b="1" sz="2100">
+              <a:defRPr sz="2100" b="1">
                 <a:solidFill>
                   <a:schemeClr val="accent1"/>
                 </a:solidFill>
               </a:defRPr>
             </a:lvl8pPr>
-            <a:lvl9pPr lvl="8" rtl="0" algn="ctr">
+            <a:lvl9pPr lvl="8" algn="ctr" rtl="0">
               <a:lnSpc>
                 <a:spcPct val="100000"/>
               </a:lnSpc>
@@ -1596,22 +1640,26 @@
               </a:buClr>
               <a:buSzPts val="2100"/>
               <a:buNone/>
-              <a:defRPr b="1" sz="2100">
+              <a:defRPr sz="2100" b="1">
                 <a:solidFill>
                   <a:schemeClr val="accent1"/>
                 </a:solidFill>
               </a:defRPr>
             </a:lvl9pPr>
           </a:lstStyle>
-          <a:p/>
+          <a:p>
+            <a:endParaRPr/>
+          </a:p>
         </p:txBody>
       </p:sp>
       <p:sp>
         <p:nvSpPr>
           <p:cNvPr id="13" name="Google Shape;13;p2"/>
-          <p:cNvSpPr txBox="1"/>
+          <p:cNvSpPr txBox="1">
+            <a:spLocks noGrp="1"/>
+          </p:cNvSpPr>
           <p:nvPr>
-            <p:ph idx="12" type="sldNum"/>
+            <p:ph type="sldNum" idx="12"/>
           </p:nvPr>
         </p:nvSpPr>
         <p:spPr>
@@ -1624,7 +1672,7 @@
           </a:prstGeom>
         </p:spPr>
         <p:txBody>
-          <a:bodyPr anchorCtr="0" anchor="ctr" bIns="91425" lIns="91425" spcFirstLastPara="1" rIns="91425" wrap="square" tIns="91425">
+          <a:bodyPr spcFirstLastPara="1" wrap="square" lIns="91425" tIns="91425" rIns="91425" bIns="91425" anchor="ctr" anchorCtr="0">
             <a:normAutofit/>
           </a:bodyPr>
           <a:lstStyle>
@@ -1666,7 +1714,7 @@
             </a:lvl9pPr>
           </a:lstStyle>
           <a:p>
-            <a:pPr indent="0" lvl="0" marL="0" rtl="0" algn="r">
+            <a:pPr marL="0" lvl="0" indent="0" algn="r" rtl="0">
               <a:spcBef>
                 <a:spcPts val="0"/>
               </a:spcBef>
@@ -1677,7 +1725,7 @@
             </a:pPr>
             <a:fld id="{00000000-1234-1234-1234-123412341234}" type="slidenum">
               <a:rPr lang="es"/>
-              <a:t>‹#›</a:t>
+              <a:t>‹Nº›</a:t>
             </a:fld>
             <a:endParaRPr/>
           </a:p>
@@ -1692,11 +1740,11 @@
 </file>
 
 <file path=ppt/slideLayouts/slideLayout10.xml><?xml version="1.0" encoding="utf-8"?>
-<p:sldLayout xmlns:a="http://schemas.openxmlformats.org/drawingml/2006/main" xmlns:r="http://schemas.openxmlformats.org/officeDocument/2006/relationships" xmlns:mc="http://schemas.openxmlformats.org/markup-compatibility/2006" xmlns:mv="urn:schemas-microsoft-com:mac:vml" xmlns:p="http://schemas.openxmlformats.org/presentationml/2006/main" xmlns:c="http://schemas.openxmlformats.org/drawingml/2006/chart" xmlns:dgm="http://schemas.openxmlformats.org/drawingml/2006/diagram" xmlns:o="urn:schemas-microsoft-com:office:office" xmlns:v="urn:schemas-microsoft-com:vml" xmlns:pvml="urn:schemas-microsoft-com:office:powerpoint" xmlns:com="http://schemas.openxmlformats.org/drawingml/2006/compatibility" xmlns:p14="http://schemas.microsoft.com/office/powerpoint/2010/main" xmlns:p15="http://schemas.microsoft.com/office/powerpoint/2012/main" xmlns:ahyp="http://schemas.microsoft.com/office/drawing/2018/hyperlinkcolor" matchingName="Big number">
+<p:sldLayout xmlns:a="http://schemas.openxmlformats.org/drawingml/2006/main" xmlns:r="http://schemas.openxmlformats.org/officeDocument/2006/relationships" xmlns:p="http://schemas.openxmlformats.org/presentationml/2006/main" matchingName="Big number">
   <p:cSld name="BIG_NUMBER">
     <p:spTree>
       <p:nvGrpSpPr>
-        <p:cNvPr id="46" name="Shape 46"/>
+        <p:cNvPr id="1" name="Shape 46"/>
         <p:cNvGrpSpPr/>
         <p:nvPr/>
       </p:nvGrpSpPr>
@@ -1711,9 +1759,11 @@
       <p:sp>
         <p:nvSpPr>
           <p:cNvPr id="47" name="Google Shape;47;p11"/>
-          <p:cNvSpPr txBox="1"/>
+          <p:cNvSpPr txBox="1">
+            <a:spLocks noGrp="1"/>
+          </p:cNvSpPr>
           <p:nvPr>
-            <p:ph hasCustomPrompt="1" type="title"/>
+            <p:ph type="title" hasCustomPrompt="1"/>
           </p:nvPr>
         </p:nvSpPr>
         <p:spPr>
@@ -1726,11 +1776,11 @@
           </a:prstGeom>
         </p:spPr>
         <p:txBody>
-          <a:bodyPr anchorCtr="0" anchor="b" bIns="91425" lIns="91425" spcFirstLastPara="1" rIns="91425" wrap="square" tIns="91425">
+          <a:bodyPr spcFirstLastPara="1" wrap="square" lIns="91425" tIns="91425" rIns="91425" bIns="91425" anchor="b" anchorCtr="0">
             <a:normAutofit/>
           </a:bodyPr>
           <a:lstStyle>
-            <a:lvl1pPr lvl="0" rtl="0" algn="ctr">
+            <a:lvl1pPr lvl="0" algn="ctr" rtl="0">
               <a:spcBef>
                 <a:spcPts val="0"/>
               </a:spcBef>
@@ -1751,7 +1801,7 @@
                 </a:highlight>
               </a:defRPr>
             </a:lvl1pPr>
-            <a:lvl2pPr lvl="1" rtl="0" algn="ctr">
+            <a:lvl2pPr lvl="1" algn="ctr" rtl="0">
               <a:spcBef>
                 <a:spcPts val="0"/>
               </a:spcBef>
@@ -1772,7 +1822,7 @@
                 </a:highlight>
               </a:defRPr>
             </a:lvl2pPr>
-            <a:lvl3pPr lvl="2" rtl="0" algn="ctr">
+            <a:lvl3pPr lvl="2" algn="ctr" rtl="0">
               <a:spcBef>
                 <a:spcPts val="0"/>
               </a:spcBef>
@@ -1793,7 +1843,7 @@
                 </a:highlight>
               </a:defRPr>
             </a:lvl3pPr>
-            <a:lvl4pPr lvl="3" rtl="0" algn="ctr">
+            <a:lvl4pPr lvl="3" algn="ctr" rtl="0">
               <a:spcBef>
                 <a:spcPts val="0"/>
               </a:spcBef>
@@ -1814,7 +1864,7 @@
                 </a:highlight>
               </a:defRPr>
             </a:lvl4pPr>
-            <a:lvl5pPr lvl="4" rtl="0" algn="ctr">
+            <a:lvl5pPr lvl="4" algn="ctr" rtl="0">
               <a:spcBef>
                 <a:spcPts val="0"/>
               </a:spcBef>
@@ -1835,7 +1885,7 @@
                 </a:highlight>
               </a:defRPr>
             </a:lvl5pPr>
-            <a:lvl6pPr lvl="5" rtl="0" algn="ctr">
+            <a:lvl6pPr lvl="5" algn="ctr" rtl="0">
               <a:spcBef>
                 <a:spcPts val="0"/>
               </a:spcBef>
@@ -1856,7 +1906,7 @@
                 </a:highlight>
               </a:defRPr>
             </a:lvl6pPr>
-            <a:lvl7pPr lvl="6" rtl="0" algn="ctr">
+            <a:lvl7pPr lvl="6" algn="ctr" rtl="0">
               <a:spcBef>
                 <a:spcPts val="0"/>
               </a:spcBef>
@@ -1877,7 +1927,7 @@
                 </a:highlight>
               </a:defRPr>
             </a:lvl7pPr>
-            <a:lvl8pPr lvl="7" rtl="0" algn="ctr">
+            <a:lvl8pPr lvl="7" algn="ctr" rtl="0">
               <a:spcBef>
                 <a:spcPts val="0"/>
               </a:spcBef>
@@ -1898,7 +1948,7 @@
                 </a:highlight>
               </a:defRPr>
             </a:lvl8pPr>
-            <a:lvl9pPr lvl="8" rtl="0" algn="ctr">
+            <a:lvl9pPr lvl="8" algn="ctr" rtl="0">
               <a:spcBef>
                 <a:spcPts val="0"/>
               </a:spcBef>
@@ -1930,9 +1980,11 @@
       <p:sp>
         <p:nvSpPr>
           <p:cNvPr id="48" name="Google Shape;48;p11"/>
-          <p:cNvSpPr txBox="1"/>
+          <p:cNvSpPr txBox="1">
+            <a:spLocks noGrp="1"/>
+          </p:cNvSpPr>
           <p:nvPr>
-            <p:ph idx="1" type="body"/>
+            <p:ph type="body" idx="1"/>
           </p:nvPr>
         </p:nvSpPr>
         <p:spPr>
@@ -1945,11 +1997,11 @@
           </a:prstGeom>
         </p:spPr>
         <p:txBody>
-          <a:bodyPr anchorCtr="0" anchor="t" bIns="91425" lIns="91425" spcFirstLastPara="1" rIns="91425" wrap="square" tIns="91425">
+          <a:bodyPr spcFirstLastPara="1" wrap="square" lIns="91425" tIns="91425" rIns="91425" bIns="91425" anchor="t" anchorCtr="0">
             <a:normAutofit/>
           </a:bodyPr>
           <a:lstStyle>
-            <a:lvl1pPr indent="-342900" lvl="0" marL="457200" rtl="0" algn="ctr">
+            <a:lvl1pPr marL="457200" lvl="0" indent="-342900" algn="ctr" rtl="0">
               <a:spcBef>
                 <a:spcPts val="0"/>
               </a:spcBef>
@@ -1970,7 +2022,7 @@
                 </a:highlight>
               </a:defRPr>
             </a:lvl1pPr>
-            <a:lvl2pPr indent="-317500" lvl="1" marL="914400" rtl="0" algn="ctr">
+            <a:lvl2pPr marL="914400" lvl="1" indent="-317500" algn="ctr" rtl="0">
               <a:spcBef>
                 <a:spcPts val="0"/>
               </a:spcBef>
@@ -1991,7 +2043,7 @@
                 </a:highlight>
               </a:defRPr>
             </a:lvl2pPr>
-            <a:lvl3pPr indent="-317500" lvl="2" marL="1371600" rtl="0" algn="ctr">
+            <a:lvl3pPr marL="1371600" lvl="2" indent="-317500" algn="ctr" rtl="0">
               <a:spcBef>
                 <a:spcPts val="0"/>
               </a:spcBef>
@@ -2012,7 +2064,7 @@
                 </a:highlight>
               </a:defRPr>
             </a:lvl3pPr>
-            <a:lvl4pPr indent="-317500" lvl="3" marL="1828800" rtl="0" algn="ctr">
+            <a:lvl4pPr marL="1828800" lvl="3" indent="-317500" algn="ctr" rtl="0">
               <a:spcBef>
                 <a:spcPts val="0"/>
               </a:spcBef>
@@ -2033,7 +2085,7 @@
                 </a:highlight>
               </a:defRPr>
             </a:lvl4pPr>
-            <a:lvl5pPr indent="-317500" lvl="4" marL="2286000" rtl="0" algn="ctr">
+            <a:lvl5pPr marL="2286000" lvl="4" indent="-317500" algn="ctr" rtl="0">
               <a:spcBef>
                 <a:spcPts val="0"/>
               </a:spcBef>
@@ -2054,7 +2106,7 @@
                 </a:highlight>
               </a:defRPr>
             </a:lvl5pPr>
-            <a:lvl6pPr indent="-317500" lvl="5" marL="2743200" rtl="0" algn="ctr">
+            <a:lvl6pPr marL="2743200" lvl="5" indent="-317500" algn="ctr" rtl="0">
               <a:spcBef>
                 <a:spcPts val="0"/>
               </a:spcBef>
@@ -2075,7 +2127,7 @@
                 </a:highlight>
               </a:defRPr>
             </a:lvl6pPr>
-            <a:lvl7pPr indent="-317500" lvl="6" marL="3200400" rtl="0" algn="ctr">
+            <a:lvl7pPr marL="3200400" lvl="6" indent="-317500" algn="ctr" rtl="0">
               <a:spcBef>
                 <a:spcPts val="0"/>
               </a:spcBef>
@@ -2096,7 +2148,7 @@
                 </a:highlight>
               </a:defRPr>
             </a:lvl7pPr>
-            <a:lvl8pPr indent="-317500" lvl="7" marL="3657600" rtl="0" algn="ctr">
+            <a:lvl8pPr marL="3657600" lvl="7" indent="-317500" algn="ctr" rtl="0">
               <a:spcBef>
                 <a:spcPts val="0"/>
               </a:spcBef>
@@ -2117,7 +2169,7 @@
                 </a:highlight>
               </a:defRPr>
             </a:lvl8pPr>
-            <a:lvl9pPr indent="-317500" lvl="8" marL="4114800" rtl="0" algn="ctr">
+            <a:lvl9pPr marL="4114800" lvl="8" indent="-317500" algn="ctr" rtl="0">
               <a:spcBef>
                 <a:spcPts val="0"/>
               </a:spcBef>
@@ -2139,15 +2191,19 @@
               </a:defRPr>
             </a:lvl9pPr>
           </a:lstStyle>
-          <a:p/>
+          <a:p>
+            <a:endParaRPr/>
+          </a:p>
         </p:txBody>
       </p:sp>
       <p:sp>
         <p:nvSpPr>
           <p:cNvPr id="49" name="Google Shape;49;p11"/>
-          <p:cNvSpPr txBox="1"/>
+          <p:cNvSpPr txBox="1">
+            <a:spLocks noGrp="1"/>
+          </p:cNvSpPr>
           <p:nvPr>
-            <p:ph idx="12" type="sldNum"/>
+            <p:ph type="sldNum" idx="12"/>
           </p:nvPr>
         </p:nvSpPr>
         <p:spPr>
@@ -2160,7 +2216,7 @@
           </a:prstGeom>
         </p:spPr>
         <p:txBody>
-          <a:bodyPr anchorCtr="0" anchor="ctr" bIns="91425" lIns="91425" spcFirstLastPara="1" rIns="91425" wrap="square" tIns="91425">
+          <a:bodyPr spcFirstLastPara="1" wrap="square" lIns="91425" tIns="91425" rIns="91425" bIns="91425" anchor="ctr" anchorCtr="0">
             <a:normAutofit/>
           </a:bodyPr>
           <a:lstStyle>
@@ -2202,7 +2258,7 @@
             </a:lvl9pPr>
           </a:lstStyle>
           <a:p>
-            <a:pPr indent="0" lvl="0" marL="0" rtl="0" algn="r">
+            <a:pPr marL="0" lvl="0" indent="0" algn="r" rtl="0">
               <a:spcBef>
                 <a:spcPts val="0"/>
               </a:spcBef>
@@ -2213,7 +2269,7 @@
             </a:pPr>
             <a:fld id="{00000000-1234-1234-1234-123412341234}" type="slidenum">
               <a:rPr lang="es"/>
-              <a:t>‹#›</a:t>
+              <a:t>‹Nº›</a:t>
             </a:fld>
             <a:endParaRPr/>
           </a:p>
@@ -2228,11 +2284,11 @@
 </file>
 
 <file path=ppt/slideLayouts/slideLayout11.xml><?xml version="1.0" encoding="utf-8"?>
-<p:sldLayout xmlns:a="http://schemas.openxmlformats.org/drawingml/2006/main" xmlns:r="http://schemas.openxmlformats.org/officeDocument/2006/relationships" xmlns:mc="http://schemas.openxmlformats.org/markup-compatibility/2006" xmlns:mv="urn:schemas-microsoft-com:mac:vml" xmlns:p="http://schemas.openxmlformats.org/presentationml/2006/main" xmlns:c="http://schemas.openxmlformats.org/drawingml/2006/chart" xmlns:dgm="http://schemas.openxmlformats.org/drawingml/2006/diagram" xmlns:o="urn:schemas-microsoft-com:office:office" xmlns:v="urn:schemas-microsoft-com:vml" xmlns:pvml="urn:schemas-microsoft-com:office:powerpoint" xmlns:com="http://schemas.openxmlformats.org/drawingml/2006/compatibility" xmlns:p14="http://schemas.microsoft.com/office/powerpoint/2010/main" xmlns:p15="http://schemas.microsoft.com/office/powerpoint/2012/main" xmlns:ahyp="http://schemas.microsoft.com/office/drawing/2018/hyperlinkcolor" matchingName="Blank" type="blank">
+<p:sldLayout xmlns:a="http://schemas.openxmlformats.org/drawingml/2006/main" xmlns:r="http://schemas.openxmlformats.org/officeDocument/2006/relationships" xmlns:p="http://schemas.openxmlformats.org/presentationml/2006/main" matchingName="Blank" type="blank">
   <p:cSld name="BLANK">
     <p:spTree>
       <p:nvGrpSpPr>
-        <p:cNvPr id="50" name="Shape 50"/>
+        <p:cNvPr id="1" name="Shape 50"/>
         <p:cNvGrpSpPr/>
         <p:nvPr/>
       </p:nvGrpSpPr>
@@ -2247,9 +2303,11 @@
       <p:sp>
         <p:nvSpPr>
           <p:cNvPr id="51" name="Google Shape;51;p12"/>
-          <p:cNvSpPr txBox="1"/>
+          <p:cNvSpPr txBox="1">
+            <a:spLocks noGrp="1"/>
+          </p:cNvSpPr>
           <p:nvPr>
-            <p:ph idx="12" type="sldNum"/>
+            <p:ph type="sldNum" idx="12"/>
           </p:nvPr>
         </p:nvSpPr>
         <p:spPr>
@@ -2262,7 +2320,7 @@
           </a:prstGeom>
         </p:spPr>
         <p:txBody>
-          <a:bodyPr anchorCtr="0" anchor="ctr" bIns="91425" lIns="91425" spcFirstLastPara="1" rIns="91425" wrap="square" tIns="91425">
+          <a:bodyPr spcFirstLastPara="1" wrap="square" lIns="91425" tIns="91425" rIns="91425" bIns="91425" anchor="ctr" anchorCtr="0">
             <a:normAutofit/>
           </a:bodyPr>
           <a:lstStyle>
@@ -2304,7 +2362,7 @@
             </a:lvl9pPr>
           </a:lstStyle>
           <a:p>
-            <a:pPr indent="0" lvl="0" marL="0" rtl="0" algn="r">
+            <a:pPr marL="0" lvl="0" indent="0" algn="r" rtl="0">
               <a:spcBef>
                 <a:spcPts val="0"/>
               </a:spcBef>
@@ -2315,7 +2373,7 @@
             </a:pPr>
             <a:fld id="{00000000-1234-1234-1234-123412341234}" type="slidenum">
               <a:rPr lang="es"/>
-              <a:t>‹#›</a:t>
+              <a:t>‹Nº›</a:t>
             </a:fld>
             <a:endParaRPr/>
           </a:p>
@@ -2330,18 +2388,19 @@
 </file>
 
 <file path=ppt/slideLayouts/slideLayout2.xml><?xml version="1.0" encoding="utf-8"?>
-<p:sldLayout xmlns:a="http://schemas.openxmlformats.org/drawingml/2006/main" xmlns:r="http://schemas.openxmlformats.org/officeDocument/2006/relationships" xmlns:mc="http://schemas.openxmlformats.org/markup-compatibility/2006" xmlns:mv="urn:schemas-microsoft-com:mac:vml" xmlns:p="http://schemas.openxmlformats.org/presentationml/2006/main" xmlns:c="http://schemas.openxmlformats.org/drawingml/2006/chart" xmlns:dgm="http://schemas.openxmlformats.org/drawingml/2006/diagram" xmlns:o="urn:schemas-microsoft-com:office:office" xmlns:v="urn:schemas-microsoft-com:vml" xmlns:pvml="urn:schemas-microsoft-com:office:powerpoint" xmlns:com="http://schemas.openxmlformats.org/drawingml/2006/compatibility" xmlns:p14="http://schemas.microsoft.com/office/powerpoint/2010/main" xmlns:p15="http://schemas.microsoft.com/office/powerpoint/2012/main" xmlns:ahyp="http://schemas.microsoft.com/office/drawing/2018/hyperlinkcolor" matchingName="Section header" type="secHead">
+<p:sldLayout xmlns:a="http://schemas.openxmlformats.org/drawingml/2006/main" xmlns:r="http://schemas.openxmlformats.org/officeDocument/2006/relationships" xmlns:p="http://schemas.openxmlformats.org/presentationml/2006/main" matchingName="Section header" type="secHead">
   <p:cSld name="SECTION_HEADER">
     <p:bg>
       <p:bgPr>
         <a:solidFill>
           <a:schemeClr val="dk1"/>
         </a:solidFill>
+        <a:effectLst/>
       </p:bgPr>
     </p:bg>
     <p:spTree>
       <p:nvGrpSpPr>
-        <p:cNvPr id="14" name="Shape 14"/>
+        <p:cNvPr id="1" name="Shape 14"/>
         <p:cNvGrpSpPr/>
         <p:nvPr/>
       </p:nvGrpSpPr>
@@ -2356,7 +2415,9 @@
       <p:sp>
         <p:nvSpPr>
           <p:cNvPr id="15" name="Google Shape;15;p3"/>
-          <p:cNvSpPr txBox="1"/>
+          <p:cNvSpPr txBox="1">
+            <a:spLocks noGrp="1"/>
+          </p:cNvSpPr>
           <p:nvPr>
             <p:ph type="title"/>
           </p:nvPr>
@@ -2374,11 +2435,11 @@
           </a:solidFill>
         </p:spPr>
         <p:txBody>
-          <a:bodyPr anchorCtr="0" anchor="ctr" bIns="91425" lIns="91425" spcFirstLastPara="1" rIns="91425" wrap="square" tIns="91425">
+          <a:bodyPr spcFirstLastPara="1" wrap="square" lIns="91425" tIns="91425" rIns="91425" bIns="91425" anchor="ctr" anchorCtr="0">
             <a:normAutofit/>
           </a:bodyPr>
           <a:lstStyle>
-            <a:lvl1pPr lvl="0" rtl="0" algn="ctr">
+            <a:lvl1pPr lvl="0" algn="ctr" rtl="0">
               <a:spcBef>
                 <a:spcPts val="0"/>
               </a:spcBef>
@@ -2389,7 +2450,7 @@
               <a:buNone/>
               <a:defRPr sz="4800"/>
             </a:lvl1pPr>
-            <a:lvl2pPr lvl="1" rtl="0" algn="ctr">
+            <a:lvl2pPr lvl="1" algn="ctr" rtl="0">
               <a:spcBef>
                 <a:spcPts val="0"/>
               </a:spcBef>
@@ -2400,7 +2461,7 @@
               <a:buNone/>
               <a:defRPr sz="4800"/>
             </a:lvl2pPr>
-            <a:lvl3pPr lvl="2" rtl="0" algn="ctr">
+            <a:lvl3pPr lvl="2" algn="ctr" rtl="0">
               <a:spcBef>
                 <a:spcPts val="0"/>
               </a:spcBef>
@@ -2411,7 +2472,7 @@
               <a:buNone/>
               <a:defRPr sz="4800"/>
             </a:lvl3pPr>
-            <a:lvl4pPr lvl="3" rtl="0" algn="ctr">
+            <a:lvl4pPr lvl="3" algn="ctr" rtl="0">
               <a:spcBef>
                 <a:spcPts val="0"/>
               </a:spcBef>
@@ -2422,7 +2483,7 @@
               <a:buNone/>
               <a:defRPr sz="4800"/>
             </a:lvl4pPr>
-            <a:lvl5pPr lvl="4" rtl="0" algn="ctr">
+            <a:lvl5pPr lvl="4" algn="ctr" rtl="0">
               <a:spcBef>
                 <a:spcPts val="0"/>
               </a:spcBef>
@@ -2433,7 +2494,7 @@
               <a:buNone/>
               <a:defRPr sz="4800"/>
             </a:lvl5pPr>
-            <a:lvl6pPr lvl="5" rtl="0" algn="ctr">
+            <a:lvl6pPr lvl="5" algn="ctr" rtl="0">
               <a:spcBef>
                 <a:spcPts val="0"/>
               </a:spcBef>
@@ -2444,7 +2505,7 @@
               <a:buNone/>
               <a:defRPr sz="4800"/>
             </a:lvl6pPr>
-            <a:lvl7pPr lvl="6" rtl="0" algn="ctr">
+            <a:lvl7pPr lvl="6" algn="ctr" rtl="0">
               <a:spcBef>
                 <a:spcPts val="0"/>
               </a:spcBef>
@@ -2455,7 +2516,7 @@
               <a:buNone/>
               <a:defRPr sz="4800"/>
             </a:lvl7pPr>
-            <a:lvl8pPr lvl="7" rtl="0" algn="ctr">
+            <a:lvl8pPr lvl="7" algn="ctr" rtl="0">
               <a:spcBef>
                 <a:spcPts val="0"/>
               </a:spcBef>
@@ -2466,7 +2527,7 @@
               <a:buNone/>
               <a:defRPr sz="4800"/>
             </a:lvl8pPr>
-            <a:lvl9pPr lvl="8" rtl="0" algn="ctr">
+            <a:lvl9pPr lvl="8" algn="ctr" rtl="0">
               <a:spcBef>
                 <a:spcPts val="0"/>
               </a:spcBef>
@@ -2478,15 +2539,19 @@
               <a:defRPr sz="4800"/>
             </a:lvl9pPr>
           </a:lstStyle>
-          <a:p/>
+          <a:p>
+            <a:endParaRPr/>
+          </a:p>
         </p:txBody>
       </p:sp>
       <p:sp>
         <p:nvSpPr>
           <p:cNvPr id="16" name="Google Shape;16;p3"/>
-          <p:cNvSpPr txBox="1"/>
+          <p:cNvSpPr txBox="1">
+            <a:spLocks noGrp="1"/>
+          </p:cNvSpPr>
           <p:nvPr>
-            <p:ph idx="12" type="sldNum"/>
+            <p:ph type="sldNum" idx="12"/>
           </p:nvPr>
         </p:nvSpPr>
         <p:spPr>
@@ -2499,7 +2564,7 @@
           </a:prstGeom>
         </p:spPr>
         <p:txBody>
-          <a:bodyPr anchorCtr="0" anchor="ctr" bIns="91425" lIns="91425" spcFirstLastPara="1" rIns="91425" wrap="square" tIns="91425">
+          <a:bodyPr spcFirstLastPara="1" wrap="square" lIns="91425" tIns="91425" rIns="91425" bIns="91425" anchor="ctr" anchorCtr="0">
             <a:normAutofit/>
           </a:bodyPr>
           <a:lstStyle>
@@ -2541,7 +2606,7 @@
             </a:lvl9pPr>
           </a:lstStyle>
           <a:p>
-            <a:pPr indent="0" lvl="0" marL="0" rtl="0" algn="r">
+            <a:pPr marL="0" lvl="0" indent="0" algn="r" rtl="0">
               <a:spcBef>
                 <a:spcPts val="0"/>
               </a:spcBef>
@@ -2552,7 +2617,7 @@
             </a:pPr>
             <a:fld id="{00000000-1234-1234-1234-123412341234}" type="slidenum">
               <a:rPr lang="es"/>
-              <a:t>‹#›</a:t>
+              <a:t>‹Nº›</a:t>
             </a:fld>
             <a:endParaRPr/>
           </a:p>
@@ -2567,11 +2632,11 @@
 </file>
 
 <file path=ppt/slideLayouts/slideLayout3.xml><?xml version="1.0" encoding="utf-8"?>
-<p:sldLayout xmlns:a="http://schemas.openxmlformats.org/drawingml/2006/main" xmlns:r="http://schemas.openxmlformats.org/officeDocument/2006/relationships" xmlns:mc="http://schemas.openxmlformats.org/markup-compatibility/2006" xmlns:mv="urn:schemas-microsoft-com:mac:vml" xmlns:p="http://schemas.openxmlformats.org/presentationml/2006/main" xmlns:c="http://schemas.openxmlformats.org/drawingml/2006/chart" xmlns:dgm="http://schemas.openxmlformats.org/drawingml/2006/diagram" xmlns:o="urn:schemas-microsoft-com:office:office" xmlns:v="urn:schemas-microsoft-com:vml" xmlns:pvml="urn:schemas-microsoft-com:office:powerpoint" xmlns:com="http://schemas.openxmlformats.org/drawingml/2006/compatibility" xmlns:p14="http://schemas.microsoft.com/office/powerpoint/2010/main" xmlns:p15="http://schemas.microsoft.com/office/powerpoint/2012/main" xmlns:ahyp="http://schemas.microsoft.com/office/drawing/2018/hyperlinkcolor" matchingName="Title and body" type="tx">
+<p:sldLayout xmlns:a="http://schemas.openxmlformats.org/drawingml/2006/main" xmlns:r="http://schemas.openxmlformats.org/officeDocument/2006/relationships" xmlns:p="http://schemas.openxmlformats.org/presentationml/2006/main" matchingName="Title and body" type="tx">
   <p:cSld name="TITLE_AND_BODY">
     <p:spTree>
       <p:nvGrpSpPr>
-        <p:cNvPr id="17" name="Shape 17"/>
+        <p:cNvPr id="1" name="Shape 17"/>
         <p:cNvGrpSpPr/>
         <p:nvPr/>
       </p:nvGrpSpPr>
@@ -2586,7 +2651,9 @@
       <p:sp>
         <p:nvSpPr>
           <p:cNvPr id="18" name="Google Shape;18;p4"/>
-          <p:cNvSpPr txBox="1"/>
+          <p:cNvSpPr txBox="1">
+            <a:spLocks noGrp="1"/>
+          </p:cNvSpPr>
           <p:nvPr>
             <p:ph type="title"/>
           </p:nvPr>
@@ -2601,7 +2668,7 @@
           </a:prstGeom>
         </p:spPr>
         <p:txBody>
-          <a:bodyPr anchorCtr="0" anchor="t" bIns="91425" lIns="91425" spcFirstLastPara="1" rIns="91425" wrap="square" tIns="91425">
+          <a:bodyPr spcFirstLastPara="1" wrap="square" lIns="91425" tIns="91425" rIns="91425" bIns="91425" anchor="t" anchorCtr="0">
             <a:normAutofit/>
           </a:bodyPr>
           <a:lstStyle>
@@ -2705,15 +2772,19 @@
               <a:defRPr/>
             </a:lvl9pPr>
           </a:lstStyle>
-          <a:p/>
+          <a:p>
+            <a:endParaRPr/>
+          </a:p>
         </p:txBody>
       </p:sp>
       <p:sp>
         <p:nvSpPr>
           <p:cNvPr id="19" name="Google Shape;19;p4"/>
-          <p:cNvSpPr txBox="1"/>
+          <p:cNvSpPr txBox="1">
+            <a:spLocks noGrp="1"/>
+          </p:cNvSpPr>
           <p:nvPr>
-            <p:ph idx="1" type="body"/>
+            <p:ph type="body" idx="1"/>
           </p:nvPr>
         </p:nvSpPr>
         <p:spPr>
@@ -2726,11 +2797,11 @@
           </a:prstGeom>
         </p:spPr>
         <p:txBody>
-          <a:bodyPr anchorCtr="0" anchor="t" bIns="91425" lIns="91425" spcFirstLastPara="1" rIns="91425" wrap="square" tIns="91425">
+          <a:bodyPr spcFirstLastPara="1" wrap="square" lIns="91425" tIns="91425" rIns="91425" bIns="91425" anchor="t" anchorCtr="0">
             <a:normAutofit/>
           </a:bodyPr>
           <a:lstStyle>
-            <a:lvl1pPr indent="-342900" lvl="0" marL="457200" rtl="0">
+            <a:lvl1pPr marL="457200" lvl="0" indent="-342900" rtl="0">
               <a:spcBef>
                 <a:spcPts val="0"/>
               </a:spcBef>
@@ -2741,7 +2812,7 @@
               <a:buChar char="●"/>
               <a:defRPr/>
             </a:lvl1pPr>
-            <a:lvl2pPr indent="-317500" lvl="1" marL="914400" rtl="0">
+            <a:lvl2pPr marL="914400" lvl="1" indent="-317500" rtl="0">
               <a:spcBef>
                 <a:spcPts val="0"/>
               </a:spcBef>
@@ -2752,7 +2823,7 @@
               <a:buChar char="○"/>
               <a:defRPr/>
             </a:lvl2pPr>
-            <a:lvl3pPr indent="-317500" lvl="2" marL="1371600" rtl="0">
+            <a:lvl3pPr marL="1371600" lvl="2" indent="-317500" rtl="0">
               <a:spcBef>
                 <a:spcPts val="0"/>
               </a:spcBef>
@@ -2763,7 +2834,7 @@
               <a:buChar char="■"/>
               <a:defRPr/>
             </a:lvl3pPr>
-            <a:lvl4pPr indent="-317500" lvl="3" marL="1828800" rtl="0">
+            <a:lvl4pPr marL="1828800" lvl="3" indent="-317500" rtl="0">
               <a:spcBef>
                 <a:spcPts val="0"/>
               </a:spcBef>
@@ -2774,7 +2845,7 @@
               <a:buChar char="●"/>
               <a:defRPr/>
             </a:lvl4pPr>
-            <a:lvl5pPr indent="-317500" lvl="4" marL="2286000" rtl="0">
+            <a:lvl5pPr marL="2286000" lvl="4" indent="-317500" rtl="0">
               <a:spcBef>
                 <a:spcPts val="0"/>
               </a:spcBef>
@@ -2785,7 +2856,7 @@
               <a:buChar char="○"/>
               <a:defRPr/>
             </a:lvl5pPr>
-            <a:lvl6pPr indent="-317500" lvl="5" marL="2743200" rtl="0">
+            <a:lvl6pPr marL="2743200" lvl="5" indent="-317500" rtl="0">
               <a:spcBef>
                 <a:spcPts val="0"/>
               </a:spcBef>
@@ -2796,7 +2867,7 @@
               <a:buChar char="■"/>
               <a:defRPr/>
             </a:lvl6pPr>
-            <a:lvl7pPr indent="-317500" lvl="6" marL="3200400" rtl="0">
+            <a:lvl7pPr marL="3200400" lvl="6" indent="-317500" rtl="0">
               <a:spcBef>
                 <a:spcPts val="0"/>
               </a:spcBef>
@@ -2807,7 +2878,7 @@
               <a:buChar char="●"/>
               <a:defRPr/>
             </a:lvl7pPr>
-            <a:lvl8pPr indent="-317500" lvl="7" marL="3657600" rtl="0">
+            <a:lvl8pPr marL="3657600" lvl="7" indent="-317500" rtl="0">
               <a:spcBef>
                 <a:spcPts val="0"/>
               </a:spcBef>
@@ -2818,7 +2889,7 @@
               <a:buChar char="○"/>
               <a:defRPr/>
             </a:lvl8pPr>
-            <a:lvl9pPr indent="-317500" lvl="8" marL="4114800" rtl="0">
+            <a:lvl9pPr marL="4114800" lvl="8" indent="-317500" rtl="0">
               <a:spcBef>
                 <a:spcPts val="0"/>
               </a:spcBef>
@@ -2830,15 +2901,19 @@
               <a:defRPr/>
             </a:lvl9pPr>
           </a:lstStyle>
-          <a:p/>
+          <a:p>
+            <a:endParaRPr/>
+          </a:p>
         </p:txBody>
       </p:sp>
       <p:sp>
         <p:nvSpPr>
           <p:cNvPr id="20" name="Google Shape;20;p4"/>
-          <p:cNvSpPr txBox="1"/>
+          <p:cNvSpPr txBox="1">
+            <a:spLocks noGrp="1"/>
+          </p:cNvSpPr>
           <p:nvPr>
-            <p:ph idx="12" type="sldNum"/>
+            <p:ph type="sldNum" idx="12"/>
           </p:nvPr>
         </p:nvSpPr>
         <p:spPr>
@@ -2851,7 +2926,7 @@
           </a:prstGeom>
         </p:spPr>
         <p:txBody>
-          <a:bodyPr anchorCtr="0" anchor="ctr" bIns="91425" lIns="91425" spcFirstLastPara="1" rIns="91425" wrap="square" tIns="91425">
+          <a:bodyPr spcFirstLastPara="1" wrap="square" lIns="91425" tIns="91425" rIns="91425" bIns="91425" anchor="ctr" anchorCtr="0">
             <a:normAutofit/>
           </a:bodyPr>
           <a:lstStyle>
@@ -2893,7 +2968,7 @@
             </a:lvl9pPr>
           </a:lstStyle>
           <a:p>
-            <a:pPr indent="0" lvl="0" marL="0" rtl="0" algn="r">
+            <a:pPr marL="0" lvl="0" indent="0" algn="r" rtl="0">
               <a:spcBef>
                 <a:spcPts val="0"/>
               </a:spcBef>
@@ -2904,7 +2979,7 @@
             </a:pPr>
             <a:fld id="{00000000-1234-1234-1234-123412341234}" type="slidenum">
               <a:rPr lang="es"/>
-              <a:t>‹#›</a:t>
+              <a:t>‹Nº›</a:t>
             </a:fld>
             <a:endParaRPr/>
           </a:p>
@@ -2919,11 +2994,11 @@
 </file>
 
 <file path=ppt/slideLayouts/slideLayout4.xml><?xml version="1.0" encoding="utf-8"?>
-<p:sldLayout xmlns:a="http://schemas.openxmlformats.org/drawingml/2006/main" xmlns:r="http://schemas.openxmlformats.org/officeDocument/2006/relationships" xmlns:mc="http://schemas.openxmlformats.org/markup-compatibility/2006" xmlns:mv="urn:schemas-microsoft-com:mac:vml" xmlns:p="http://schemas.openxmlformats.org/presentationml/2006/main" xmlns:c="http://schemas.openxmlformats.org/drawingml/2006/chart" xmlns:dgm="http://schemas.openxmlformats.org/drawingml/2006/diagram" xmlns:o="urn:schemas-microsoft-com:office:office" xmlns:v="urn:schemas-microsoft-com:vml" xmlns:pvml="urn:schemas-microsoft-com:office:powerpoint" xmlns:com="http://schemas.openxmlformats.org/drawingml/2006/compatibility" xmlns:p14="http://schemas.microsoft.com/office/powerpoint/2010/main" xmlns:p15="http://schemas.microsoft.com/office/powerpoint/2012/main" xmlns:ahyp="http://schemas.microsoft.com/office/drawing/2018/hyperlinkcolor" matchingName="Title and two columns" type="twoColTx">
+<p:sldLayout xmlns:a="http://schemas.openxmlformats.org/drawingml/2006/main" xmlns:r="http://schemas.openxmlformats.org/officeDocument/2006/relationships" xmlns:p="http://schemas.openxmlformats.org/presentationml/2006/main" matchingName="Title and two columns" type="twoColTx">
   <p:cSld name="TITLE_AND_TWO_COLUMNS">
     <p:spTree>
       <p:nvGrpSpPr>
-        <p:cNvPr id="21" name="Shape 21"/>
+        <p:cNvPr id="1" name="Shape 21"/>
         <p:cNvGrpSpPr/>
         <p:nvPr/>
       </p:nvGrpSpPr>
@@ -2938,7 +3013,9 @@
       <p:sp>
         <p:nvSpPr>
           <p:cNvPr id="22" name="Google Shape;22;p5"/>
-          <p:cNvSpPr txBox="1"/>
+          <p:cNvSpPr txBox="1">
+            <a:spLocks noGrp="1"/>
+          </p:cNvSpPr>
           <p:nvPr>
             <p:ph type="title"/>
           </p:nvPr>
@@ -2953,7 +3030,7 @@
           </a:prstGeom>
         </p:spPr>
         <p:txBody>
-          <a:bodyPr anchorCtr="0" anchor="t" bIns="91425" lIns="91425" spcFirstLastPara="1" rIns="91425" wrap="square" tIns="91425">
+          <a:bodyPr spcFirstLastPara="1" wrap="square" lIns="91425" tIns="91425" rIns="91425" bIns="91425" anchor="t" anchorCtr="0">
             <a:normAutofit/>
           </a:bodyPr>
           <a:lstStyle>
@@ -3057,15 +3134,19 @@
               <a:defRPr/>
             </a:lvl9pPr>
           </a:lstStyle>
-          <a:p/>
+          <a:p>
+            <a:endParaRPr/>
+          </a:p>
         </p:txBody>
       </p:sp>
       <p:sp>
         <p:nvSpPr>
           <p:cNvPr id="23" name="Google Shape;23;p5"/>
-          <p:cNvSpPr txBox="1"/>
+          <p:cNvSpPr txBox="1">
+            <a:spLocks noGrp="1"/>
+          </p:cNvSpPr>
           <p:nvPr>
-            <p:ph idx="1" type="body"/>
+            <p:ph type="body" idx="1"/>
           </p:nvPr>
         </p:nvSpPr>
         <p:spPr>
@@ -3078,11 +3159,11 @@
           </a:prstGeom>
         </p:spPr>
         <p:txBody>
-          <a:bodyPr anchorCtr="0" anchor="t" bIns="91425" lIns="91425" spcFirstLastPara="1" rIns="91425" wrap="square" tIns="91425">
+          <a:bodyPr spcFirstLastPara="1" wrap="square" lIns="91425" tIns="91425" rIns="91425" bIns="91425" anchor="t" anchorCtr="0">
             <a:normAutofit/>
           </a:bodyPr>
           <a:lstStyle>
-            <a:lvl1pPr indent="-317500" lvl="0" marL="457200" rtl="0">
+            <a:lvl1pPr marL="457200" lvl="0" indent="-317500" rtl="0">
               <a:spcBef>
                 <a:spcPts val="0"/>
               </a:spcBef>
@@ -3093,7 +3174,7 @@
               <a:buChar char="●"/>
               <a:defRPr sz="1400"/>
             </a:lvl1pPr>
-            <a:lvl2pPr indent="-304800" lvl="1" marL="914400" rtl="0">
+            <a:lvl2pPr marL="914400" lvl="1" indent="-304800" rtl="0">
               <a:spcBef>
                 <a:spcPts val="0"/>
               </a:spcBef>
@@ -3104,7 +3185,7 @@
               <a:buChar char="○"/>
               <a:defRPr sz="1200"/>
             </a:lvl2pPr>
-            <a:lvl3pPr indent="-304800" lvl="2" marL="1371600" rtl="0">
+            <a:lvl3pPr marL="1371600" lvl="2" indent="-304800" rtl="0">
               <a:spcBef>
                 <a:spcPts val="0"/>
               </a:spcBef>
@@ -3115,7 +3196,7 @@
               <a:buChar char="■"/>
               <a:defRPr sz="1200"/>
             </a:lvl3pPr>
-            <a:lvl4pPr indent="-304800" lvl="3" marL="1828800" rtl="0">
+            <a:lvl4pPr marL="1828800" lvl="3" indent="-304800" rtl="0">
               <a:spcBef>
                 <a:spcPts val="0"/>
               </a:spcBef>
@@ -3126,7 +3207,7 @@
               <a:buChar char="●"/>
               <a:defRPr sz="1200"/>
             </a:lvl4pPr>
-            <a:lvl5pPr indent="-304800" lvl="4" marL="2286000" rtl="0">
+            <a:lvl5pPr marL="2286000" lvl="4" indent="-304800" rtl="0">
               <a:spcBef>
                 <a:spcPts val="0"/>
               </a:spcBef>
@@ -3137,7 +3218,7 @@
               <a:buChar char="○"/>
               <a:defRPr sz="1200"/>
             </a:lvl5pPr>
-            <a:lvl6pPr indent="-304800" lvl="5" marL="2743200" rtl="0">
+            <a:lvl6pPr marL="2743200" lvl="5" indent="-304800" rtl="0">
               <a:spcBef>
                 <a:spcPts val="0"/>
               </a:spcBef>
@@ -3148,7 +3229,7 @@
               <a:buChar char="■"/>
               <a:defRPr sz="1200"/>
             </a:lvl6pPr>
-            <a:lvl7pPr indent="-304800" lvl="6" marL="3200400" rtl="0">
+            <a:lvl7pPr marL="3200400" lvl="6" indent="-304800" rtl="0">
               <a:spcBef>
                 <a:spcPts val="0"/>
               </a:spcBef>
@@ -3159,7 +3240,7 @@
               <a:buChar char="●"/>
               <a:defRPr sz="1200"/>
             </a:lvl7pPr>
-            <a:lvl8pPr indent="-304800" lvl="7" marL="3657600" rtl="0">
+            <a:lvl8pPr marL="3657600" lvl="7" indent="-304800" rtl="0">
               <a:spcBef>
                 <a:spcPts val="0"/>
               </a:spcBef>
@@ -3170,7 +3251,7 @@
               <a:buChar char="○"/>
               <a:defRPr sz="1200"/>
             </a:lvl8pPr>
-            <a:lvl9pPr indent="-304800" lvl="8" marL="4114800" rtl="0">
+            <a:lvl9pPr marL="4114800" lvl="8" indent="-304800" rtl="0">
               <a:spcBef>
                 <a:spcPts val="0"/>
               </a:spcBef>
@@ -3182,15 +3263,19 @@
               <a:defRPr sz="1200"/>
             </a:lvl9pPr>
           </a:lstStyle>
-          <a:p/>
+          <a:p>
+            <a:endParaRPr/>
+          </a:p>
         </p:txBody>
       </p:sp>
       <p:sp>
         <p:nvSpPr>
           <p:cNvPr id="24" name="Google Shape;24;p5"/>
-          <p:cNvSpPr txBox="1"/>
+          <p:cNvSpPr txBox="1">
+            <a:spLocks noGrp="1"/>
+          </p:cNvSpPr>
           <p:nvPr>
-            <p:ph idx="2" type="body"/>
+            <p:ph type="body" idx="2"/>
           </p:nvPr>
         </p:nvSpPr>
         <p:spPr>
@@ -3203,11 +3288,11 @@
           </a:prstGeom>
         </p:spPr>
         <p:txBody>
-          <a:bodyPr anchorCtr="0" anchor="t" bIns="91425" lIns="91425" spcFirstLastPara="1" rIns="91425" wrap="square" tIns="91425">
+          <a:bodyPr spcFirstLastPara="1" wrap="square" lIns="91425" tIns="91425" rIns="91425" bIns="91425" anchor="t" anchorCtr="0">
             <a:normAutofit/>
           </a:bodyPr>
           <a:lstStyle>
-            <a:lvl1pPr indent="-317500" lvl="0" marL="457200" rtl="0">
+            <a:lvl1pPr marL="457200" lvl="0" indent="-317500" rtl="0">
               <a:spcBef>
                 <a:spcPts val="0"/>
               </a:spcBef>
@@ -3218,7 +3303,7 @@
               <a:buChar char="●"/>
               <a:defRPr sz="1400"/>
             </a:lvl1pPr>
-            <a:lvl2pPr indent="-304800" lvl="1" marL="914400" rtl="0">
+            <a:lvl2pPr marL="914400" lvl="1" indent="-304800" rtl="0">
               <a:spcBef>
                 <a:spcPts val="0"/>
               </a:spcBef>
@@ -3229,7 +3314,7 @@
               <a:buChar char="○"/>
               <a:defRPr sz="1200"/>
             </a:lvl2pPr>
-            <a:lvl3pPr indent="-304800" lvl="2" marL="1371600" rtl="0">
+            <a:lvl3pPr marL="1371600" lvl="2" indent="-304800" rtl="0">
               <a:spcBef>
                 <a:spcPts val="0"/>
               </a:spcBef>
@@ -3240,7 +3325,7 @@
               <a:buChar char="■"/>
               <a:defRPr sz="1200"/>
             </a:lvl3pPr>
-            <a:lvl4pPr indent="-304800" lvl="3" marL="1828800" rtl="0">
+            <a:lvl4pPr marL="1828800" lvl="3" indent="-304800" rtl="0">
               <a:spcBef>
                 <a:spcPts val="0"/>
               </a:spcBef>
@@ -3251,7 +3336,7 @@
               <a:buChar char="●"/>
               <a:defRPr sz="1200"/>
             </a:lvl4pPr>
-            <a:lvl5pPr indent="-304800" lvl="4" marL="2286000" rtl="0">
+            <a:lvl5pPr marL="2286000" lvl="4" indent="-304800" rtl="0">
               <a:spcBef>
                 <a:spcPts val="0"/>
               </a:spcBef>
@@ -3262,7 +3347,7 @@
               <a:buChar char="○"/>
               <a:defRPr sz="1200"/>
             </a:lvl5pPr>
-            <a:lvl6pPr indent="-304800" lvl="5" marL="2743200" rtl="0">
+            <a:lvl6pPr marL="2743200" lvl="5" indent="-304800" rtl="0">
               <a:spcBef>
                 <a:spcPts val="0"/>
               </a:spcBef>
@@ -3273,7 +3358,7 @@
               <a:buChar char="■"/>
               <a:defRPr sz="1200"/>
             </a:lvl6pPr>
-            <a:lvl7pPr indent="-304800" lvl="6" marL="3200400" rtl="0">
+            <a:lvl7pPr marL="3200400" lvl="6" indent="-304800" rtl="0">
               <a:spcBef>
                 <a:spcPts val="0"/>
               </a:spcBef>
@@ -3284,7 +3369,7 @@
               <a:buChar char="●"/>
               <a:defRPr sz="1200"/>
             </a:lvl7pPr>
-            <a:lvl8pPr indent="-304800" lvl="7" marL="3657600" rtl="0">
+            <a:lvl8pPr marL="3657600" lvl="7" indent="-304800" rtl="0">
               <a:spcBef>
                 <a:spcPts val="0"/>
               </a:spcBef>
@@ -3295,7 +3380,7 @@
               <a:buChar char="○"/>
               <a:defRPr sz="1200"/>
             </a:lvl8pPr>
-            <a:lvl9pPr indent="-304800" lvl="8" marL="4114800" rtl="0">
+            <a:lvl9pPr marL="4114800" lvl="8" indent="-304800" rtl="0">
               <a:spcBef>
                 <a:spcPts val="0"/>
               </a:spcBef>
@@ -3307,15 +3392,19 @@
               <a:defRPr sz="1200"/>
             </a:lvl9pPr>
           </a:lstStyle>
-          <a:p/>
+          <a:p>
+            <a:endParaRPr/>
+          </a:p>
         </p:txBody>
       </p:sp>
       <p:sp>
         <p:nvSpPr>
           <p:cNvPr id="25" name="Google Shape;25;p5"/>
-          <p:cNvSpPr txBox="1"/>
+          <p:cNvSpPr txBox="1">
+            <a:spLocks noGrp="1"/>
+          </p:cNvSpPr>
           <p:nvPr>
-            <p:ph idx="12" type="sldNum"/>
+            <p:ph type="sldNum" idx="12"/>
           </p:nvPr>
         </p:nvSpPr>
         <p:spPr>
@@ -3328,7 +3417,7 @@
           </a:prstGeom>
         </p:spPr>
         <p:txBody>
-          <a:bodyPr anchorCtr="0" anchor="ctr" bIns="91425" lIns="91425" spcFirstLastPara="1" rIns="91425" wrap="square" tIns="91425">
+          <a:bodyPr spcFirstLastPara="1" wrap="square" lIns="91425" tIns="91425" rIns="91425" bIns="91425" anchor="ctr" anchorCtr="0">
             <a:normAutofit/>
           </a:bodyPr>
           <a:lstStyle>
@@ -3370,7 +3459,7 @@
             </a:lvl9pPr>
           </a:lstStyle>
           <a:p>
-            <a:pPr indent="0" lvl="0" marL="0" rtl="0" algn="r">
+            <a:pPr marL="0" lvl="0" indent="0" algn="r" rtl="0">
               <a:spcBef>
                 <a:spcPts val="0"/>
               </a:spcBef>
@@ -3381,7 +3470,7 @@
             </a:pPr>
             <a:fld id="{00000000-1234-1234-1234-123412341234}" type="slidenum">
               <a:rPr lang="es"/>
-              <a:t>‹#›</a:t>
+              <a:t>‹Nº›</a:t>
             </a:fld>
             <a:endParaRPr/>
           </a:p>
@@ -3396,11 +3485,11 @@
 </file>
 
 <file path=ppt/slideLayouts/slideLayout5.xml><?xml version="1.0" encoding="utf-8"?>
-<p:sldLayout xmlns:a="http://schemas.openxmlformats.org/drawingml/2006/main" xmlns:r="http://schemas.openxmlformats.org/officeDocument/2006/relationships" xmlns:mc="http://schemas.openxmlformats.org/markup-compatibility/2006" xmlns:mv="urn:schemas-microsoft-com:mac:vml" xmlns:p="http://schemas.openxmlformats.org/presentationml/2006/main" xmlns:c="http://schemas.openxmlformats.org/drawingml/2006/chart" xmlns:dgm="http://schemas.openxmlformats.org/drawingml/2006/diagram" xmlns:o="urn:schemas-microsoft-com:office:office" xmlns:v="urn:schemas-microsoft-com:vml" xmlns:pvml="urn:schemas-microsoft-com:office:powerpoint" xmlns:com="http://schemas.openxmlformats.org/drawingml/2006/compatibility" xmlns:p14="http://schemas.microsoft.com/office/powerpoint/2010/main" xmlns:p15="http://schemas.microsoft.com/office/powerpoint/2012/main" xmlns:ahyp="http://schemas.microsoft.com/office/drawing/2018/hyperlinkcolor" matchingName="Title only" type="titleOnly">
+<p:sldLayout xmlns:a="http://schemas.openxmlformats.org/drawingml/2006/main" xmlns:r="http://schemas.openxmlformats.org/officeDocument/2006/relationships" xmlns:p="http://schemas.openxmlformats.org/presentationml/2006/main" matchingName="Title only" type="titleOnly">
   <p:cSld name="TITLE_ONLY">
     <p:spTree>
       <p:nvGrpSpPr>
-        <p:cNvPr id="26" name="Shape 26"/>
+        <p:cNvPr id="1" name="Shape 26"/>
         <p:cNvGrpSpPr/>
         <p:nvPr/>
       </p:nvGrpSpPr>
@@ -3415,7 +3504,9 @@
       <p:sp>
         <p:nvSpPr>
           <p:cNvPr id="27" name="Google Shape;27;p6"/>
-          <p:cNvSpPr txBox="1"/>
+          <p:cNvSpPr txBox="1">
+            <a:spLocks noGrp="1"/>
+          </p:cNvSpPr>
           <p:nvPr>
             <p:ph type="title"/>
           </p:nvPr>
@@ -3430,7 +3521,7 @@
           </a:prstGeom>
         </p:spPr>
         <p:txBody>
-          <a:bodyPr anchorCtr="0" anchor="t" bIns="91425" lIns="91425" spcFirstLastPara="1" rIns="91425" wrap="square" tIns="91425">
+          <a:bodyPr spcFirstLastPara="1" wrap="square" lIns="91425" tIns="91425" rIns="91425" bIns="91425" anchor="t" anchorCtr="0">
             <a:normAutofit/>
           </a:bodyPr>
           <a:lstStyle>
@@ -3534,15 +3625,19 @@
               <a:defRPr sz="4000"/>
             </a:lvl9pPr>
           </a:lstStyle>
-          <a:p/>
+          <a:p>
+            <a:endParaRPr/>
+          </a:p>
         </p:txBody>
       </p:sp>
       <p:sp>
         <p:nvSpPr>
           <p:cNvPr id="28" name="Google Shape;28;p6"/>
-          <p:cNvSpPr txBox="1"/>
+          <p:cNvSpPr txBox="1">
+            <a:spLocks noGrp="1"/>
+          </p:cNvSpPr>
           <p:nvPr>
-            <p:ph idx="12" type="sldNum"/>
+            <p:ph type="sldNum" idx="12"/>
           </p:nvPr>
         </p:nvSpPr>
         <p:spPr>
@@ -3555,7 +3650,7 @@
           </a:prstGeom>
         </p:spPr>
         <p:txBody>
-          <a:bodyPr anchorCtr="0" anchor="ctr" bIns="91425" lIns="91425" spcFirstLastPara="1" rIns="91425" wrap="square" tIns="91425">
+          <a:bodyPr spcFirstLastPara="1" wrap="square" lIns="91425" tIns="91425" rIns="91425" bIns="91425" anchor="ctr" anchorCtr="0">
             <a:normAutofit/>
           </a:bodyPr>
           <a:lstStyle>
@@ -3597,7 +3692,7 @@
             </a:lvl9pPr>
           </a:lstStyle>
           <a:p>
-            <a:pPr indent="0" lvl="0" marL="0" rtl="0" algn="r">
+            <a:pPr marL="0" lvl="0" indent="0" algn="r" rtl="0">
               <a:spcBef>
                 <a:spcPts val="0"/>
               </a:spcBef>
@@ -3608,7 +3703,7 @@
             </a:pPr>
             <a:fld id="{00000000-1234-1234-1234-123412341234}" type="slidenum">
               <a:rPr lang="es"/>
-              <a:t>‹#›</a:t>
+              <a:t>‹Nº›</a:t>
             </a:fld>
             <a:endParaRPr/>
           </a:p>
@@ -3623,11 +3718,11 @@
 </file>
 
 <file path=ppt/slideLayouts/slideLayout6.xml><?xml version="1.0" encoding="utf-8"?>
-<p:sldLayout xmlns:a="http://schemas.openxmlformats.org/drawingml/2006/main" xmlns:r="http://schemas.openxmlformats.org/officeDocument/2006/relationships" xmlns:mc="http://schemas.openxmlformats.org/markup-compatibility/2006" xmlns:mv="urn:schemas-microsoft-com:mac:vml" xmlns:p="http://schemas.openxmlformats.org/presentationml/2006/main" xmlns:c="http://schemas.openxmlformats.org/drawingml/2006/chart" xmlns:dgm="http://schemas.openxmlformats.org/drawingml/2006/diagram" xmlns:o="urn:schemas-microsoft-com:office:office" xmlns:v="urn:schemas-microsoft-com:vml" xmlns:pvml="urn:schemas-microsoft-com:office:powerpoint" xmlns:com="http://schemas.openxmlformats.org/drawingml/2006/compatibility" xmlns:p14="http://schemas.microsoft.com/office/powerpoint/2010/main" xmlns:p15="http://schemas.microsoft.com/office/powerpoint/2012/main" xmlns:ahyp="http://schemas.microsoft.com/office/drawing/2018/hyperlinkcolor" matchingName="One column text">
+<p:sldLayout xmlns:a="http://schemas.openxmlformats.org/drawingml/2006/main" xmlns:r="http://schemas.openxmlformats.org/officeDocument/2006/relationships" xmlns:p="http://schemas.openxmlformats.org/presentationml/2006/main" matchingName="One column text">
   <p:cSld name="ONE_COLUMN_TEXT">
     <p:spTree>
       <p:nvGrpSpPr>
-        <p:cNvPr id="29" name="Shape 29"/>
+        <p:cNvPr id="1" name="Shape 29"/>
         <p:cNvGrpSpPr/>
         <p:nvPr/>
       </p:nvGrpSpPr>
@@ -3642,7 +3737,9 @@
       <p:sp>
         <p:nvSpPr>
           <p:cNvPr id="30" name="Google Shape;30;p7"/>
-          <p:cNvSpPr txBox="1"/>
+          <p:cNvSpPr txBox="1">
+            <a:spLocks noGrp="1"/>
+          </p:cNvSpPr>
           <p:nvPr>
             <p:ph type="title"/>
           </p:nvPr>
@@ -3657,7 +3754,7 @@
           </a:prstGeom>
         </p:spPr>
         <p:txBody>
-          <a:bodyPr anchorCtr="0" anchor="b" bIns="91425" lIns="91425" spcFirstLastPara="1" rIns="91425" wrap="square" tIns="91425">
+          <a:bodyPr spcFirstLastPara="1" wrap="square" lIns="91425" tIns="91425" rIns="91425" bIns="91425" anchor="b" anchorCtr="0">
             <a:normAutofit/>
           </a:bodyPr>
           <a:lstStyle>
@@ -3797,15 +3894,19 @@
               </a:defRPr>
             </a:lvl9pPr>
           </a:lstStyle>
-          <a:p/>
+          <a:p>
+            <a:endParaRPr/>
+          </a:p>
         </p:txBody>
       </p:sp>
       <p:sp>
         <p:nvSpPr>
           <p:cNvPr id="31" name="Google Shape;31;p7"/>
-          <p:cNvSpPr txBox="1"/>
+          <p:cNvSpPr txBox="1">
+            <a:spLocks noGrp="1"/>
+          </p:cNvSpPr>
           <p:nvPr>
-            <p:ph idx="1" type="body"/>
+            <p:ph type="body" idx="1"/>
           </p:nvPr>
         </p:nvSpPr>
         <p:spPr>
@@ -3818,11 +3919,11 @@
           </a:prstGeom>
         </p:spPr>
         <p:txBody>
-          <a:bodyPr anchorCtr="0" anchor="t" bIns="91425" lIns="91425" spcFirstLastPara="1" rIns="91425" wrap="square" tIns="91425">
+          <a:bodyPr spcFirstLastPara="1" wrap="square" lIns="91425" tIns="91425" rIns="91425" bIns="91425" anchor="t" anchorCtr="0">
             <a:normAutofit/>
           </a:bodyPr>
           <a:lstStyle>
-            <a:lvl1pPr indent="-304800" lvl="0" marL="457200" rtl="0">
+            <a:lvl1pPr marL="457200" lvl="0" indent="-304800" rtl="0">
               <a:spcBef>
                 <a:spcPts val="0"/>
               </a:spcBef>
@@ -3833,7 +3934,7 @@
               <a:buChar char="●"/>
               <a:defRPr sz="1200"/>
             </a:lvl1pPr>
-            <a:lvl2pPr indent="-304800" lvl="1" marL="914400" rtl="0">
+            <a:lvl2pPr marL="914400" lvl="1" indent="-304800" rtl="0">
               <a:spcBef>
                 <a:spcPts val="0"/>
               </a:spcBef>
@@ -3844,7 +3945,7 @@
               <a:buChar char="○"/>
               <a:defRPr sz="1200"/>
             </a:lvl2pPr>
-            <a:lvl3pPr indent="-304800" lvl="2" marL="1371600" rtl="0">
+            <a:lvl3pPr marL="1371600" lvl="2" indent="-304800" rtl="0">
               <a:spcBef>
                 <a:spcPts val="0"/>
               </a:spcBef>
@@ -3855,7 +3956,7 @@
               <a:buChar char="■"/>
               <a:defRPr sz="1200"/>
             </a:lvl3pPr>
-            <a:lvl4pPr indent="-304800" lvl="3" marL="1828800" rtl="0">
+            <a:lvl4pPr marL="1828800" lvl="3" indent="-304800" rtl="0">
               <a:spcBef>
                 <a:spcPts val="0"/>
               </a:spcBef>
@@ -3866,7 +3967,7 @@
               <a:buChar char="●"/>
               <a:defRPr sz="1200"/>
             </a:lvl4pPr>
-            <a:lvl5pPr indent="-304800" lvl="4" marL="2286000" rtl="0">
+            <a:lvl5pPr marL="2286000" lvl="4" indent="-304800" rtl="0">
               <a:spcBef>
                 <a:spcPts val="0"/>
               </a:spcBef>
@@ -3877,7 +3978,7 @@
               <a:buChar char="○"/>
               <a:defRPr sz="1200"/>
             </a:lvl5pPr>
-            <a:lvl6pPr indent="-304800" lvl="5" marL="2743200" rtl="0">
+            <a:lvl6pPr marL="2743200" lvl="5" indent="-304800" rtl="0">
               <a:spcBef>
                 <a:spcPts val="0"/>
               </a:spcBef>
@@ -3888,7 +3989,7 @@
               <a:buChar char="■"/>
               <a:defRPr sz="1200"/>
             </a:lvl6pPr>
-            <a:lvl7pPr indent="-304800" lvl="6" marL="3200400" rtl="0">
+            <a:lvl7pPr marL="3200400" lvl="6" indent="-304800" rtl="0">
               <a:spcBef>
                 <a:spcPts val="0"/>
               </a:spcBef>
@@ -3899,7 +4000,7 @@
               <a:buChar char="●"/>
               <a:defRPr sz="1200"/>
             </a:lvl7pPr>
-            <a:lvl8pPr indent="-304800" lvl="7" marL="3657600" rtl="0">
+            <a:lvl8pPr marL="3657600" lvl="7" indent="-304800" rtl="0">
               <a:spcBef>
                 <a:spcPts val="0"/>
               </a:spcBef>
@@ -3910,7 +4011,7 @@
               <a:buChar char="○"/>
               <a:defRPr sz="1200"/>
             </a:lvl8pPr>
-            <a:lvl9pPr indent="-304800" lvl="8" marL="4114800" rtl="0">
+            <a:lvl9pPr marL="4114800" lvl="8" indent="-304800" rtl="0">
               <a:spcBef>
                 <a:spcPts val="0"/>
               </a:spcBef>
@@ -3922,15 +4023,19 @@
               <a:defRPr sz="1200"/>
             </a:lvl9pPr>
           </a:lstStyle>
-          <a:p/>
+          <a:p>
+            <a:endParaRPr/>
+          </a:p>
         </p:txBody>
       </p:sp>
       <p:sp>
         <p:nvSpPr>
           <p:cNvPr id="32" name="Google Shape;32;p7"/>
-          <p:cNvSpPr txBox="1"/>
+          <p:cNvSpPr txBox="1">
+            <a:spLocks noGrp="1"/>
+          </p:cNvSpPr>
           <p:nvPr>
-            <p:ph idx="12" type="sldNum"/>
+            <p:ph type="sldNum" idx="12"/>
           </p:nvPr>
         </p:nvSpPr>
         <p:spPr>
@@ -3943,7 +4048,7 @@
           </a:prstGeom>
         </p:spPr>
         <p:txBody>
-          <a:bodyPr anchorCtr="0" anchor="ctr" bIns="91425" lIns="91425" spcFirstLastPara="1" rIns="91425" wrap="square" tIns="91425">
+          <a:bodyPr spcFirstLastPara="1" wrap="square" lIns="91425" tIns="91425" rIns="91425" bIns="91425" anchor="ctr" anchorCtr="0">
             <a:normAutofit/>
           </a:bodyPr>
           <a:lstStyle>
@@ -3985,7 +4090,7 @@
             </a:lvl9pPr>
           </a:lstStyle>
           <a:p>
-            <a:pPr indent="0" lvl="0" marL="0" rtl="0" algn="r">
+            <a:pPr marL="0" lvl="0" indent="0" algn="r" rtl="0">
               <a:spcBef>
                 <a:spcPts val="0"/>
               </a:spcBef>
@@ -3996,7 +4101,7 @@
             </a:pPr>
             <a:fld id="{00000000-1234-1234-1234-123412341234}" type="slidenum">
               <a:rPr lang="es"/>
-              <a:t>‹#›</a:t>
+              <a:t>‹Nº›</a:t>
             </a:fld>
             <a:endParaRPr/>
           </a:p>
@@ -4011,18 +4116,19 @@
 </file>
 
 <file path=ppt/slideLayouts/slideLayout7.xml><?xml version="1.0" encoding="utf-8"?>
-<p:sldLayout xmlns:a="http://schemas.openxmlformats.org/drawingml/2006/main" xmlns:r="http://schemas.openxmlformats.org/officeDocument/2006/relationships" xmlns:mc="http://schemas.openxmlformats.org/markup-compatibility/2006" xmlns:mv="urn:schemas-microsoft-com:mac:vml" xmlns:p="http://schemas.openxmlformats.org/presentationml/2006/main" xmlns:c="http://schemas.openxmlformats.org/drawingml/2006/chart" xmlns:dgm="http://schemas.openxmlformats.org/drawingml/2006/diagram" xmlns:o="urn:schemas-microsoft-com:office:office" xmlns:v="urn:schemas-microsoft-com:vml" xmlns:pvml="urn:schemas-microsoft-com:office:powerpoint" xmlns:com="http://schemas.openxmlformats.org/drawingml/2006/compatibility" xmlns:p14="http://schemas.microsoft.com/office/powerpoint/2010/main" xmlns:p15="http://schemas.microsoft.com/office/powerpoint/2012/main" xmlns:ahyp="http://schemas.microsoft.com/office/drawing/2018/hyperlinkcolor" matchingName="Main point">
+<p:sldLayout xmlns:a="http://schemas.openxmlformats.org/drawingml/2006/main" xmlns:r="http://schemas.openxmlformats.org/officeDocument/2006/relationships" xmlns:p="http://schemas.openxmlformats.org/presentationml/2006/main" matchingName="Main point">
   <p:cSld name="MAIN_POINT">
     <p:bg>
       <p:bgPr>
         <a:solidFill>
           <a:schemeClr val="accent4"/>
         </a:solidFill>
+        <a:effectLst/>
       </p:bgPr>
     </p:bg>
     <p:spTree>
       <p:nvGrpSpPr>
-        <p:cNvPr id="33" name="Shape 33"/>
+        <p:cNvPr id="1" name="Shape 33"/>
         <p:cNvGrpSpPr/>
         <p:nvPr/>
       </p:nvGrpSpPr>
@@ -4037,7 +4143,9 @@
       <p:sp>
         <p:nvSpPr>
           <p:cNvPr id="34" name="Google Shape;34;p8"/>
-          <p:cNvSpPr txBox="1"/>
+          <p:cNvSpPr txBox="1">
+            <a:spLocks noGrp="1"/>
+          </p:cNvSpPr>
           <p:nvPr>
             <p:ph type="title"/>
           </p:nvPr>
@@ -4052,7 +4160,7 @@
           </a:prstGeom>
         </p:spPr>
         <p:txBody>
-          <a:bodyPr anchorCtr="0" anchor="ctr" bIns="91425" lIns="91425" spcFirstLastPara="1" rIns="91425" wrap="square" tIns="91425">
+          <a:bodyPr spcFirstLastPara="1" wrap="square" lIns="91425" tIns="91425" rIns="91425" bIns="91425" anchor="ctr" anchorCtr="0">
             <a:normAutofit/>
           </a:bodyPr>
           <a:lstStyle>
@@ -4219,15 +4327,19 @@
               </a:defRPr>
             </a:lvl9pPr>
           </a:lstStyle>
-          <a:p/>
+          <a:p>
+            <a:endParaRPr/>
+          </a:p>
         </p:txBody>
       </p:sp>
       <p:sp>
         <p:nvSpPr>
           <p:cNvPr id="35" name="Google Shape;35;p8"/>
-          <p:cNvSpPr txBox="1"/>
+          <p:cNvSpPr txBox="1">
+            <a:spLocks noGrp="1"/>
+          </p:cNvSpPr>
           <p:nvPr>
-            <p:ph idx="12" type="sldNum"/>
+            <p:ph type="sldNum" idx="12"/>
           </p:nvPr>
         </p:nvSpPr>
         <p:spPr>
@@ -4240,7 +4352,7 @@
           </a:prstGeom>
         </p:spPr>
         <p:txBody>
-          <a:bodyPr anchorCtr="0" anchor="ctr" bIns="91425" lIns="91425" spcFirstLastPara="1" rIns="91425" wrap="square" tIns="91425">
+          <a:bodyPr spcFirstLastPara="1" wrap="square" lIns="91425" tIns="91425" rIns="91425" bIns="91425" anchor="ctr" anchorCtr="0">
             <a:normAutofit/>
           </a:bodyPr>
           <a:lstStyle>
@@ -4318,7 +4430,7 @@
             </a:lvl9pPr>
           </a:lstStyle>
           <a:p>
-            <a:pPr indent="0" lvl="0" marL="0" rtl="0" algn="r">
+            <a:pPr marL="0" lvl="0" indent="0" algn="r" rtl="0">
               <a:spcBef>
                 <a:spcPts val="0"/>
               </a:spcBef>
@@ -4329,7 +4441,7 @@
             </a:pPr>
             <a:fld id="{00000000-1234-1234-1234-123412341234}" type="slidenum">
               <a:rPr lang="es"/>
-              <a:t>‹#›</a:t>
+              <a:t>‹Nº›</a:t>
             </a:fld>
             <a:endParaRPr/>
           </a:p>
@@ -4344,11 +4456,11 @@
 </file>
 
 <file path=ppt/slideLayouts/slideLayout8.xml><?xml version="1.0" encoding="utf-8"?>
-<p:sldLayout xmlns:a="http://schemas.openxmlformats.org/drawingml/2006/main" xmlns:r="http://schemas.openxmlformats.org/officeDocument/2006/relationships" xmlns:mc="http://schemas.openxmlformats.org/markup-compatibility/2006" xmlns:mv="urn:schemas-microsoft-com:mac:vml" xmlns:p="http://schemas.openxmlformats.org/presentationml/2006/main" xmlns:c="http://schemas.openxmlformats.org/drawingml/2006/chart" xmlns:dgm="http://schemas.openxmlformats.org/drawingml/2006/diagram" xmlns:o="urn:schemas-microsoft-com:office:office" xmlns:v="urn:schemas-microsoft-com:vml" xmlns:pvml="urn:schemas-microsoft-com:office:powerpoint" xmlns:com="http://schemas.openxmlformats.org/drawingml/2006/compatibility" xmlns:p14="http://schemas.microsoft.com/office/powerpoint/2010/main" xmlns:p15="http://schemas.microsoft.com/office/powerpoint/2012/main" xmlns:ahyp="http://schemas.microsoft.com/office/drawing/2018/hyperlinkcolor" matchingName="Section title and description">
+<p:sldLayout xmlns:a="http://schemas.openxmlformats.org/drawingml/2006/main" xmlns:r="http://schemas.openxmlformats.org/officeDocument/2006/relationships" xmlns:p="http://schemas.openxmlformats.org/presentationml/2006/main" matchingName="Section title and description">
   <p:cSld name="SECTION_TITLE_AND_DESCRIPTION">
     <p:spTree>
       <p:nvGrpSpPr>
-        <p:cNvPr id="36" name="Shape 36"/>
+        <p:cNvPr id="1" name="Shape 36"/>
         <p:cNvGrpSpPr/>
         <p:nvPr/>
       </p:nvGrpSpPr>
@@ -4382,12 +4494,12 @@
           </a:ln>
         </p:spPr>
         <p:txBody>
-          <a:bodyPr anchorCtr="0" anchor="ctr" bIns="91425" lIns="91425" spcFirstLastPara="1" rIns="91425" wrap="square" tIns="91425">
+          <a:bodyPr spcFirstLastPara="1" wrap="square" lIns="91425" tIns="91425" rIns="91425" bIns="91425" anchor="ctr" anchorCtr="0">
             <a:noAutofit/>
           </a:bodyPr>
           <a:lstStyle/>
           <a:p>
-            <a:pPr indent="0" lvl="0" marL="0" rtl="0" algn="l">
+            <a:pPr marL="0" lvl="0" indent="0" algn="l" rtl="0">
               <a:spcBef>
                 <a:spcPts val="0"/>
               </a:spcBef>
@@ -4396,9 +4508,6 @@
               </a:spcAft>
               <a:buNone/>
             </a:pPr>
-            <a:r>
-              <a:t/>
-            </a:r>
             <a:endParaRPr/>
           </a:p>
         </p:txBody>
@@ -4418,21 +4527,23 @@
             <a:avLst/>
           </a:prstGeom>
           <a:noFill/>
-          <a:ln cap="flat" cmpd="sng" w="28575">
+          <a:ln w="28575" cap="flat" cmpd="sng">
             <a:solidFill>
               <a:schemeClr val="lt1"/>
             </a:solidFill>
             <a:prstDash val="solid"/>
             <a:round/>
-            <a:headEnd len="sm" w="sm" type="none"/>
-            <a:tailEnd len="sm" w="sm" type="none"/>
+            <a:headEnd type="none" w="sm" len="sm"/>
+            <a:tailEnd type="none" w="sm" len="sm"/>
           </a:ln>
         </p:spPr>
       </p:cxnSp>
       <p:sp>
         <p:nvSpPr>
           <p:cNvPr id="39" name="Google Shape;39;p9"/>
-          <p:cNvSpPr txBox="1"/>
+          <p:cNvSpPr txBox="1">
+            <a:spLocks noGrp="1"/>
+          </p:cNvSpPr>
           <p:nvPr>
             <p:ph type="title"/>
           </p:nvPr>
@@ -4447,11 +4558,11 @@
           </a:prstGeom>
         </p:spPr>
         <p:txBody>
-          <a:bodyPr anchorCtr="0" anchor="b" bIns="91425" lIns="91425" spcFirstLastPara="1" rIns="91425" wrap="square" tIns="91425">
+          <a:bodyPr spcFirstLastPara="1" wrap="square" lIns="91425" tIns="91425" rIns="91425" bIns="91425" anchor="b" anchorCtr="0">
             <a:normAutofit/>
           </a:bodyPr>
           <a:lstStyle>
-            <a:lvl1pPr lvl="0" rtl="0" algn="ctr">
+            <a:lvl1pPr lvl="0" algn="ctr" rtl="0">
               <a:spcBef>
                 <a:spcPts val="0"/>
               </a:spcBef>
@@ -4462,7 +4573,7 @@
               <a:buNone/>
               <a:defRPr sz="5400"/>
             </a:lvl1pPr>
-            <a:lvl2pPr lvl="1" rtl="0" algn="ctr">
+            <a:lvl2pPr lvl="1" algn="ctr" rtl="0">
               <a:spcBef>
                 <a:spcPts val="0"/>
               </a:spcBef>
@@ -4473,7 +4584,7 @@
               <a:buNone/>
               <a:defRPr sz="5400"/>
             </a:lvl2pPr>
-            <a:lvl3pPr lvl="2" rtl="0" algn="ctr">
+            <a:lvl3pPr lvl="2" algn="ctr" rtl="0">
               <a:spcBef>
                 <a:spcPts val="0"/>
               </a:spcBef>
@@ -4484,7 +4595,7 @@
               <a:buNone/>
               <a:defRPr sz="5400"/>
             </a:lvl3pPr>
-            <a:lvl4pPr lvl="3" rtl="0" algn="ctr">
+            <a:lvl4pPr lvl="3" algn="ctr" rtl="0">
               <a:spcBef>
                 <a:spcPts val="0"/>
               </a:spcBef>
@@ -4495,7 +4606,7 @@
               <a:buNone/>
               <a:defRPr sz="5400"/>
             </a:lvl4pPr>
-            <a:lvl5pPr lvl="4" rtl="0" algn="ctr">
+            <a:lvl5pPr lvl="4" algn="ctr" rtl="0">
               <a:spcBef>
                 <a:spcPts val="0"/>
               </a:spcBef>
@@ -4506,7 +4617,7 @@
               <a:buNone/>
               <a:defRPr sz="5400"/>
             </a:lvl5pPr>
-            <a:lvl6pPr lvl="5" rtl="0" algn="ctr">
+            <a:lvl6pPr lvl="5" algn="ctr" rtl="0">
               <a:spcBef>
                 <a:spcPts val="0"/>
               </a:spcBef>
@@ -4517,7 +4628,7 @@
               <a:buNone/>
               <a:defRPr sz="5400"/>
             </a:lvl6pPr>
-            <a:lvl7pPr lvl="6" rtl="0" algn="ctr">
+            <a:lvl7pPr lvl="6" algn="ctr" rtl="0">
               <a:spcBef>
                 <a:spcPts val="0"/>
               </a:spcBef>
@@ -4528,7 +4639,7 @@
               <a:buNone/>
               <a:defRPr sz="5400"/>
             </a:lvl7pPr>
-            <a:lvl8pPr lvl="7" rtl="0" algn="ctr">
+            <a:lvl8pPr lvl="7" algn="ctr" rtl="0">
               <a:spcBef>
                 <a:spcPts val="0"/>
               </a:spcBef>
@@ -4539,7 +4650,7 @@
               <a:buNone/>
               <a:defRPr sz="5400"/>
             </a:lvl8pPr>
-            <a:lvl9pPr lvl="8" rtl="0" algn="ctr">
+            <a:lvl9pPr lvl="8" algn="ctr" rtl="0">
               <a:spcBef>
                 <a:spcPts val="0"/>
               </a:spcBef>
@@ -4551,15 +4662,19 @@
               <a:defRPr sz="5400"/>
             </a:lvl9pPr>
           </a:lstStyle>
-          <a:p/>
+          <a:p>
+            <a:endParaRPr/>
+          </a:p>
         </p:txBody>
       </p:sp>
       <p:sp>
         <p:nvSpPr>
           <p:cNvPr id="40" name="Google Shape;40;p9"/>
-          <p:cNvSpPr txBox="1"/>
+          <p:cNvSpPr txBox="1">
+            <a:spLocks noGrp="1"/>
+          </p:cNvSpPr>
           <p:nvPr>
-            <p:ph idx="1" type="subTitle"/>
+            <p:ph type="subTitle" idx="1"/>
           </p:nvPr>
         </p:nvSpPr>
         <p:spPr>
@@ -4572,11 +4687,11 @@
           </a:prstGeom>
         </p:spPr>
         <p:txBody>
-          <a:bodyPr anchorCtr="0" anchor="t" bIns="91425" lIns="91425" spcFirstLastPara="1" rIns="91425" wrap="square" tIns="91425">
+          <a:bodyPr spcFirstLastPara="1" wrap="square" lIns="91425" tIns="91425" rIns="91425" bIns="91425" anchor="t" anchorCtr="0">
             <a:normAutofit/>
           </a:bodyPr>
           <a:lstStyle>
-            <a:lvl1pPr lvl="0" rtl="0" algn="ctr">
+            <a:lvl1pPr lvl="0" algn="ctr" rtl="0">
               <a:lnSpc>
                 <a:spcPct val="100000"/>
               </a:lnSpc>
@@ -4590,7 +4705,7 @@
               <a:buNone/>
               <a:defRPr/>
             </a:lvl1pPr>
-            <a:lvl2pPr lvl="1" rtl="0" algn="ctr">
+            <a:lvl2pPr lvl="1" algn="ctr" rtl="0">
               <a:lnSpc>
                 <a:spcPct val="100000"/>
               </a:lnSpc>
@@ -4604,7 +4719,7 @@
               <a:buNone/>
               <a:defRPr sz="1800"/>
             </a:lvl2pPr>
-            <a:lvl3pPr lvl="2" rtl="0" algn="ctr">
+            <a:lvl3pPr lvl="2" algn="ctr" rtl="0">
               <a:lnSpc>
                 <a:spcPct val="100000"/>
               </a:lnSpc>
@@ -4618,7 +4733,7 @@
               <a:buNone/>
               <a:defRPr sz="1800"/>
             </a:lvl3pPr>
-            <a:lvl4pPr lvl="3" rtl="0" algn="ctr">
+            <a:lvl4pPr lvl="3" algn="ctr" rtl="0">
               <a:lnSpc>
                 <a:spcPct val="100000"/>
               </a:lnSpc>
@@ -4632,7 +4747,7 @@
               <a:buNone/>
               <a:defRPr sz="1800"/>
             </a:lvl4pPr>
-            <a:lvl5pPr lvl="4" rtl="0" algn="ctr">
+            <a:lvl5pPr lvl="4" algn="ctr" rtl="0">
               <a:lnSpc>
                 <a:spcPct val="100000"/>
               </a:lnSpc>
@@ -4646,7 +4761,7 @@
               <a:buNone/>
               <a:defRPr sz="1800"/>
             </a:lvl5pPr>
-            <a:lvl6pPr lvl="5" rtl="0" algn="ctr">
+            <a:lvl6pPr lvl="5" algn="ctr" rtl="0">
               <a:lnSpc>
                 <a:spcPct val="100000"/>
               </a:lnSpc>
@@ -4660,7 +4775,7 @@
               <a:buNone/>
               <a:defRPr sz="1800"/>
             </a:lvl6pPr>
-            <a:lvl7pPr lvl="6" rtl="0" algn="ctr">
+            <a:lvl7pPr lvl="6" algn="ctr" rtl="0">
               <a:lnSpc>
                 <a:spcPct val="100000"/>
               </a:lnSpc>
@@ -4674,7 +4789,7 @@
               <a:buNone/>
               <a:defRPr sz="1800"/>
             </a:lvl7pPr>
-            <a:lvl8pPr lvl="7" rtl="0" algn="ctr">
+            <a:lvl8pPr lvl="7" algn="ctr" rtl="0">
               <a:lnSpc>
                 <a:spcPct val="100000"/>
               </a:lnSpc>
@@ -4688,7 +4803,7 @@
               <a:buNone/>
               <a:defRPr sz="1800"/>
             </a:lvl8pPr>
-            <a:lvl9pPr lvl="8" rtl="0" algn="ctr">
+            <a:lvl9pPr lvl="8" algn="ctr" rtl="0">
               <a:lnSpc>
                 <a:spcPct val="100000"/>
               </a:lnSpc>
@@ -4703,15 +4818,19 @@
               <a:defRPr sz="1800"/>
             </a:lvl9pPr>
           </a:lstStyle>
-          <a:p/>
+          <a:p>
+            <a:endParaRPr/>
+          </a:p>
         </p:txBody>
       </p:sp>
       <p:sp>
         <p:nvSpPr>
           <p:cNvPr id="41" name="Google Shape;41;p9"/>
-          <p:cNvSpPr txBox="1"/>
+          <p:cNvSpPr txBox="1">
+            <a:spLocks noGrp="1"/>
+          </p:cNvSpPr>
           <p:nvPr>
-            <p:ph idx="2" type="body"/>
+            <p:ph type="body" idx="2"/>
           </p:nvPr>
         </p:nvSpPr>
         <p:spPr>
@@ -4724,11 +4843,11 @@
           </a:prstGeom>
         </p:spPr>
         <p:txBody>
-          <a:bodyPr anchorCtr="0" anchor="ctr" bIns="91425" lIns="91425" spcFirstLastPara="1" rIns="91425" wrap="square" tIns="91425">
+          <a:bodyPr spcFirstLastPara="1" wrap="square" lIns="91425" tIns="91425" rIns="91425" bIns="91425" anchor="ctr" anchorCtr="0">
             <a:normAutofit/>
           </a:bodyPr>
           <a:lstStyle>
-            <a:lvl1pPr indent="-342900" lvl="0" marL="457200" rtl="0">
+            <a:lvl1pPr marL="457200" lvl="0" indent="-342900" rtl="0">
               <a:spcBef>
                 <a:spcPts val="0"/>
               </a:spcBef>
@@ -4749,7 +4868,7 @@
                 </a:highlight>
               </a:defRPr>
             </a:lvl1pPr>
-            <a:lvl2pPr indent="-317500" lvl="1" marL="914400" rtl="0">
+            <a:lvl2pPr marL="914400" lvl="1" indent="-317500" rtl="0">
               <a:spcBef>
                 <a:spcPts val="0"/>
               </a:spcBef>
@@ -4770,7 +4889,7 @@
                 </a:highlight>
               </a:defRPr>
             </a:lvl2pPr>
-            <a:lvl3pPr indent="-317500" lvl="2" marL="1371600" rtl="0">
+            <a:lvl3pPr marL="1371600" lvl="2" indent="-317500" rtl="0">
               <a:spcBef>
                 <a:spcPts val="0"/>
               </a:spcBef>
@@ -4791,7 +4910,7 @@
                 </a:highlight>
               </a:defRPr>
             </a:lvl3pPr>
-            <a:lvl4pPr indent="-317500" lvl="3" marL="1828800" rtl="0">
+            <a:lvl4pPr marL="1828800" lvl="3" indent="-317500" rtl="0">
               <a:spcBef>
                 <a:spcPts val="0"/>
               </a:spcBef>
@@ -4812,7 +4931,7 @@
                 </a:highlight>
               </a:defRPr>
             </a:lvl4pPr>
-            <a:lvl5pPr indent="-317500" lvl="4" marL="2286000" rtl="0">
+            <a:lvl5pPr marL="2286000" lvl="4" indent="-317500" rtl="0">
               <a:spcBef>
                 <a:spcPts val="0"/>
               </a:spcBef>
@@ -4833,7 +4952,7 @@
                 </a:highlight>
               </a:defRPr>
             </a:lvl5pPr>
-            <a:lvl6pPr indent="-317500" lvl="5" marL="2743200" rtl="0">
+            <a:lvl6pPr marL="2743200" lvl="5" indent="-317500" rtl="0">
               <a:spcBef>
                 <a:spcPts val="0"/>
               </a:spcBef>
@@ -4854,7 +4973,7 @@
                 </a:highlight>
               </a:defRPr>
             </a:lvl6pPr>
-            <a:lvl7pPr indent="-317500" lvl="6" marL="3200400" rtl="0">
+            <a:lvl7pPr marL="3200400" lvl="6" indent="-317500" rtl="0">
               <a:spcBef>
                 <a:spcPts val="0"/>
               </a:spcBef>
@@ -4875,7 +4994,7 @@
                 </a:highlight>
               </a:defRPr>
             </a:lvl7pPr>
-            <a:lvl8pPr indent="-317500" lvl="7" marL="3657600" rtl="0">
+            <a:lvl8pPr marL="3657600" lvl="7" indent="-317500" rtl="0">
               <a:spcBef>
                 <a:spcPts val="0"/>
               </a:spcBef>
@@ -4896,7 +5015,7 @@
                 </a:highlight>
               </a:defRPr>
             </a:lvl8pPr>
-            <a:lvl9pPr indent="-317500" lvl="8" marL="4114800" rtl="0">
+            <a:lvl9pPr marL="4114800" lvl="8" indent="-317500" rtl="0">
               <a:spcBef>
                 <a:spcPts val="0"/>
               </a:spcBef>
@@ -4918,15 +5037,19 @@
               </a:defRPr>
             </a:lvl9pPr>
           </a:lstStyle>
-          <a:p/>
+          <a:p>
+            <a:endParaRPr/>
+          </a:p>
         </p:txBody>
       </p:sp>
       <p:sp>
         <p:nvSpPr>
           <p:cNvPr id="42" name="Google Shape;42;p9"/>
-          <p:cNvSpPr txBox="1"/>
+          <p:cNvSpPr txBox="1">
+            <a:spLocks noGrp="1"/>
+          </p:cNvSpPr>
           <p:nvPr>
-            <p:ph idx="12" type="sldNum"/>
+            <p:ph type="sldNum" idx="12"/>
           </p:nvPr>
         </p:nvSpPr>
         <p:spPr>
@@ -4939,7 +5062,7 @@
           </a:prstGeom>
         </p:spPr>
         <p:txBody>
-          <a:bodyPr anchorCtr="0" anchor="ctr" bIns="91425" lIns="91425" spcFirstLastPara="1" rIns="91425" wrap="square" tIns="91425">
+          <a:bodyPr spcFirstLastPara="1" wrap="square" lIns="91425" tIns="91425" rIns="91425" bIns="91425" anchor="ctr" anchorCtr="0">
             <a:normAutofit/>
           </a:bodyPr>
           <a:lstStyle>
@@ -4981,7 +5104,7 @@
             </a:lvl9pPr>
           </a:lstStyle>
           <a:p>
-            <a:pPr indent="0" lvl="0" marL="0" rtl="0" algn="r">
+            <a:pPr marL="0" lvl="0" indent="0" algn="r" rtl="0">
               <a:spcBef>
                 <a:spcPts val="0"/>
               </a:spcBef>
@@ -4992,7 +5115,7 @@
             </a:pPr>
             <a:fld id="{00000000-1234-1234-1234-123412341234}" type="slidenum">
               <a:rPr lang="es"/>
-              <a:t>‹#›</a:t>
+              <a:t>‹Nº›</a:t>
             </a:fld>
             <a:endParaRPr/>
           </a:p>
@@ -5007,11 +5130,11 @@
 </file>
 
 <file path=ppt/slideLayouts/slideLayout9.xml><?xml version="1.0" encoding="utf-8"?>
-<p:sldLayout xmlns:a="http://schemas.openxmlformats.org/drawingml/2006/main" xmlns:r="http://schemas.openxmlformats.org/officeDocument/2006/relationships" xmlns:mc="http://schemas.openxmlformats.org/markup-compatibility/2006" xmlns:mv="urn:schemas-microsoft-com:mac:vml" xmlns:p="http://schemas.openxmlformats.org/presentationml/2006/main" xmlns:c="http://schemas.openxmlformats.org/drawingml/2006/chart" xmlns:dgm="http://schemas.openxmlformats.org/drawingml/2006/diagram" xmlns:o="urn:schemas-microsoft-com:office:office" xmlns:v="urn:schemas-microsoft-com:vml" xmlns:pvml="urn:schemas-microsoft-com:office:powerpoint" xmlns:com="http://schemas.openxmlformats.org/drawingml/2006/compatibility" xmlns:p14="http://schemas.microsoft.com/office/powerpoint/2010/main" xmlns:p15="http://schemas.microsoft.com/office/powerpoint/2012/main" xmlns:ahyp="http://schemas.microsoft.com/office/drawing/2018/hyperlinkcolor" matchingName="Caption">
+<p:sldLayout xmlns:a="http://schemas.openxmlformats.org/drawingml/2006/main" xmlns:r="http://schemas.openxmlformats.org/officeDocument/2006/relationships" xmlns:p="http://schemas.openxmlformats.org/presentationml/2006/main" matchingName="Caption">
   <p:cSld name="CAPTION_ONLY">
     <p:spTree>
       <p:nvGrpSpPr>
-        <p:cNvPr id="43" name="Shape 43"/>
+        <p:cNvPr id="1" name="Shape 43"/>
         <p:cNvGrpSpPr/>
         <p:nvPr/>
       </p:nvGrpSpPr>
@@ -5026,9 +5149,11 @@
       <p:sp>
         <p:nvSpPr>
           <p:cNvPr id="44" name="Google Shape;44;p10"/>
-          <p:cNvSpPr txBox="1"/>
+          <p:cNvSpPr txBox="1">
+            <a:spLocks noGrp="1"/>
+          </p:cNvSpPr>
           <p:nvPr>
-            <p:ph idx="1" type="body"/>
+            <p:ph type="body" idx="1"/>
           </p:nvPr>
         </p:nvSpPr>
         <p:spPr>
@@ -5041,11 +5166,11 @@
           </a:prstGeom>
         </p:spPr>
         <p:txBody>
-          <a:bodyPr anchorCtr="0" anchor="ctr" bIns="91425" lIns="91425" spcFirstLastPara="1" rIns="91425" wrap="square" tIns="91425">
+          <a:bodyPr spcFirstLastPara="1" wrap="square" lIns="91425" tIns="91425" rIns="91425" bIns="91425" anchor="ctr" anchorCtr="0">
             <a:normAutofit/>
           </a:bodyPr>
           <a:lstStyle>
-            <a:lvl1pPr indent="-228600" lvl="0" marL="457200" rtl="0">
+            <a:lvl1pPr marL="457200" lvl="0" indent="-228600" rtl="0">
               <a:lnSpc>
                 <a:spcPct val="100000"/>
               </a:lnSpc>
@@ -5061,7 +5186,7 @@
               <a:buSzPts val="2400"/>
               <a:buFont typeface="Amatic SC"/>
               <a:buNone/>
-              <a:defRPr b="1" sz="2400">
+              <a:defRPr sz="2400" b="1">
                 <a:solidFill>
                   <a:schemeClr val="accent1"/>
                 </a:solidFill>
@@ -5072,15 +5197,19 @@
               </a:defRPr>
             </a:lvl1pPr>
           </a:lstStyle>
-          <a:p/>
+          <a:p>
+            <a:endParaRPr/>
+          </a:p>
         </p:txBody>
       </p:sp>
       <p:sp>
         <p:nvSpPr>
           <p:cNvPr id="45" name="Google Shape;45;p10"/>
-          <p:cNvSpPr txBox="1"/>
+          <p:cNvSpPr txBox="1">
+            <a:spLocks noGrp="1"/>
+          </p:cNvSpPr>
           <p:nvPr>
-            <p:ph idx="12" type="sldNum"/>
+            <p:ph type="sldNum" idx="12"/>
           </p:nvPr>
         </p:nvSpPr>
         <p:spPr>
@@ -5093,7 +5222,7 @@
           </a:prstGeom>
         </p:spPr>
         <p:txBody>
-          <a:bodyPr anchorCtr="0" anchor="ctr" bIns="91425" lIns="91425" spcFirstLastPara="1" rIns="91425" wrap="square" tIns="91425">
+          <a:bodyPr spcFirstLastPara="1" wrap="square" lIns="91425" tIns="91425" rIns="91425" bIns="91425" anchor="ctr" anchorCtr="0">
             <a:normAutofit/>
           </a:bodyPr>
           <a:lstStyle>
@@ -5135,7 +5264,7 @@
             </a:lvl9pPr>
           </a:lstStyle>
           <a:p>
-            <a:pPr indent="0" lvl="0" marL="0" rtl="0" algn="r">
+            <a:pPr marL="0" lvl="0" indent="0" algn="r" rtl="0">
               <a:spcBef>
                 <a:spcPts val="0"/>
               </a:spcBef>
@@ -5146,7 +5275,7 @@
             </a:pPr>
             <a:fld id="{00000000-1234-1234-1234-123412341234}" type="slidenum">
               <a:rPr lang="es"/>
-              <a:t>‹#›</a:t>
+              <a:t>‹Nº›</a:t>
             </a:fld>
             <a:endParaRPr/>
           </a:p>
@@ -5161,18 +5290,19 @@
 </file>
 
 <file path=ppt/slideMasters/slideMaster1.xml><?xml version="1.0" encoding="utf-8"?>
-<p:sldMaster xmlns:a="http://schemas.openxmlformats.org/drawingml/2006/main" xmlns:r="http://schemas.openxmlformats.org/officeDocument/2006/relationships" xmlns:mc="http://schemas.openxmlformats.org/markup-compatibility/2006" xmlns:mv="urn:schemas-microsoft-com:mac:vml" xmlns:p="http://schemas.openxmlformats.org/presentationml/2006/main" xmlns:c="http://schemas.openxmlformats.org/drawingml/2006/chart" xmlns:dgm="http://schemas.openxmlformats.org/drawingml/2006/diagram" xmlns:o="urn:schemas-microsoft-com:office:office" xmlns:v="urn:schemas-microsoft-com:vml" xmlns:pvml="urn:schemas-microsoft-com:office:powerpoint" xmlns:com="http://schemas.openxmlformats.org/drawingml/2006/compatibility" xmlns:p14="http://schemas.microsoft.com/office/powerpoint/2010/main" xmlns:p15="http://schemas.microsoft.com/office/powerpoint/2012/main" xmlns:ahyp="http://schemas.microsoft.com/office/drawing/2018/hyperlinkcolor">
+<p:sldMaster xmlns:a="http://schemas.openxmlformats.org/drawingml/2006/main" xmlns:r="http://schemas.openxmlformats.org/officeDocument/2006/relationships" xmlns:p="http://schemas.openxmlformats.org/presentationml/2006/main">
   <p:cSld name="beach-day">
     <p:bg>
       <p:bgPr>
         <a:solidFill>
           <a:schemeClr val="lt1"/>
         </a:solidFill>
+        <a:effectLst/>
       </p:bgPr>
     </p:bg>
     <p:spTree>
       <p:nvGrpSpPr>
-        <p:cNvPr id="5" name="Shape 5"/>
+        <p:cNvPr id="1" name="Shape 5"/>
         <p:cNvGrpSpPr/>
         <p:nvPr/>
       </p:nvGrpSpPr>
@@ -5187,7 +5317,9 @@
       <p:sp>
         <p:nvSpPr>
           <p:cNvPr id="6" name="Google Shape;6;p1"/>
-          <p:cNvSpPr txBox="1"/>
+          <p:cNvSpPr txBox="1">
+            <a:spLocks noGrp="1"/>
+          </p:cNvSpPr>
           <p:nvPr>
             <p:ph type="title"/>
           </p:nvPr>
@@ -5206,7 +5338,7 @@
           </a:ln>
         </p:spPr>
         <p:txBody>
-          <a:bodyPr anchorCtr="0" anchor="t" bIns="91425" lIns="91425" spcFirstLastPara="1" rIns="91425" wrap="square" tIns="91425">
+          <a:bodyPr spcFirstLastPara="1" wrap="square" lIns="91425" tIns="91425" rIns="91425" bIns="91425" anchor="t" anchorCtr="0">
             <a:normAutofit/>
           </a:bodyPr>
           <a:lstStyle>
@@ -5223,7 +5355,7 @@
               <a:buSzPts val="4200"/>
               <a:buFont typeface="Amatic SC"/>
               <a:buNone/>
-              <a:defRPr b="1" sz="4200">
+              <a:defRPr sz="4200" b="1">
                 <a:solidFill>
                   <a:schemeClr val="accent1"/>
                 </a:solidFill>
@@ -5246,7 +5378,7 @@
               <a:buSzPts val="4200"/>
               <a:buFont typeface="Amatic SC"/>
               <a:buNone/>
-              <a:defRPr b="1" sz="4200">
+              <a:defRPr sz="4200" b="1">
                 <a:solidFill>
                   <a:schemeClr val="accent1"/>
                 </a:solidFill>
@@ -5269,7 +5401,7 @@
               <a:buSzPts val="4200"/>
               <a:buFont typeface="Amatic SC"/>
               <a:buNone/>
-              <a:defRPr b="1" sz="4200">
+              <a:defRPr sz="4200" b="1">
                 <a:solidFill>
                   <a:schemeClr val="accent1"/>
                 </a:solidFill>
@@ -5292,7 +5424,7 @@
               <a:buSzPts val="4200"/>
               <a:buFont typeface="Amatic SC"/>
               <a:buNone/>
-              <a:defRPr b="1" sz="4200">
+              <a:defRPr sz="4200" b="1">
                 <a:solidFill>
                   <a:schemeClr val="accent1"/>
                 </a:solidFill>
@@ -5315,7 +5447,7 @@
               <a:buSzPts val="4200"/>
               <a:buFont typeface="Amatic SC"/>
               <a:buNone/>
-              <a:defRPr b="1" sz="4200">
+              <a:defRPr sz="4200" b="1">
                 <a:solidFill>
                   <a:schemeClr val="accent1"/>
                 </a:solidFill>
@@ -5338,7 +5470,7 @@
               <a:buSzPts val="4200"/>
               <a:buFont typeface="Amatic SC"/>
               <a:buNone/>
-              <a:defRPr b="1" sz="4200">
+              <a:defRPr sz="4200" b="1">
                 <a:solidFill>
                   <a:schemeClr val="accent1"/>
                 </a:solidFill>
@@ -5361,7 +5493,7 @@
               <a:buSzPts val="4200"/>
               <a:buFont typeface="Amatic SC"/>
               <a:buNone/>
-              <a:defRPr b="1" sz="4200">
+              <a:defRPr sz="4200" b="1">
                 <a:solidFill>
                   <a:schemeClr val="accent1"/>
                 </a:solidFill>
@@ -5384,7 +5516,7 @@
               <a:buSzPts val="4200"/>
               <a:buFont typeface="Amatic SC"/>
               <a:buNone/>
-              <a:defRPr b="1" sz="4200">
+              <a:defRPr sz="4200" b="1">
                 <a:solidFill>
                   <a:schemeClr val="accent1"/>
                 </a:solidFill>
@@ -5407,7 +5539,7 @@
               <a:buSzPts val="4200"/>
               <a:buFont typeface="Amatic SC"/>
               <a:buNone/>
-              <a:defRPr b="1" sz="4200">
+              <a:defRPr sz="4200" b="1">
                 <a:solidFill>
                   <a:schemeClr val="accent1"/>
                 </a:solidFill>
@@ -5418,15 +5550,19 @@
               </a:defRPr>
             </a:lvl9pPr>
           </a:lstStyle>
-          <a:p/>
+          <a:p>
+            <a:endParaRPr/>
+          </a:p>
         </p:txBody>
       </p:sp>
       <p:sp>
         <p:nvSpPr>
           <p:cNvPr id="7" name="Google Shape;7;p1"/>
-          <p:cNvSpPr txBox="1"/>
+          <p:cNvSpPr txBox="1">
+            <a:spLocks noGrp="1"/>
+          </p:cNvSpPr>
           <p:nvPr>
-            <p:ph idx="1" type="body"/>
+            <p:ph type="body" idx="1"/>
           </p:nvPr>
         </p:nvSpPr>
         <p:spPr>
@@ -5443,11 +5579,11 @@
           </a:ln>
         </p:spPr>
         <p:txBody>
-          <a:bodyPr anchorCtr="0" anchor="t" bIns="91425" lIns="91425" spcFirstLastPara="1" rIns="91425" wrap="square" tIns="91425">
+          <a:bodyPr spcFirstLastPara="1" wrap="square" lIns="91425" tIns="91425" rIns="91425" bIns="91425" anchor="t" anchorCtr="0">
             <a:normAutofit/>
           </a:bodyPr>
           <a:lstStyle>
-            <a:lvl1pPr indent="-342900" lvl="0" marL="457200" rtl="0">
+            <a:lvl1pPr marL="457200" lvl="0" indent="-342900" rtl="0">
               <a:lnSpc>
                 <a:spcPct val="115000"/>
               </a:lnSpc>
@@ -5473,7 +5609,7 @@
                 <a:sym typeface="Source Code Pro"/>
               </a:defRPr>
             </a:lvl1pPr>
-            <a:lvl2pPr indent="-317500" lvl="1" marL="914400" rtl="0">
+            <a:lvl2pPr marL="914400" lvl="1" indent="-317500" rtl="0">
               <a:lnSpc>
                 <a:spcPct val="115000"/>
               </a:lnSpc>
@@ -5499,7 +5635,7 @@
                 <a:sym typeface="Source Code Pro"/>
               </a:defRPr>
             </a:lvl2pPr>
-            <a:lvl3pPr indent="-317500" lvl="2" marL="1371600" rtl="0">
+            <a:lvl3pPr marL="1371600" lvl="2" indent="-317500" rtl="0">
               <a:lnSpc>
                 <a:spcPct val="115000"/>
               </a:lnSpc>
@@ -5525,7 +5661,7 @@
                 <a:sym typeface="Source Code Pro"/>
               </a:defRPr>
             </a:lvl3pPr>
-            <a:lvl4pPr indent="-317500" lvl="3" marL="1828800" rtl="0">
+            <a:lvl4pPr marL="1828800" lvl="3" indent="-317500" rtl="0">
               <a:lnSpc>
                 <a:spcPct val="115000"/>
               </a:lnSpc>
@@ -5551,7 +5687,7 @@
                 <a:sym typeface="Source Code Pro"/>
               </a:defRPr>
             </a:lvl4pPr>
-            <a:lvl5pPr indent="-317500" lvl="4" marL="2286000" rtl="0">
+            <a:lvl5pPr marL="2286000" lvl="4" indent="-317500" rtl="0">
               <a:lnSpc>
                 <a:spcPct val="115000"/>
               </a:lnSpc>
@@ -5577,7 +5713,7 @@
                 <a:sym typeface="Source Code Pro"/>
               </a:defRPr>
             </a:lvl5pPr>
-            <a:lvl6pPr indent="-317500" lvl="5" marL="2743200" rtl="0">
+            <a:lvl6pPr marL="2743200" lvl="5" indent="-317500" rtl="0">
               <a:lnSpc>
                 <a:spcPct val="115000"/>
               </a:lnSpc>
@@ -5603,7 +5739,7 @@
                 <a:sym typeface="Source Code Pro"/>
               </a:defRPr>
             </a:lvl6pPr>
-            <a:lvl7pPr indent="-317500" lvl="6" marL="3200400" rtl="0">
+            <a:lvl7pPr marL="3200400" lvl="6" indent="-317500" rtl="0">
               <a:lnSpc>
                 <a:spcPct val="115000"/>
               </a:lnSpc>
@@ -5629,7 +5765,7 @@
                 <a:sym typeface="Source Code Pro"/>
               </a:defRPr>
             </a:lvl7pPr>
-            <a:lvl8pPr indent="-317500" lvl="7" marL="3657600" rtl="0">
+            <a:lvl8pPr marL="3657600" lvl="7" indent="-317500" rtl="0">
               <a:lnSpc>
                 <a:spcPct val="115000"/>
               </a:lnSpc>
@@ -5655,7 +5791,7 @@
                 <a:sym typeface="Source Code Pro"/>
               </a:defRPr>
             </a:lvl8pPr>
-            <a:lvl9pPr indent="-317500" lvl="8" marL="4114800" rtl="0">
+            <a:lvl9pPr marL="4114800" lvl="8" indent="-317500" rtl="0">
               <a:lnSpc>
                 <a:spcPct val="115000"/>
               </a:lnSpc>
@@ -5682,15 +5818,19 @@
               </a:defRPr>
             </a:lvl9pPr>
           </a:lstStyle>
-          <a:p/>
+          <a:p>
+            <a:endParaRPr/>
+          </a:p>
         </p:txBody>
       </p:sp>
       <p:sp>
         <p:nvSpPr>
           <p:cNvPr id="8" name="Google Shape;8;p1"/>
-          <p:cNvSpPr txBox="1"/>
+          <p:cNvSpPr txBox="1">
+            <a:spLocks noGrp="1"/>
+          </p:cNvSpPr>
           <p:nvPr>
-            <p:ph idx="12" type="sldNum"/>
+            <p:ph type="sldNum" idx="12"/>
           </p:nvPr>
         </p:nvSpPr>
         <p:spPr>
@@ -5707,11 +5847,11 @@
           </a:ln>
         </p:spPr>
         <p:txBody>
-          <a:bodyPr anchorCtr="0" anchor="ctr" bIns="91425" lIns="91425" spcFirstLastPara="1" rIns="91425" wrap="square" tIns="91425">
+          <a:bodyPr spcFirstLastPara="1" wrap="square" lIns="91425" tIns="91425" rIns="91425" bIns="91425" anchor="ctr" anchorCtr="0">
             <a:normAutofit/>
           </a:bodyPr>
           <a:lstStyle>
-            <a:lvl1pPr lvl="0" rtl="0" algn="r">
+            <a:lvl1pPr lvl="0" algn="r" rtl="0">
               <a:buNone/>
               <a:defRPr sz="1000">
                 <a:solidFill>
@@ -5723,7 +5863,7 @@
                 <a:sym typeface="Source Code Pro"/>
               </a:defRPr>
             </a:lvl1pPr>
-            <a:lvl2pPr lvl="1" rtl="0" algn="r">
+            <a:lvl2pPr lvl="1" algn="r" rtl="0">
               <a:buNone/>
               <a:defRPr sz="1000">
                 <a:solidFill>
@@ -5735,7 +5875,7 @@
                 <a:sym typeface="Source Code Pro"/>
               </a:defRPr>
             </a:lvl2pPr>
-            <a:lvl3pPr lvl="2" rtl="0" algn="r">
+            <a:lvl3pPr lvl="2" algn="r" rtl="0">
               <a:buNone/>
               <a:defRPr sz="1000">
                 <a:solidFill>
@@ -5747,7 +5887,7 @@
                 <a:sym typeface="Source Code Pro"/>
               </a:defRPr>
             </a:lvl3pPr>
-            <a:lvl4pPr lvl="3" rtl="0" algn="r">
+            <a:lvl4pPr lvl="3" algn="r" rtl="0">
               <a:buNone/>
               <a:defRPr sz="1000">
                 <a:solidFill>
@@ -5759,7 +5899,7 @@
                 <a:sym typeface="Source Code Pro"/>
               </a:defRPr>
             </a:lvl4pPr>
-            <a:lvl5pPr lvl="4" rtl="0" algn="r">
+            <a:lvl5pPr lvl="4" algn="r" rtl="0">
               <a:buNone/>
               <a:defRPr sz="1000">
                 <a:solidFill>
@@ -5771,7 +5911,7 @@
                 <a:sym typeface="Source Code Pro"/>
               </a:defRPr>
             </a:lvl5pPr>
-            <a:lvl6pPr lvl="5" rtl="0" algn="r">
+            <a:lvl6pPr lvl="5" algn="r" rtl="0">
               <a:buNone/>
               <a:defRPr sz="1000">
                 <a:solidFill>
@@ -5783,7 +5923,7 @@
                 <a:sym typeface="Source Code Pro"/>
               </a:defRPr>
             </a:lvl6pPr>
-            <a:lvl7pPr lvl="6" rtl="0" algn="r">
+            <a:lvl7pPr lvl="6" algn="r" rtl="0">
               <a:buNone/>
               <a:defRPr sz="1000">
                 <a:solidFill>
@@ -5795,7 +5935,7 @@
                 <a:sym typeface="Source Code Pro"/>
               </a:defRPr>
             </a:lvl7pPr>
-            <a:lvl8pPr lvl="7" rtl="0" algn="r">
+            <a:lvl8pPr lvl="7" algn="r" rtl="0">
               <a:buNone/>
               <a:defRPr sz="1000">
                 <a:solidFill>
@@ -5807,7 +5947,7 @@
                 <a:sym typeface="Source Code Pro"/>
               </a:defRPr>
             </a:lvl8pPr>
-            <a:lvl9pPr lvl="8" rtl="0" algn="r">
+            <a:lvl9pPr lvl="8" algn="r" rtl="0">
               <a:buNone/>
               <a:defRPr sz="1000">
                 <a:solidFill>
@@ -5821,7 +5961,7 @@
             </a:lvl9pPr>
           </a:lstStyle>
           <a:p>
-            <a:pPr indent="0" lvl="0" marL="0" rtl="0" algn="r">
+            <a:pPr marL="0" lvl="0" indent="0" algn="r" rtl="0">
               <a:spcBef>
                 <a:spcPts val="0"/>
               </a:spcBef>
@@ -5832,7 +5972,7 @@
             </a:pPr>
             <a:fld id="{00000000-1234-1234-1234-123412341234}" type="slidenum">
               <a:rPr lang="es"/>
-              <a:t>‹#›</a:t>
+              <a:t>‹Nº›</a:t>
             </a:fld>
             <a:endParaRPr/>
           </a:p>
@@ -5840,7 +5980,7 @@
       </p:sp>
     </p:spTree>
   </p:cSld>
-  <p:clrMap accent1="accent1" accent2="accent2" accent3="accent3" accent4="accent4" accent5="accent5" accent6="accent6" bg1="lt1" bg2="dk2" tx1="dk1" tx2="lt2" folHlink="folHlink" hlink="hlink"/>
+  <p:clrMap bg1="lt1" tx1="dk1" bg2="dk2" tx2="lt2" accent1="accent1" accent2="accent2" accent3="accent3" accent4="accent4" accent5="accent5" accent6="accent6" hlink="hlink" folHlink="folHlink"/>
   <p:sldLayoutIdLst>
     <p:sldLayoutId id="2147483648" r:id="rId1"/>
     <p:sldLayoutId id="2147483649" r:id="rId2"/>
@@ -5854,10 +5994,10 @@
     <p:sldLayoutId id="2147483657" r:id="rId10"/>
     <p:sldLayoutId id="2147483658" r:id="rId11"/>
   </p:sldLayoutIdLst>
-  <p:hf dt="0" ftr="0" hdr="0" sldNum="0"/>
+  <p:hf sldNum="0" hdr="0" ftr="0" dt="0"/>
   <p:txStyles>
     <p:titleStyle>
-      <a:defPPr lvl="0" marR="0" rtl="0" algn="l">
+      <a:defPPr marR="0" lvl="0" algn="l" rtl="0">
         <a:lnSpc>
           <a:spcPct val="100000"/>
         </a:lnSpc>
@@ -5868,7 +6008,7 @@
           <a:spcPts val="0"/>
         </a:spcAft>
       </a:defPPr>
-      <a:lvl1pPr lvl="0" marR="0" rtl="0" algn="l">
+      <a:lvl1pPr marR="0" lvl="0" algn="l" rtl="0">
         <a:lnSpc>
           <a:spcPct val="100000"/>
         </a:lnSpc>
@@ -5882,7 +6022,7 @@
           <a:srgbClr val="000000"/>
         </a:buClr>
         <a:buFont typeface="Arial"/>
-        <a:defRPr b="0" i="0" sz="1400" u="none" cap="none" strike="noStrike">
+        <a:defRPr sz="1400" b="0" i="0" u="none" strike="noStrike" cap="none">
           <a:solidFill>
             <a:srgbClr val="000000"/>
           </a:solidFill>
@@ -5892,7 +6032,7 @@
           <a:sym typeface="Arial"/>
         </a:defRPr>
       </a:lvl1pPr>
-      <a:lvl2pPr lvl="1" marR="0" rtl="0" algn="l">
+      <a:lvl2pPr marR="0" lvl="1" algn="l" rtl="0">
         <a:lnSpc>
           <a:spcPct val="100000"/>
         </a:lnSpc>
@@ -5906,7 +6046,7 @@
           <a:srgbClr val="000000"/>
         </a:buClr>
         <a:buFont typeface="Arial"/>
-        <a:defRPr b="0" i="0" sz="1400" u="none" cap="none" strike="noStrike">
+        <a:defRPr sz="1400" b="0" i="0" u="none" strike="noStrike" cap="none">
           <a:solidFill>
             <a:srgbClr val="000000"/>
           </a:solidFill>
@@ -5916,7 +6056,7 @@
           <a:sym typeface="Arial"/>
         </a:defRPr>
       </a:lvl2pPr>
-      <a:lvl3pPr lvl="2" marR="0" rtl="0" algn="l">
+      <a:lvl3pPr marR="0" lvl="2" algn="l" rtl="0">
         <a:lnSpc>
           <a:spcPct val="100000"/>
         </a:lnSpc>
@@ -5930,7 +6070,7 @@
           <a:srgbClr val="000000"/>
         </a:buClr>
         <a:buFont typeface="Arial"/>
-        <a:defRPr b="0" i="0" sz="1400" u="none" cap="none" strike="noStrike">
+        <a:defRPr sz="1400" b="0" i="0" u="none" strike="noStrike" cap="none">
           <a:solidFill>
             <a:srgbClr val="000000"/>
           </a:solidFill>
@@ -5940,7 +6080,7 @@
           <a:sym typeface="Arial"/>
         </a:defRPr>
       </a:lvl3pPr>
-      <a:lvl4pPr lvl="3" marR="0" rtl="0" algn="l">
+      <a:lvl4pPr marR="0" lvl="3" algn="l" rtl="0">
         <a:lnSpc>
           <a:spcPct val="100000"/>
         </a:lnSpc>
@@ -5954,7 +6094,7 @@
           <a:srgbClr val="000000"/>
         </a:buClr>
         <a:buFont typeface="Arial"/>
-        <a:defRPr b="0" i="0" sz="1400" u="none" cap="none" strike="noStrike">
+        <a:defRPr sz="1400" b="0" i="0" u="none" strike="noStrike" cap="none">
           <a:solidFill>
             <a:srgbClr val="000000"/>
           </a:solidFill>
@@ -5964,7 +6104,7 @@
           <a:sym typeface="Arial"/>
         </a:defRPr>
       </a:lvl4pPr>
-      <a:lvl5pPr lvl="4" marR="0" rtl="0" algn="l">
+      <a:lvl5pPr marR="0" lvl="4" algn="l" rtl="0">
         <a:lnSpc>
           <a:spcPct val="100000"/>
         </a:lnSpc>
@@ -5978,7 +6118,7 @@
           <a:srgbClr val="000000"/>
         </a:buClr>
         <a:buFont typeface="Arial"/>
-        <a:defRPr b="0" i="0" sz="1400" u="none" cap="none" strike="noStrike">
+        <a:defRPr sz="1400" b="0" i="0" u="none" strike="noStrike" cap="none">
           <a:solidFill>
             <a:srgbClr val="000000"/>
           </a:solidFill>
@@ -5988,7 +6128,7 @@
           <a:sym typeface="Arial"/>
         </a:defRPr>
       </a:lvl5pPr>
-      <a:lvl6pPr lvl="5" marR="0" rtl="0" algn="l">
+      <a:lvl6pPr marR="0" lvl="5" algn="l" rtl="0">
         <a:lnSpc>
           <a:spcPct val="100000"/>
         </a:lnSpc>
@@ -6002,7 +6142,7 @@
           <a:srgbClr val="000000"/>
         </a:buClr>
         <a:buFont typeface="Arial"/>
-        <a:defRPr b="0" i="0" sz="1400" u="none" cap="none" strike="noStrike">
+        <a:defRPr sz="1400" b="0" i="0" u="none" strike="noStrike" cap="none">
           <a:solidFill>
             <a:srgbClr val="000000"/>
           </a:solidFill>
@@ -6012,7 +6152,7 @@
           <a:sym typeface="Arial"/>
         </a:defRPr>
       </a:lvl6pPr>
-      <a:lvl7pPr lvl="6" marR="0" rtl="0" algn="l">
+      <a:lvl7pPr marR="0" lvl="6" algn="l" rtl="0">
         <a:lnSpc>
           <a:spcPct val="100000"/>
         </a:lnSpc>
@@ -6026,7 +6166,7 @@
           <a:srgbClr val="000000"/>
         </a:buClr>
         <a:buFont typeface="Arial"/>
-        <a:defRPr b="0" i="0" sz="1400" u="none" cap="none" strike="noStrike">
+        <a:defRPr sz="1400" b="0" i="0" u="none" strike="noStrike" cap="none">
           <a:solidFill>
             <a:srgbClr val="000000"/>
           </a:solidFill>
@@ -6036,7 +6176,7 @@
           <a:sym typeface="Arial"/>
         </a:defRPr>
       </a:lvl7pPr>
-      <a:lvl8pPr lvl="7" marR="0" rtl="0" algn="l">
+      <a:lvl8pPr marR="0" lvl="7" algn="l" rtl="0">
         <a:lnSpc>
           <a:spcPct val="100000"/>
         </a:lnSpc>
@@ -6050,7 +6190,7 @@
           <a:srgbClr val="000000"/>
         </a:buClr>
         <a:buFont typeface="Arial"/>
-        <a:defRPr b="0" i="0" sz="1400" u="none" cap="none" strike="noStrike">
+        <a:defRPr sz="1400" b="0" i="0" u="none" strike="noStrike" cap="none">
           <a:solidFill>
             <a:srgbClr val="000000"/>
           </a:solidFill>
@@ -6060,7 +6200,7 @@
           <a:sym typeface="Arial"/>
         </a:defRPr>
       </a:lvl8pPr>
-      <a:lvl9pPr lvl="8" marR="0" rtl="0" algn="l">
+      <a:lvl9pPr marR="0" lvl="8" algn="l" rtl="0">
         <a:lnSpc>
           <a:spcPct val="100000"/>
         </a:lnSpc>
@@ -6074,7 +6214,7 @@
           <a:srgbClr val="000000"/>
         </a:buClr>
         <a:buFont typeface="Arial"/>
-        <a:defRPr b="0" i="0" sz="1400" u="none" cap="none" strike="noStrike">
+        <a:defRPr sz="1400" b="0" i="0" u="none" strike="noStrike" cap="none">
           <a:solidFill>
             <a:srgbClr val="000000"/>
           </a:solidFill>
@@ -6086,7 +6226,7 @@
       </a:lvl9pPr>
     </p:titleStyle>
     <p:bodyStyle>
-      <a:defPPr lvl="0" marR="0" rtl="0" algn="l">
+      <a:defPPr marR="0" lvl="0" algn="l" rtl="0">
         <a:lnSpc>
           <a:spcPct val="100000"/>
         </a:lnSpc>
@@ -6097,7 +6237,7 @@
           <a:spcPts val="0"/>
         </a:spcAft>
       </a:defPPr>
-      <a:lvl1pPr lvl="0" marR="0" rtl="0" algn="l">
+      <a:lvl1pPr marR="0" lvl="0" algn="l" rtl="0">
         <a:lnSpc>
           <a:spcPct val="100000"/>
         </a:lnSpc>
@@ -6111,7 +6251,7 @@
           <a:srgbClr val="000000"/>
         </a:buClr>
         <a:buFont typeface="Arial"/>
-        <a:defRPr b="0" i="0" sz="1400" u="none" cap="none" strike="noStrike">
+        <a:defRPr sz="1400" b="0" i="0" u="none" strike="noStrike" cap="none">
           <a:solidFill>
             <a:srgbClr val="000000"/>
           </a:solidFill>
@@ -6121,7 +6261,7 @@
           <a:sym typeface="Arial"/>
         </a:defRPr>
       </a:lvl1pPr>
-      <a:lvl2pPr lvl="1" marR="0" rtl="0" algn="l">
+      <a:lvl2pPr marR="0" lvl="1" algn="l" rtl="0">
         <a:lnSpc>
           <a:spcPct val="100000"/>
         </a:lnSpc>
@@ -6135,7 +6275,7 @@
           <a:srgbClr val="000000"/>
         </a:buClr>
         <a:buFont typeface="Arial"/>
-        <a:defRPr b="0" i="0" sz="1400" u="none" cap="none" strike="noStrike">
+        <a:defRPr sz="1400" b="0" i="0" u="none" strike="noStrike" cap="none">
           <a:solidFill>
             <a:srgbClr val="000000"/>
           </a:solidFill>
@@ -6145,7 +6285,7 @@
           <a:sym typeface="Arial"/>
         </a:defRPr>
       </a:lvl2pPr>
-      <a:lvl3pPr lvl="2" marR="0" rtl="0" algn="l">
+      <a:lvl3pPr marR="0" lvl="2" algn="l" rtl="0">
         <a:lnSpc>
           <a:spcPct val="100000"/>
         </a:lnSpc>
@@ -6159,7 +6299,7 @@
           <a:srgbClr val="000000"/>
         </a:buClr>
         <a:buFont typeface="Arial"/>
-        <a:defRPr b="0" i="0" sz="1400" u="none" cap="none" strike="noStrike">
+        <a:defRPr sz="1400" b="0" i="0" u="none" strike="noStrike" cap="none">
           <a:solidFill>
             <a:srgbClr val="000000"/>
           </a:solidFill>
@@ -6169,7 +6309,7 @@
           <a:sym typeface="Arial"/>
         </a:defRPr>
       </a:lvl3pPr>
-      <a:lvl4pPr lvl="3" marR="0" rtl="0" algn="l">
+      <a:lvl4pPr marR="0" lvl="3" algn="l" rtl="0">
         <a:lnSpc>
           <a:spcPct val="100000"/>
         </a:lnSpc>
@@ -6183,7 +6323,7 @@
           <a:srgbClr val="000000"/>
         </a:buClr>
         <a:buFont typeface="Arial"/>
-        <a:defRPr b="0" i="0" sz="1400" u="none" cap="none" strike="noStrike">
+        <a:defRPr sz="1400" b="0" i="0" u="none" strike="noStrike" cap="none">
           <a:solidFill>
             <a:srgbClr val="000000"/>
           </a:solidFill>
@@ -6193,7 +6333,7 @@
           <a:sym typeface="Arial"/>
         </a:defRPr>
       </a:lvl4pPr>
-      <a:lvl5pPr lvl="4" marR="0" rtl="0" algn="l">
+      <a:lvl5pPr marR="0" lvl="4" algn="l" rtl="0">
         <a:lnSpc>
           <a:spcPct val="100000"/>
         </a:lnSpc>
@@ -6207,7 +6347,7 @@
           <a:srgbClr val="000000"/>
         </a:buClr>
         <a:buFont typeface="Arial"/>
-        <a:defRPr b="0" i="0" sz="1400" u="none" cap="none" strike="noStrike">
+        <a:defRPr sz="1400" b="0" i="0" u="none" strike="noStrike" cap="none">
           <a:solidFill>
             <a:srgbClr val="000000"/>
           </a:solidFill>
@@ -6217,7 +6357,7 @@
           <a:sym typeface="Arial"/>
         </a:defRPr>
       </a:lvl5pPr>
-      <a:lvl6pPr lvl="5" marR="0" rtl="0" algn="l">
+      <a:lvl6pPr marR="0" lvl="5" algn="l" rtl="0">
         <a:lnSpc>
           <a:spcPct val="100000"/>
         </a:lnSpc>
@@ -6231,7 +6371,7 @@
           <a:srgbClr val="000000"/>
         </a:buClr>
         <a:buFont typeface="Arial"/>
-        <a:defRPr b="0" i="0" sz="1400" u="none" cap="none" strike="noStrike">
+        <a:defRPr sz="1400" b="0" i="0" u="none" strike="noStrike" cap="none">
           <a:solidFill>
             <a:srgbClr val="000000"/>
           </a:solidFill>
@@ -6241,7 +6381,7 @@
           <a:sym typeface="Arial"/>
         </a:defRPr>
       </a:lvl6pPr>
-      <a:lvl7pPr lvl="6" marR="0" rtl="0" algn="l">
+      <a:lvl7pPr marR="0" lvl="6" algn="l" rtl="0">
         <a:lnSpc>
           <a:spcPct val="100000"/>
         </a:lnSpc>
@@ -6255,7 +6395,7 @@
           <a:srgbClr val="000000"/>
         </a:buClr>
         <a:buFont typeface="Arial"/>
-        <a:defRPr b="0" i="0" sz="1400" u="none" cap="none" strike="noStrike">
+        <a:defRPr sz="1400" b="0" i="0" u="none" strike="noStrike" cap="none">
           <a:solidFill>
             <a:srgbClr val="000000"/>
           </a:solidFill>
@@ -6265,7 +6405,7 @@
           <a:sym typeface="Arial"/>
         </a:defRPr>
       </a:lvl7pPr>
-      <a:lvl8pPr lvl="7" marR="0" rtl="0" algn="l">
+      <a:lvl8pPr marR="0" lvl="7" algn="l" rtl="0">
         <a:lnSpc>
           <a:spcPct val="100000"/>
         </a:lnSpc>
@@ -6279,7 +6419,7 @@
           <a:srgbClr val="000000"/>
         </a:buClr>
         <a:buFont typeface="Arial"/>
-        <a:defRPr b="0" i="0" sz="1400" u="none" cap="none" strike="noStrike">
+        <a:defRPr sz="1400" b="0" i="0" u="none" strike="noStrike" cap="none">
           <a:solidFill>
             <a:srgbClr val="000000"/>
           </a:solidFill>
@@ -6289,7 +6429,7 @@
           <a:sym typeface="Arial"/>
         </a:defRPr>
       </a:lvl8pPr>
-      <a:lvl9pPr lvl="8" marR="0" rtl="0" algn="l">
+      <a:lvl9pPr marR="0" lvl="8" algn="l" rtl="0">
         <a:lnSpc>
           <a:spcPct val="100000"/>
         </a:lnSpc>
@@ -6303,7 +6443,7 @@
           <a:srgbClr val="000000"/>
         </a:buClr>
         <a:buFont typeface="Arial"/>
-        <a:defRPr b="0" i="0" sz="1400" u="none" cap="none" strike="noStrike">
+        <a:defRPr sz="1400" b="0" i="0" u="none" strike="noStrike" cap="none">
           <a:solidFill>
             <a:srgbClr val="000000"/>
           </a:solidFill>
@@ -6315,7 +6455,7 @@
       </a:lvl9pPr>
     </p:bodyStyle>
     <p:otherStyle>
-      <a:defPPr lvl="0" marR="0" rtl="0" algn="l">
+      <a:defPPr marR="0" lvl="0" algn="l" rtl="0">
         <a:lnSpc>
           <a:spcPct val="100000"/>
         </a:lnSpc>
@@ -6326,7 +6466,7 @@
           <a:spcPts val="0"/>
         </a:spcAft>
       </a:defPPr>
-      <a:lvl1pPr lvl="0" marR="0" rtl="0" algn="l">
+      <a:lvl1pPr marR="0" lvl="0" algn="l" rtl="0">
         <a:lnSpc>
           <a:spcPct val="100000"/>
         </a:lnSpc>
@@ -6340,7 +6480,7 @@
           <a:srgbClr val="000000"/>
         </a:buClr>
         <a:buFont typeface="Arial"/>
-        <a:defRPr b="0" i="0" sz="1400" u="none" cap="none" strike="noStrike">
+        <a:defRPr sz="1400" b="0" i="0" u="none" strike="noStrike" cap="none">
           <a:solidFill>
             <a:srgbClr val="000000"/>
           </a:solidFill>
@@ -6350,7 +6490,7 @@
           <a:sym typeface="Arial"/>
         </a:defRPr>
       </a:lvl1pPr>
-      <a:lvl2pPr lvl="1" marR="0" rtl="0" algn="l">
+      <a:lvl2pPr marR="0" lvl="1" algn="l" rtl="0">
         <a:lnSpc>
           <a:spcPct val="100000"/>
         </a:lnSpc>
@@ -6364,7 +6504,7 @@
           <a:srgbClr val="000000"/>
         </a:buClr>
         <a:buFont typeface="Arial"/>
-        <a:defRPr b="0" i="0" sz="1400" u="none" cap="none" strike="noStrike">
+        <a:defRPr sz="1400" b="0" i="0" u="none" strike="noStrike" cap="none">
           <a:solidFill>
             <a:srgbClr val="000000"/>
           </a:solidFill>
@@ -6374,7 +6514,7 @@
           <a:sym typeface="Arial"/>
         </a:defRPr>
       </a:lvl2pPr>
-      <a:lvl3pPr lvl="2" marR="0" rtl="0" algn="l">
+      <a:lvl3pPr marR="0" lvl="2" algn="l" rtl="0">
         <a:lnSpc>
           <a:spcPct val="100000"/>
         </a:lnSpc>
@@ -6388,7 +6528,7 @@
           <a:srgbClr val="000000"/>
         </a:buClr>
         <a:buFont typeface="Arial"/>
-        <a:defRPr b="0" i="0" sz="1400" u="none" cap="none" strike="noStrike">
+        <a:defRPr sz="1400" b="0" i="0" u="none" strike="noStrike" cap="none">
           <a:solidFill>
             <a:srgbClr val="000000"/>
           </a:solidFill>
@@ -6398,7 +6538,7 @@
           <a:sym typeface="Arial"/>
         </a:defRPr>
       </a:lvl3pPr>
-      <a:lvl4pPr lvl="3" marR="0" rtl="0" algn="l">
+      <a:lvl4pPr marR="0" lvl="3" algn="l" rtl="0">
         <a:lnSpc>
           <a:spcPct val="100000"/>
         </a:lnSpc>
@@ -6412,7 +6552,7 @@
           <a:srgbClr val="000000"/>
         </a:buClr>
         <a:buFont typeface="Arial"/>
-        <a:defRPr b="0" i="0" sz="1400" u="none" cap="none" strike="noStrike">
+        <a:defRPr sz="1400" b="0" i="0" u="none" strike="noStrike" cap="none">
           <a:solidFill>
             <a:srgbClr val="000000"/>
           </a:solidFill>
@@ -6422,7 +6562,7 @@
           <a:sym typeface="Arial"/>
         </a:defRPr>
       </a:lvl4pPr>
-      <a:lvl5pPr lvl="4" marR="0" rtl="0" algn="l">
+      <a:lvl5pPr marR="0" lvl="4" algn="l" rtl="0">
         <a:lnSpc>
           <a:spcPct val="100000"/>
         </a:lnSpc>
@@ -6436,7 +6576,7 @@
           <a:srgbClr val="000000"/>
         </a:buClr>
         <a:buFont typeface="Arial"/>
-        <a:defRPr b="0" i="0" sz="1400" u="none" cap="none" strike="noStrike">
+        <a:defRPr sz="1400" b="0" i="0" u="none" strike="noStrike" cap="none">
           <a:solidFill>
             <a:srgbClr val="000000"/>
           </a:solidFill>
@@ -6446,7 +6586,7 @@
           <a:sym typeface="Arial"/>
         </a:defRPr>
       </a:lvl5pPr>
-      <a:lvl6pPr lvl="5" marR="0" rtl="0" algn="l">
+      <a:lvl6pPr marR="0" lvl="5" algn="l" rtl="0">
         <a:lnSpc>
           <a:spcPct val="100000"/>
         </a:lnSpc>
@@ -6460,7 +6600,7 @@
           <a:srgbClr val="000000"/>
         </a:buClr>
         <a:buFont typeface="Arial"/>
-        <a:defRPr b="0" i="0" sz="1400" u="none" cap="none" strike="noStrike">
+        <a:defRPr sz="1400" b="0" i="0" u="none" strike="noStrike" cap="none">
           <a:solidFill>
             <a:srgbClr val="000000"/>
           </a:solidFill>
@@ -6470,7 +6610,7 @@
           <a:sym typeface="Arial"/>
         </a:defRPr>
       </a:lvl6pPr>
-      <a:lvl7pPr lvl="6" marR="0" rtl="0" algn="l">
+      <a:lvl7pPr marR="0" lvl="6" algn="l" rtl="0">
         <a:lnSpc>
           <a:spcPct val="100000"/>
         </a:lnSpc>
@@ -6484,7 +6624,7 @@
           <a:srgbClr val="000000"/>
         </a:buClr>
         <a:buFont typeface="Arial"/>
-        <a:defRPr b="0" i="0" sz="1400" u="none" cap="none" strike="noStrike">
+        <a:defRPr sz="1400" b="0" i="0" u="none" strike="noStrike" cap="none">
           <a:solidFill>
             <a:srgbClr val="000000"/>
           </a:solidFill>
@@ -6494,7 +6634,7 @@
           <a:sym typeface="Arial"/>
         </a:defRPr>
       </a:lvl7pPr>
-      <a:lvl8pPr lvl="7" marR="0" rtl="0" algn="l">
+      <a:lvl8pPr marR="0" lvl="7" algn="l" rtl="0">
         <a:lnSpc>
           <a:spcPct val="100000"/>
         </a:lnSpc>
@@ -6508,7 +6648,7 @@
           <a:srgbClr val="000000"/>
         </a:buClr>
         <a:buFont typeface="Arial"/>
-        <a:defRPr b="0" i="0" sz="1400" u="none" cap="none" strike="noStrike">
+        <a:defRPr sz="1400" b="0" i="0" u="none" strike="noStrike" cap="none">
           <a:solidFill>
             <a:srgbClr val="000000"/>
           </a:solidFill>
@@ -6518,7 +6658,7 @@
           <a:sym typeface="Arial"/>
         </a:defRPr>
       </a:lvl8pPr>
-      <a:lvl9pPr lvl="8" marR="0" rtl="0" algn="l">
+      <a:lvl9pPr marR="0" lvl="8" algn="l" rtl="0">
         <a:lnSpc>
           <a:spcPct val="100000"/>
         </a:lnSpc>
@@ -6532,7 +6672,7 @@
           <a:srgbClr val="000000"/>
         </a:buClr>
         <a:buFont typeface="Arial"/>
-        <a:defRPr b="0" i="0" sz="1400" u="none" cap="none" strike="noStrike">
+        <a:defRPr sz="1400" b="0" i="0" u="none" strike="noStrike" cap="none">
           <a:solidFill>
             <a:srgbClr val="000000"/>
           </a:solidFill>
@@ -6548,11 +6688,11 @@
 </file>
 
 <file path=ppt/slides/slide1.xml><?xml version="1.0" encoding="utf-8"?>
-<p:sld xmlns:a="http://schemas.openxmlformats.org/drawingml/2006/main" xmlns:r="http://schemas.openxmlformats.org/officeDocument/2006/relationships" xmlns:mc="http://schemas.openxmlformats.org/markup-compatibility/2006" xmlns:mv="urn:schemas-microsoft-com:mac:vml" xmlns:p="http://schemas.openxmlformats.org/presentationml/2006/main" xmlns:c="http://schemas.openxmlformats.org/drawingml/2006/chart" xmlns:dgm="http://schemas.openxmlformats.org/drawingml/2006/diagram" xmlns:o="urn:schemas-microsoft-com:office:office" xmlns:v="urn:schemas-microsoft-com:vml" xmlns:pvml="urn:schemas-microsoft-com:office:powerpoint" xmlns:com="http://schemas.openxmlformats.org/drawingml/2006/compatibility" xmlns:p14="http://schemas.microsoft.com/office/powerpoint/2010/main" xmlns:p15="http://schemas.microsoft.com/office/powerpoint/2012/main" xmlns:ahyp="http://schemas.microsoft.com/office/drawing/2018/hyperlinkcolor">
+<p:sld xmlns:a="http://schemas.openxmlformats.org/drawingml/2006/main" xmlns:r="http://schemas.openxmlformats.org/officeDocument/2006/relationships" xmlns:p="http://schemas.openxmlformats.org/presentationml/2006/main">
   <p:cSld>
     <p:spTree>
       <p:nvGrpSpPr>
-        <p:cNvPr id="55" name="Shape 55"/>
+        <p:cNvPr id="1" name="Shape 55"/>
         <p:cNvGrpSpPr/>
         <p:nvPr/>
       </p:nvGrpSpPr>
@@ -6567,7 +6707,9 @@
       <p:sp>
         <p:nvSpPr>
           <p:cNvPr id="56" name="Google Shape;56;p13"/>
-          <p:cNvSpPr txBox="1"/>
+          <p:cNvSpPr txBox="1">
+            <a:spLocks noGrp="1"/>
+          </p:cNvSpPr>
           <p:nvPr>
             <p:ph type="ctrTitle"/>
           </p:nvPr>
@@ -6582,12 +6724,12 @@
           </a:prstGeom>
         </p:spPr>
         <p:txBody>
-          <a:bodyPr anchorCtr="0" anchor="ctr" bIns="91425" lIns="91425" spcFirstLastPara="1" rIns="91425" wrap="square" tIns="91425">
+          <a:bodyPr spcFirstLastPara="1" wrap="square" lIns="91425" tIns="91425" rIns="91425" bIns="91425" anchor="ctr" anchorCtr="0">
             <a:normAutofit fontScale="90000"/>
           </a:bodyPr>
           <a:lstStyle/>
           <a:p>
-            <a:pPr indent="0" lvl="0" marL="0" rtl="0" algn="ctr">
+            <a:pPr marL="0" lvl="0" indent="0" algn="ctr" rtl="0">
               <a:spcBef>
                 <a:spcPts val="0"/>
               </a:spcBef>
@@ -6596,13 +6738,10 @@
               </a:spcAft>
               <a:buNone/>
             </a:pPr>
-            <a:r>
-              <a:t/>
-            </a:r>
             <a:endParaRPr sz="5333"/>
           </a:p>
           <a:p>
-            <a:pPr indent="0" lvl="0" marL="0" rtl="0" algn="ctr">
+            <a:pPr marL="0" lvl="0" indent="0" algn="ctr" rtl="0">
               <a:spcBef>
                 <a:spcPts val="0"/>
               </a:spcBef>
@@ -6618,7 +6757,7 @@
             <a:endParaRPr sz="5333"/>
           </a:p>
           <a:p>
-            <a:pPr indent="0" lvl="0" marL="0" rtl="0" algn="ctr">
+            <a:pPr marL="0" lvl="0" indent="0" algn="ctr" rtl="0">
               <a:spcBef>
                 <a:spcPts val="0"/>
               </a:spcBef>
@@ -6638,7 +6777,7 @@
             <a:endParaRPr/>
           </a:p>
           <a:p>
-            <a:pPr indent="0" lvl="0" marL="0" rtl="0" algn="ctr">
+            <a:pPr marL="0" lvl="0" indent="0" algn="ctr" rtl="0">
               <a:spcBef>
                 <a:spcPts val="0"/>
               </a:spcBef>
@@ -6647,9 +6786,6 @@
               </a:spcAft>
               <a:buNone/>
             </a:pPr>
-            <a:r>
-              <a:t/>
-            </a:r>
             <a:endParaRPr/>
           </a:p>
         </p:txBody>
@@ -6691,11 +6827,11 @@
 </file>
 
 <file path=ppt/slides/slide2.xml><?xml version="1.0" encoding="utf-8"?>
-<p:sld xmlns:a="http://schemas.openxmlformats.org/drawingml/2006/main" xmlns:r="http://schemas.openxmlformats.org/officeDocument/2006/relationships" xmlns:mc="http://schemas.openxmlformats.org/markup-compatibility/2006" xmlns:mv="urn:schemas-microsoft-com:mac:vml" xmlns:p="http://schemas.openxmlformats.org/presentationml/2006/main" xmlns:c="http://schemas.openxmlformats.org/drawingml/2006/chart" xmlns:dgm="http://schemas.openxmlformats.org/drawingml/2006/diagram" xmlns:o="urn:schemas-microsoft-com:office:office" xmlns:v="urn:schemas-microsoft-com:vml" xmlns:pvml="urn:schemas-microsoft-com:office:powerpoint" xmlns:com="http://schemas.openxmlformats.org/drawingml/2006/compatibility" xmlns:p14="http://schemas.microsoft.com/office/powerpoint/2010/main" xmlns:p15="http://schemas.microsoft.com/office/powerpoint/2012/main" xmlns:ahyp="http://schemas.microsoft.com/office/drawing/2018/hyperlinkcolor">
+<p:sld xmlns:a="http://schemas.openxmlformats.org/drawingml/2006/main" xmlns:r="http://schemas.openxmlformats.org/officeDocument/2006/relationships" xmlns:p="http://schemas.openxmlformats.org/presentationml/2006/main">
   <p:cSld>
     <p:spTree>
       <p:nvGrpSpPr>
-        <p:cNvPr id="61" name="Shape 61"/>
+        <p:cNvPr id="1" name="Shape 61"/>
         <p:cNvGrpSpPr/>
         <p:nvPr/>
       </p:nvGrpSpPr>
@@ -6710,7 +6846,9 @@
       <p:sp>
         <p:nvSpPr>
           <p:cNvPr id="62" name="Google Shape;62;p14"/>
-          <p:cNvSpPr txBox="1"/>
+          <p:cNvSpPr txBox="1">
+            <a:spLocks noGrp="1"/>
+          </p:cNvSpPr>
           <p:nvPr>
             <p:ph type="title"/>
           </p:nvPr>
@@ -6725,12 +6863,12 @@
           </a:prstGeom>
         </p:spPr>
         <p:txBody>
-          <a:bodyPr anchorCtr="0" anchor="t" bIns="91425" lIns="91425" spcFirstLastPara="1" rIns="91425" wrap="square" tIns="91425">
+          <a:bodyPr spcFirstLastPara="1" wrap="square" lIns="91425" tIns="91425" rIns="91425" bIns="91425" anchor="t" anchorCtr="0">
             <a:normAutofit fontScale="90000"/>
           </a:bodyPr>
           <a:lstStyle/>
           <a:p>
-            <a:pPr indent="0" lvl="0" marL="0" rtl="0" algn="l">
+            <a:pPr marL="0" lvl="0" indent="0" algn="l" rtl="0">
               <a:spcBef>
                 <a:spcPts val="0"/>
               </a:spcBef>
@@ -6762,9 +6900,11 @@
       <p:sp>
         <p:nvSpPr>
           <p:cNvPr id="63" name="Google Shape;63;p14"/>
-          <p:cNvSpPr txBox="1"/>
+          <p:cNvSpPr txBox="1">
+            <a:spLocks noGrp="1"/>
+          </p:cNvSpPr>
           <p:nvPr>
-            <p:ph idx="1" type="body"/>
+            <p:ph type="body" idx="1"/>
           </p:nvPr>
         </p:nvSpPr>
         <p:spPr>
@@ -6777,12 +6917,12 @@
           </a:prstGeom>
         </p:spPr>
         <p:txBody>
-          <a:bodyPr anchorCtr="0" anchor="t" bIns="91425" lIns="91425" spcFirstLastPara="1" rIns="91425" wrap="square" tIns="91425">
+          <a:bodyPr spcFirstLastPara="1" wrap="square" lIns="91425" tIns="91425" rIns="91425" bIns="91425" anchor="t" anchorCtr="0">
             <a:noAutofit/>
           </a:bodyPr>
           <a:lstStyle/>
           <a:p>
-            <a:pPr indent="0" lvl="0" marL="0" rtl="0" algn="l">
+            <a:pPr marL="0" lvl="0" indent="0" algn="l" rtl="0">
               <a:lnSpc>
                 <a:spcPct val="100000"/>
               </a:lnSpc>
@@ -6794,10 +6934,7 @@
               </a:spcAft>
               <a:buNone/>
             </a:pPr>
-            <a:r>
-              <a:t/>
-            </a:r>
-            <a:endParaRPr b="1" sz="2500">
+            <a:endParaRPr sz="2500" b="1" dirty="0">
               <a:latin typeface="Amatic SC"/>
               <a:ea typeface="Amatic SC"/>
               <a:cs typeface="Amatic SC"/>
@@ -6805,7 +6942,7 @@
             </a:endParaRPr>
           </a:p>
           <a:p>
-            <a:pPr indent="0" lvl="0" marL="0" rtl="0" algn="l">
+            <a:pPr marL="0" lvl="0" indent="0" algn="l" rtl="0">
               <a:lnSpc>
                 <a:spcPct val="100000"/>
               </a:lnSpc>
@@ -6818,15 +6955,42 @@
               <a:buNone/>
             </a:pPr>
             <a:r>
-              <a:rPr b="1" lang="es" sz="2300">
+              <a:rPr lang="es" sz="2300" b="1" dirty="0">
                 <a:latin typeface="Amatic SC"/>
                 <a:ea typeface="Amatic SC"/>
                 <a:cs typeface="Amatic SC"/>
                 <a:sym typeface="Amatic SC"/>
               </a:rPr>
-              <a:t>Descripción del proyecto y requisitos funcionales						pag.3</a:t>
+              <a:t>Descripción del proyecto y requisitos </a:t>
             </a:r>
-            <a:endParaRPr b="1" sz="2300">
+            <a:r>
+              <a:rPr lang="es" sz="2300" b="1" dirty="0" smtClean="0">
+                <a:latin typeface="Amatic SC"/>
+                <a:ea typeface="Amatic SC"/>
+                <a:cs typeface="Amatic SC"/>
+                <a:sym typeface="Amatic SC"/>
+              </a:rPr>
+              <a:t>funcionales</a:t>
+            </a:r>
+            <a:r>
+              <a:rPr lang="es" sz="2300" b="1" dirty="0">
+                <a:latin typeface="Amatic SC"/>
+                <a:ea typeface="Amatic SC"/>
+                <a:cs typeface="Amatic SC"/>
+                <a:sym typeface="Amatic SC"/>
+              </a:rPr>
+              <a:t>		</a:t>
+            </a:r>
+            <a:r>
+              <a:rPr lang="es" sz="2300" b="1" dirty="0" smtClean="0">
+                <a:latin typeface="Amatic SC"/>
+                <a:ea typeface="Amatic SC"/>
+                <a:cs typeface="Amatic SC"/>
+                <a:sym typeface="Amatic SC"/>
+              </a:rPr>
+              <a:t>	         pag.3</a:t>
+            </a:r>
+            <a:endParaRPr sz="2300" b="1" dirty="0">
               <a:latin typeface="Amatic SC"/>
               <a:ea typeface="Amatic SC"/>
               <a:cs typeface="Amatic SC"/>
@@ -6834,7 +6998,7 @@
             </a:endParaRPr>
           </a:p>
           <a:p>
-            <a:pPr indent="0" lvl="0" marL="0" rtl="0" algn="l">
+            <a:pPr marL="0" lvl="0" indent="0" algn="l" rtl="0">
               <a:lnSpc>
                 <a:spcPct val="100000"/>
               </a:lnSpc>
@@ -6846,10 +7010,7 @@
               </a:spcAft>
               <a:buNone/>
             </a:pPr>
-            <a:r>
-              <a:t/>
-            </a:r>
-            <a:endParaRPr b="1" sz="2300">
+            <a:endParaRPr sz="2300" b="1" dirty="0">
               <a:latin typeface="Amatic SC"/>
               <a:ea typeface="Amatic SC"/>
               <a:cs typeface="Amatic SC"/>
@@ -6857,7 +7018,7 @@
             </a:endParaRPr>
           </a:p>
           <a:p>
-            <a:pPr indent="0" lvl="0" marL="0" rtl="0" algn="l">
+            <a:pPr marL="0" lvl="0" indent="0" algn="l" rtl="0">
               <a:lnSpc>
                 <a:spcPct val="100000"/>
               </a:lnSpc>
@@ -6870,15 +7031,24 @@
               <a:buNone/>
             </a:pPr>
             <a:r>
-              <a:rPr b="1" lang="es" sz="2300">
+              <a:rPr lang="es" sz="2300" b="1" dirty="0">
                 <a:latin typeface="Amatic SC"/>
                 <a:ea typeface="Amatic SC"/>
                 <a:cs typeface="Amatic SC"/>
                 <a:sym typeface="Amatic SC"/>
               </a:rPr>
-              <a:t>METODOLOGÍA AGILE UTILIZADA (KANBAN)                                                                 	page.4</a:t>
+              <a:t>METODOLOGÍA AGILE UTILIZADA (KANBAN)                                                                </a:t>
             </a:r>
-            <a:endParaRPr b="1" sz="2300">
+            <a:r>
+              <a:rPr lang="es" sz="2300" b="1" dirty="0" smtClean="0">
+                <a:latin typeface="Amatic SC"/>
+                <a:ea typeface="Amatic SC"/>
+                <a:cs typeface="Amatic SC"/>
+                <a:sym typeface="Amatic SC"/>
+              </a:rPr>
+              <a:t>   pag.4</a:t>
+            </a:r>
+            <a:endParaRPr sz="2300" b="1" dirty="0">
               <a:latin typeface="Amatic SC"/>
               <a:ea typeface="Amatic SC"/>
               <a:cs typeface="Amatic SC"/>
@@ -6886,7 +7056,7 @@
             </a:endParaRPr>
           </a:p>
           <a:p>
-            <a:pPr indent="0" lvl="0" marL="0" rtl="0" algn="l">
+            <a:pPr marL="0" lvl="0" indent="0" algn="l" rtl="0">
               <a:lnSpc>
                 <a:spcPct val="100000"/>
               </a:lnSpc>
@@ -6898,10 +7068,7 @@
               </a:spcAft>
               <a:buNone/>
             </a:pPr>
-            <a:r>
-              <a:t/>
-            </a:r>
-            <a:endParaRPr b="1" sz="2300">
+            <a:endParaRPr sz="2300" b="1" dirty="0">
               <a:latin typeface="Amatic SC"/>
               <a:ea typeface="Amatic SC"/>
               <a:cs typeface="Amatic SC"/>
@@ -6909,7 +7076,7 @@
             </a:endParaRPr>
           </a:p>
           <a:p>
-            <a:pPr indent="0" lvl="0" marL="0" rtl="0" algn="l">
+            <a:pPr marL="0" lvl="0" indent="0" algn="l" rtl="0">
               <a:lnSpc>
                 <a:spcPct val="100000"/>
               </a:lnSpc>
@@ -6922,15 +7089,24 @@
               <a:buNone/>
             </a:pPr>
             <a:r>
-              <a:rPr b="1" lang="es" sz="2300">
+              <a:rPr lang="es" sz="2300" b="1" dirty="0">
                 <a:latin typeface="Amatic SC"/>
                 <a:ea typeface="Amatic SC"/>
                 <a:cs typeface="Amatic SC"/>
                 <a:sym typeface="Amatic SC"/>
               </a:rPr>
-              <a:t>PSEUDOCÓDIGO													pag.5</a:t>
+              <a:t>PSEUDOCÓDIGO						 </a:t>
             </a:r>
-            <a:endParaRPr b="1" sz="2300">
+            <a:r>
+              <a:rPr lang="es" sz="2300" b="1" dirty="0" smtClean="0">
+                <a:latin typeface="Amatic SC"/>
+                <a:ea typeface="Amatic SC"/>
+                <a:cs typeface="Amatic SC"/>
+                <a:sym typeface="Amatic SC"/>
+              </a:rPr>
+              <a:t>        pag.5</a:t>
+            </a:r>
+            <a:endParaRPr sz="2300" b="1" dirty="0">
               <a:latin typeface="Amatic SC"/>
               <a:ea typeface="Amatic SC"/>
               <a:cs typeface="Amatic SC"/>
@@ -6938,7 +7114,7 @@
             </a:endParaRPr>
           </a:p>
           <a:p>
-            <a:pPr indent="0" lvl="0" marL="0" rtl="0" algn="l">
+            <a:pPr marL="0" lvl="0" indent="0" algn="l" rtl="0">
               <a:lnSpc>
                 <a:spcPct val="100000"/>
               </a:lnSpc>
@@ -6950,10 +7126,7 @@
               </a:spcAft>
               <a:buNone/>
             </a:pPr>
-            <a:r>
-              <a:t/>
-            </a:r>
-            <a:endParaRPr b="1">
+            <a:endParaRPr b="1" dirty="0">
               <a:latin typeface="Amatic SC"/>
               <a:ea typeface="Amatic SC"/>
               <a:cs typeface="Amatic SC"/>
@@ -6961,7 +7134,7 @@
             </a:endParaRPr>
           </a:p>
           <a:p>
-            <a:pPr indent="0" lvl="0" marL="0" rtl="0" algn="l">
+            <a:pPr marL="0" lvl="0" indent="0" algn="l" rtl="0">
               <a:lnSpc>
                 <a:spcPct val="100000"/>
               </a:lnSpc>
@@ -6974,7 +7147,7 @@
               <a:buNone/>
             </a:pPr>
             <a:r>
-              <a:rPr b="1" lang="es">
+              <a:rPr lang="es" b="1" dirty="0">
                 <a:latin typeface="Amatic SC"/>
                 <a:ea typeface="Amatic SC"/>
                 <a:cs typeface="Amatic SC"/>
@@ -6982,7 +7155,7 @@
               </a:rPr>
               <a:t> </a:t>
             </a:r>
-            <a:endParaRPr b="1">
+            <a:endParaRPr b="1" dirty="0">
               <a:latin typeface="Amatic SC"/>
               <a:ea typeface="Amatic SC"/>
               <a:cs typeface="Amatic SC"/>
@@ -6990,7 +7163,7 @@
             </a:endParaRPr>
           </a:p>
           <a:p>
-            <a:pPr indent="0" lvl="0" marL="0" rtl="0" algn="l">
+            <a:pPr marL="0" lvl="0" indent="0" algn="l" rtl="0">
               <a:lnSpc>
                 <a:spcPct val="100000"/>
               </a:lnSpc>
@@ -7002,10 +7175,7 @@
               </a:spcAft>
               <a:buNone/>
             </a:pPr>
-            <a:r>
-              <a:t/>
-            </a:r>
-            <a:endParaRPr b="1">
+            <a:endParaRPr b="1" dirty="0">
               <a:latin typeface="Amatic SC"/>
               <a:ea typeface="Amatic SC"/>
               <a:cs typeface="Amatic SC"/>
@@ -7013,7 +7183,7 @@
             </a:endParaRPr>
           </a:p>
           <a:p>
-            <a:pPr indent="0" lvl="0" marL="0" rtl="0" algn="l">
+            <a:pPr marL="0" lvl="0" indent="0" algn="l" rtl="0">
               <a:lnSpc>
                 <a:spcPct val="107916"/>
               </a:lnSpc>
@@ -7026,7 +7196,7 @@
               <a:buNone/>
             </a:pPr>
             <a:r>
-              <a:rPr b="1" lang="es" sz="1400">
+              <a:rPr lang="es" sz="1400" b="1" dirty="0">
                 <a:latin typeface="Amatic SC"/>
                 <a:ea typeface="Amatic SC"/>
                 <a:cs typeface="Amatic SC"/>
@@ -7034,7 +7204,7 @@
               </a:rPr>
               <a:t> </a:t>
             </a:r>
-            <a:endParaRPr b="1" sz="1400">
+            <a:endParaRPr sz="1400" b="1" dirty="0">
               <a:latin typeface="Amatic SC"/>
               <a:ea typeface="Amatic SC"/>
               <a:cs typeface="Amatic SC"/>
@@ -7042,7 +7212,7 @@
             </a:endParaRPr>
           </a:p>
           <a:p>
-            <a:pPr indent="0" lvl="0" marL="0" rtl="0" algn="ctr">
+            <a:pPr marL="0" lvl="0" indent="0" algn="ctr" rtl="0">
               <a:lnSpc>
                 <a:spcPct val="100000"/>
               </a:lnSpc>
@@ -7054,10 +7224,7 @@
               </a:spcAft>
               <a:buNone/>
             </a:pPr>
-            <a:r>
-              <a:t/>
-            </a:r>
-            <a:endParaRPr b="1" sz="1400">
+            <a:endParaRPr sz="1400" b="1" dirty="0">
               <a:latin typeface="Amatic SC"/>
               <a:ea typeface="Amatic SC"/>
               <a:cs typeface="Amatic SC"/>
@@ -7069,9 +7236,11 @@
       <p:sp>
         <p:nvSpPr>
           <p:cNvPr id="64" name="Google Shape;64;p14"/>
-          <p:cNvSpPr txBox="1"/>
+          <p:cNvSpPr txBox="1">
+            <a:spLocks noGrp="1"/>
+          </p:cNvSpPr>
           <p:nvPr>
-            <p:ph idx="4294967295" type="subTitle"/>
+            <p:ph type="subTitle" idx="4294967295"/>
           </p:nvPr>
         </p:nvSpPr>
         <p:spPr>
@@ -7084,12 +7253,12 @@
           </a:prstGeom>
         </p:spPr>
         <p:txBody>
-          <a:bodyPr anchorCtr="0" anchor="t" bIns="91425" lIns="91425" spcFirstLastPara="1" rIns="91425" wrap="square" tIns="91425">
+          <a:bodyPr spcFirstLastPara="1" wrap="square" lIns="91425" tIns="91425" rIns="91425" bIns="91425" anchor="t" anchorCtr="0">
             <a:noAutofit/>
           </a:bodyPr>
           <a:lstStyle/>
           <a:p>
-            <a:pPr indent="0" lvl="0" marL="0" marR="0" rtl="0" algn="l">
+            <a:pPr marL="0" marR="0" lvl="0" indent="0" algn="l" rtl="0">
               <a:lnSpc>
                 <a:spcPct val="100000"/>
               </a:lnSpc>
@@ -7102,34 +7271,16 @@
               <a:buNone/>
             </a:pPr>
             <a:r>
-              <a:rPr b="1" lang="es" sz="1500">
+              <a:rPr lang="es" sz="1500" b="1">
                 <a:latin typeface="Amatic SC"/>
                 <a:ea typeface="Amatic SC"/>
                 <a:cs typeface="Amatic SC"/>
                 <a:sym typeface="Amatic SC"/>
               </a:rPr>
-              <a:t>ALUMNA: Anabella frois palacio dni 25882324 - TUTOR: </a:t>
+              <a:t>ALUMNA: Anabella frois palacio dni 25882324 - TUTOR: HERNÁN LOISA - </a:t>
             </a:r>
             <a:r>
-              <a:rPr b="1" lang="es" sz="1500">
-                <a:latin typeface="Amatic SC"/>
-                <a:ea typeface="Amatic SC"/>
-                <a:cs typeface="Amatic SC"/>
-                <a:sym typeface="Amatic SC"/>
-              </a:rPr>
-              <a:t>HERNÁN</a:t>
-            </a:r>
-            <a:r>
-              <a:rPr b="1" lang="es" sz="1500">
-                <a:latin typeface="Amatic SC"/>
-                <a:ea typeface="Amatic SC"/>
-                <a:cs typeface="Amatic SC"/>
-                <a:sym typeface="Amatic SC"/>
-              </a:rPr>
-              <a:t> LOISA - </a:t>
-            </a:r>
-            <a:r>
-              <a:rPr b="1" lang="es" sz="1500">
+              <a:rPr lang="es" sz="1500" b="1">
                 <a:uFill>
                   <a:noFill/>
                 </a:uFill>
@@ -7142,24 +7293,15 @@
               <a:t>Comisión 15/21657</a:t>
             </a:r>
             <a:r>
-              <a:rPr b="1" lang="es" sz="1500">
+              <a:rPr lang="es" sz="1500" b="1">
                 <a:latin typeface="Amatic SC"/>
                 <a:ea typeface="Amatic SC"/>
                 <a:cs typeface="Amatic SC"/>
                 <a:sym typeface="Amatic SC"/>
               </a:rPr>
-              <a:t> - PROYECTO: </a:t>
+              <a:t> - PROYECTO: Sistema de Gestión para Lavadero de Autos</a:t>
             </a:r>
-            <a:r>
-              <a:rPr b="1" lang="es" sz="1500">
-                <a:latin typeface="Amatic SC"/>
-                <a:ea typeface="Amatic SC"/>
-                <a:cs typeface="Amatic SC"/>
-                <a:sym typeface="Amatic SC"/>
-              </a:rPr>
-              <a:t>Sistema de Gestión para Lavadero de Autos</a:t>
-            </a:r>
-            <a:endParaRPr b="1" sz="1500">
+            <a:endParaRPr sz="1500" b="1">
               <a:latin typeface="Amatic SC"/>
               <a:ea typeface="Amatic SC"/>
               <a:cs typeface="Amatic SC"/>
@@ -7177,11 +7319,11 @@
 </file>
 
 <file path=ppt/slides/slide3.xml><?xml version="1.0" encoding="utf-8"?>
-<p:sld xmlns:a="http://schemas.openxmlformats.org/drawingml/2006/main" xmlns:r="http://schemas.openxmlformats.org/officeDocument/2006/relationships" xmlns:mc="http://schemas.openxmlformats.org/markup-compatibility/2006" xmlns:mv="urn:schemas-microsoft-com:mac:vml" xmlns:p="http://schemas.openxmlformats.org/presentationml/2006/main" xmlns:c="http://schemas.openxmlformats.org/drawingml/2006/chart" xmlns:dgm="http://schemas.openxmlformats.org/drawingml/2006/diagram" xmlns:o="urn:schemas-microsoft-com:office:office" xmlns:v="urn:schemas-microsoft-com:vml" xmlns:pvml="urn:schemas-microsoft-com:office:powerpoint" xmlns:com="http://schemas.openxmlformats.org/drawingml/2006/compatibility" xmlns:p14="http://schemas.microsoft.com/office/powerpoint/2010/main" xmlns:p15="http://schemas.microsoft.com/office/powerpoint/2012/main" xmlns:ahyp="http://schemas.microsoft.com/office/drawing/2018/hyperlinkcolor">
+<p:sld xmlns:a="http://schemas.openxmlformats.org/drawingml/2006/main" xmlns:r="http://schemas.openxmlformats.org/officeDocument/2006/relationships" xmlns:p="http://schemas.openxmlformats.org/presentationml/2006/main">
   <p:cSld>
     <p:spTree>
       <p:nvGrpSpPr>
-        <p:cNvPr id="68" name="Shape 68"/>
+        <p:cNvPr id="1" name="Shape 68"/>
         <p:cNvGrpSpPr/>
         <p:nvPr/>
       </p:nvGrpSpPr>
@@ -7196,7 +7338,9 @@
       <p:sp>
         <p:nvSpPr>
           <p:cNvPr id="69" name="Google Shape;69;p15"/>
-          <p:cNvSpPr txBox="1"/>
+          <p:cNvSpPr txBox="1">
+            <a:spLocks noGrp="1"/>
+          </p:cNvSpPr>
           <p:nvPr>
             <p:ph type="title"/>
           </p:nvPr>
@@ -7211,12 +7355,12 @@
           </a:prstGeom>
         </p:spPr>
         <p:txBody>
-          <a:bodyPr anchorCtr="0" anchor="t" bIns="91425" lIns="91425" spcFirstLastPara="1" rIns="91425" wrap="square" tIns="91425">
+          <a:bodyPr spcFirstLastPara="1" wrap="square" lIns="91425" tIns="91425" rIns="91425" bIns="91425" anchor="t" anchorCtr="0">
             <a:normAutofit fontScale="90000"/>
           </a:bodyPr>
           <a:lstStyle/>
           <a:p>
-            <a:pPr indent="0" lvl="0" marL="0" rtl="0" algn="l">
+            <a:pPr marL="0" lvl="0" indent="0" algn="l" rtl="0">
               <a:spcBef>
                 <a:spcPts val="0"/>
               </a:spcBef>
@@ -7248,9 +7392,11 @@
       <p:sp>
         <p:nvSpPr>
           <p:cNvPr id="70" name="Google Shape;70;p15"/>
-          <p:cNvSpPr txBox="1"/>
+          <p:cNvSpPr txBox="1">
+            <a:spLocks noGrp="1"/>
+          </p:cNvSpPr>
           <p:nvPr>
-            <p:ph idx="1" type="body"/>
+            <p:ph type="body" idx="1"/>
           </p:nvPr>
         </p:nvSpPr>
         <p:spPr>
@@ -7263,12 +7409,12 @@
           </a:prstGeom>
         </p:spPr>
         <p:txBody>
-          <a:bodyPr anchorCtr="0" anchor="t" bIns="91425" lIns="91425" spcFirstLastPara="1" rIns="91425" wrap="square" tIns="91425">
+          <a:bodyPr spcFirstLastPara="1" wrap="square" lIns="91425" tIns="91425" rIns="91425" bIns="91425" anchor="t" anchorCtr="0">
             <a:noAutofit/>
           </a:bodyPr>
           <a:lstStyle/>
           <a:p>
-            <a:pPr indent="0" lvl="0" marL="0" rtl="0" algn="l">
+            <a:pPr marL="0" lvl="0" indent="0" algn="l" rtl="0">
               <a:lnSpc>
                 <a:spcPct val="107916"/>
               </a:lnSpc>
@@ -7281,7 +7427,7 @@
               <a:buNone/>
             </a:pPr>
             <a:r>
-              <a:rPr b="1" lang="es" sz="1400">
+              <a:rPr lang="es" sz="1400" b="1">
                 <a:latin typeface="Amatic SC"/>
                 <a:ea typeface="Amatic SC"/>
                 <a:cs typeface="Amatic SC"/>
@@ -7289,7 +7435,7 @@
               </a:rPr>
               <a:t>Un lavadero de autos necesita un sistema para ofrecerle a sus clientes la opción de reservar turnos por días, horarios y tipo de servicio deseado, así como también poder actualizar los valores de dichos servicios ofrecidos. Vamos a idear una app que permita que esto pueda llevarse a cabo con sencillez y eficiencia y que luego pueda estar vinculada a la página web.</a:t>
             </a:r>
-            <a:endParaRPr b="1" sz="1400">
+            <a:endParaRPr sz="1400" b="1">
               <a:latin typeface="Amatic SC"/>
               <a:ea typeface="Amatic SC"/>
               <a:cs typeface="Amatic SC"/>
@@ -7297,7 +7443,7 @@
             </a:endParaRPr>
           </a:p>
           <a:p>
-            <a:pPr indent="0" lvl="0" marL="0" rtl="0" algn="l">
+            <a:pPr marL="0" lvl="0" indent="0" algn="l" rtl="0">
               <a:lnSpc>
                 <a:spcPct val="107916"/>
               </a:lnSpc>
@@ -7310,7 +7456,7 @@
               <a:buNone/>
             </a:pPr>
             <a:r>
-              <a:rPr b="1" lang="es" sz="1400">
+              <a:rPr lang="es" sz="1400" b="1">
                 <a:latin typeface="Amatic SC"/>
                 <a:ea typeface="Amatic SC"/>
                 <a:cs typeface="Amatic SC"/>
@@ -7318,7 +7464,7 @@
               </a:rPr>
               <a:t>Título: Sistema de Gestión para Lavadero de Autos.</a:t>
             </a:r>
-            <a:endParaRPr b="1" sz="1400">
+            <a:endParaRPr sz="1400" b="1">
               <a:latin typeface="Amatic SC"/>
               <a:ea typeface="Amatic SC"/>
               <a:cs typeface="Amatic SC"/>
@@ -7326,7 +7472,7 @@
             </a:endParaRPr>
           </a:p>
           <a:p>
-            <a:pPr indent="0" lvl="0" marL="0" rtl="0" algn="l">
+            <a:pPr marL="0" lvl="0" indent="0" algn="l" rtl="0">
               <a:lnSpc>
                 <a:spcPct val="107916"/>
               </a:lnSpc>
@@ -7339,7 +7485,7 @@
               <a:buNone/>
             </a:pPr>
             <a:r>
-              <a:rPr b="1" lang="es" sz="1400">
+              <a:rPr lang="es" sz="1400" b="1">
                 <a:latin typeface="Amatic SC"/>
                 <a:ea typeface="Amatic SC"/>
                 <a:cs typeface="Amatic SC"/>
@@ -7347,7 +7493,7 @@
               </a:rPr>
               <a:t>El sistema debe proporcionar los siguientes requisitos funcionales:</a:t>
             </a:r>
-            <a:endParaRPr b="1" sz="1400">
+            <a:endParaRPr sz="1400" b="1">
               <a:latin typeface="Amatic SC"/>
               <a:ea typeface="Amatic SC"/>
               <a:cs typeface="Amatic SC"/>
@@ -7355,7 +7501,7 @@
             </a:endParaRPr>
           </a:p>
           <a:p>
-            <a:pPr indent="0" lvl="0" marL="0" rtl="0" algn="l">
+            <a:pPr marL="0" lvl="0" indent="0" algn="l" rtl="0">
               <a:lnSpc>
                 <a:spcPct val="107916"/>
               </a:lnSpc>
@@ -7368,7 +7514,7 @@
               <a:buNone/>
             </a:pPr>
             <a:r>
-              <a:rPr b="1" lang="es" sz="1400">
+              <a:rPr lang="es" sz="1400" b="1">
                 <a:latin typeface="Amatic SC"/>
                 <a:ea typeface="Amatic SC"/>
                 <a:cs typeface="Amatic SC"/>
@@ -7376,7 +7522,7 @@
               </a:rPr>
               <a:t>1)Gestión de Turnos:</a:t>
             </a:r>
-            <a:endParaRPr b="1" sz="1400">
+            <a:endParaRPr sz="1400" b="1">
               <a:latin typeface="Amatic SC"/>
               <a:ea typeface="Amatic SC"/>
               <a:cs typeface="Amatic SC"/>
@@ -7384,7 +7530,7 @@
             </a:endParaRPr>
           </a:p>
           <a:p>
-            <a:pPr indent="0" lvl="0" marL="0" rtl="0" algn="l">
+            <a:pPr marL="0" lvl="0" indent="0" algn="l" rtl="0">
               <a:lnSpc>
                 <a:spcPct val="107916"/>
               </a:lnSpc>
@@ -7397,7 +7543,7 @@
               <a:buNone/>
             </a:pPr>
             <a:r>
-              <a:rPr b="1" lang="es" sz="1400">
+              <a:rPr lang="es" sz="1400" b="1">
                 <a:latin typeface="Amatic SC"/>
                 <a:ea typeface="Amatic SC"/>
                 <a:cs typeface="Amatic SC"/>
@@ -7406,7 +7552,7 @@
               <a:t>Permitir a los clientes reservar turnos para lavar el auto u otras opciones ofrecidas de servicios tales como Limpieza de Interior del Auto, Lavado de carrocería/chasis/moto, Limpieza de tapizados en general, Limpieza de Alfombra, Pulido de carrocería/cristales, Encerado, Teflonado, Cambio de aceite del filtro.</a:t>
             </a:r>
             <a:br>
-              <a:rPr b="1" lang="es" sz="1400">
+              <a:rPr lang="es" sz="1400" b="1">
                 <a:latin typeface="Amatic SC"/>
                 <a:ea typeface="Amatic SC"/>
                 <a:cs typeface="Amatic SC"/>
@@ -7414,7 +7560,7 @@
               </a:rPr>
             </a:br>
             <a:r>
-              <a:rPr b="1" lang="es" sz="1400">
+              <a:rPr lang="es" sz="1400" b="1">
                 <a:latin typeface="Amatic SC"/>
                 <a:ea typeface="Amatic SC"/>
                 <a:cs typeface="Amatic SC"/>
@@ -7422,7 +7568,7 @@
               </a:rPr>
               <a:t>2)Mostrar un calendario de turnos.</a:t>
             </a:r>
-            <a:endParaRPr b="1" sz="1400">
+            <a:endParaRPr sz="1400" b="1">
               <a:latin typeface="Amatic SC"/>
               <a:ea typeface="Amatic SC"/>
               <a:cs typeface="Amatic SC"/>
@@ -7430,7 +7576,7 @@
             </a:endParaRPr>
           </a:p>
           <a:p>
-            <a:pPr indent="0" lvl="0" marL="0" rtl="0" algn="l">
+            <a:pPr marL="0" lvl="0" indent="0" algn="l" rtl="0">
               <a:lnSpc>
                 <a:spcPct val="107916"/>
               </a:lnSpc>
@@ -7443,7 +7589,7 @@
               <a:buNone/>
             </a:pPr>
             <a:r>
-              <a:rPr b="1" lang="es" sz="1400">
+              <a:rPr lang="es" sz="1400" b="1">
                 <a:latin typeface="Amatic SC"/>
                 <a:ea typeface="Amatic SC"/>
                 <a:cs typeface="Amatic SC"/>
@@ -7451,7 +7597,7 @@
               </a:rPr>
               <a:t>3)Lista de Precios de Servicios:</a:t>
             </a:r>
-            <a:endParaRPr b="1" sz="1400">
+            <a:endParaRPr sz="1400" b="1">
               <a:latin typeface="Amatic SC"/>
               <a:ea typeface="Amatic SC"/>
               <a:cs typeface="Amatic SC"/>
@@ -7459,7 +7605,7 @@
             </a:endParaRPr>
           </a:p>
           <a:p>
-            <a:pPr indent="0" lvl="0" marL="0" rtl="0" algn="l">
+            <a:pPr marL="0" lvl="0" indent="0" algn="l" rtl="0">
               <a:lnSpc>
                 <a:spcPct val="107916"/>
               </a:lnSpc>
@@ -7472,7 +7618,7 @@
               <a:buNone/>
             </a:pPr>
             <a:r>
-              <a:rPr b="1" lang="es" sz="1400">
+              <a:rPr lang="es" sz="1400" b="1">
                 <a:latin typeface="Amatic SC"/>
                 <a:ea typeface="Amatic SC"/>
                 <a:cs typeface="Amatic SC"/>
@@ -7480,7 +7626,7 @@
               </a:rPr>
               <a:t>Mantener una lista de precios actualizada de los servicios ofrecidos para realizar el lavadero de Autos.</a:t>
             </a:r>
-            <a:endParaRPr b="1" sz="1400">
+            <a:endParaRPr sz="1400" b="1">
               <a:latin typeface="Amatic SC"/>
               <a:ea typeface="Amatic SC"/>
               <a:cs typeface="Amatic SC"/>
@@ -7488,7 +7634,7 @@
             </a:endParaRPr>
           </a:p>
           <a:p>
-            <a:pPr indent="0" lvl="0" marL="0" rtl="0" algn="l">
+            <a:pPr marL="0" lvl="0" indent="0" algn="l" rtl="0">
               <a:lnSpc>
                 <a:spcPct val="107916"/>
               </a:lnSpc>
@@ -7501,7 +7647,7 @@
               <a:buNone/>
             </a:pPr>
             <a:r>
-              <a:rPr b="1" lang="es" sz="1400">
+              <a:rPr lang="es" sz="1400" b="1">
                 <a:latin typeface="Amatic SC"/>
                 <a:ea typeface="Amatic SC"/>
                 <a:cs typeface="Amatic SC"/>
@@ -7509,7 +7655,7 @@
               </a:rPr>
               <a:t>Permitir la modificación y actualización de los precios según sea necesario.</a:t>
             </a:r>
-            <a:endParaRPr b="1" sz="1400">
+            <a:endParaRPr sz="1400" b="1">
               <a:latin typeface="Amatic SC"/>
               <a:ea typeface="Amatic SC"/>
               <a:cs typeface="Amatic SC"/>
@@ -7517,7 +7663,7 @@
             </a:endParaRPr>
           </a:p>
           <a:p>
-            <a:pPr indent="0" lvl="0" marL="0" rtl="0" algn="l">
+            <a:pPr marL="0" lvl="0" indent="0" algn="l" rtl="0">
               <a:lnSpc>
                 <a:spcPct val="107916"/>
               </a:lnSpc>
@@ -7530,7 +7676,7 @@
               <a:buNone/>
             </a:pPr>
             <a:r>
-              <a:rPr b="1" lang="es" sz="1400">
+              <a:rPr lang="es" sz="1400" b="1">
                 <a:latin typeface="Amatic SC"/>
                 <a:ea typeface="Amatic SC"/>
                 <a:cs typeface="Amatic SC"/>
@@ -7538,7 +7684,7 @@
               </a:rPr>
               <a:t>4)Interfaz de Usuario Amigable:</a:t>
             </a:r>
-            <a:endParaRPr b="1" sz="1400">
+            <a:endParaRPr sz="1400" b="1">
               <a:latin typeface="Amatic SC"/>
               <a:ea typeface="Amatic SC"/>
               <a:cs typeface="Amatic SC"/>
@@ -7546,7 +7692,7 @@
             </a:endParaRPr>
           </a:p>
           <a:p>
-            <a:pPr indent="0" lvl="0" marL="0" rtl="0" algn="l">
+            <a:pPr marL="0" lvl="0" indent="0" algn="l" rtl="0">
               <a:lnSpc>
                 <a:spcPct val="107916"/>
               </a:lnSpc>
@@ -7559,7 +7705,7 @@
               <a:buNone/>
             </a:pPr>
             <a:r>
-              <a:rPr b="1" lang="es" sz="1400">
+              <a:rPr lang="es" sz="1400" b="1">
                 <a:latin typeface="Amatic SC"/>
                 <a:ea typeface="Amatic SC"/>
                 <a:cs typeface="Amatic SC"/>
@@ -7567,7 +7713,7 @@
               </a:rPr>
               <a:t>Proporcionar una interfaz de usuario intuitiva y fácil de usar para que los clientes puedan navegar y utilizar todas las funciones del sistema.</a:t>
             </a:r>
-            <a:endParaRPr b="1" sz="1400">
+            <a:endParaRPr sz="1400" b="1">
               <a:latin typeface="Amatic SC"/>
               <a:ea typeface="Amatic SC"/>
               <a:cs typeface="Amatic SC"/>
@@ -7575,7 +7721,7 @@
             </a:endParaRPr>
           </a:p>
           <a:p>
-            <a:pPr indent="0" lvl="0" marL="0" rtl="0" algn="ctr">
+            <a:pPr marL="0" lvl="0" indent="0" algn="ctr" rtl="0">
               <a:lnSpc>
                 <a:spcPct val="100000"/>
               </a:lnSpc>
@@ -7587,10 +7733,7 @@
               </a:spcAft>
               <a:buNone/>
             </a:pPr>
-            <a:r>
-              <a:t/>
-            </a:r>
-            <a:endParaRPr b="1" sz="1400">
+            <a:endParaRPr sz="1400" b="1">
               <a:latin typeface="Amatic SC"/>
               <a:ea typeface="Amatic SC"/>
               <a:cs typeface="Amatic SC"/>
@@ -7602,9 +7745,11 @@
       <p:sp>
         <p:nvSpPr>
           <p:cNvPr id="71" name="Google Shape;71;p15"/>
-          <p:cNvSpPr txBox="1"/>
+          <p:cNvSpPr txBox="1">
+            <a:spLocks noGrp="1"/>
+          </p:cNvSpPr>
           <p:nvPr>
-            <p:ph idx="4294967295" type="subTitle"/>
+            <p:ph type="subTitle" idx="4294967295"/>
           </p:nvPr>
         </p:nvSpPr>
         <p:spPr>
@@ -7617,12 +7762,12 @@
           </a:prstGeom>
         </p:spPr>
         <p:txBody>
-          <a:bodyPr anchorCtr="0" anchor="t" bIns="91425" lIns="91425" spcFirstLastPara="1" rIns="91425" wrap="square" tIns="91425">
+          <a:bodyPr spcFirstLastPara="1" wrap="square" lIns="91425" tIns="91425" rIns="91425" bIns="91425" anchor="t" anchorCtr="0">
             <a:noAutofit/>
           </a:bodyPr>
           <a:lstStyle/>
           <a:p>
-            <a:pPr indent="0" lvl="0" marL="0" marR="0" rtl="0" algn="l">
+            <a:pPr marL="0" marR="0" lvl="0" indent="0" algn="l" rtl="0">
               <a:lnSpc>
                 <a:spcPct val="100000"/>
               </a:lnSpc>
@@ -7635,34 +7780,16 @@
               <a:buNone/>
             </a:pPr>
             <a:r>
-              <a:rPr b="1" lang="es" sz="1500">
+              <a:rPr lang="es" sz="1500" b="1">
                 <a:latin typeface="Amatic SC"/>
                 <a:ea typeface="Amatic SC"/>
                 <a:cs typeface="Amatic SC"/>
                 <a:sym typeface="Amatic SC"/>
               </a:rPr>
-              <a:t>ALUMNA: Anabella frois palacio dni 25882324 - TUTOR: </a:t>
+              <a:t>ALUMNA: Anabella frois palacio dni 25882324 - TUTOR: HERNÁN LOISA - </a:t>
             </a:r>
             <a:r>
-              <a:rPr b="1" lang="es" sz="1500">
-                <a:latin typeface="Amatic SC"/>
-                <a:ea typeface="Amatic SC"/>
-                <a:cs typeface="Amatic SC"/>
-                <a:sym typeface="Amatic SC"/>
-              </a:rPr>
-              <a:t>HERNÁN</a:t>
-            </a:r>
-            <a:r>
-              <a:rPr b="1" lang="es" sz="1500">
-                <a:latin typeface="Amatic SC"/>
-                <a:ea typeface="Amatic SC"/>
-                <a:cs typeface="Amatic SC"/>
-                <a:sym typeface="Amatic SC"/>
-              </a:rPr>
-              <a:t> LOISA - </a:t>
-            </a:r>
-            <a:r>
-              <a:rPr b="1" lang="es" sz="1500">
+              <a:rPr lang="es" sz="1500" b="1">
                 <a:uFill>
                   <a:noFill/>
                 </a:uFill>
@@ -7675,7 +7802,7 @@
               <a:t>Comisión 15/21657</a:t>
             </a:r>
             <a:r>
-              <a:rPr b="1" lang="es" sz="1500">
+              <a:rPr lang="es" sz="1500" b="1">
                 <a:latin typeface="Amatic SC"/>
                 <a:ea typeface="Amatic SC"/>
                 <a:cs typeface="Amatic SC"/>
@@ -7683,7 +7810,7 @@
               </a:rPr>
               <a:t> - PROYECTO: Sistema de Gestión para Lavadero de Autos</a:t>
             </a:r>
-            <a:endParaRPr b="1" sz="1500">
+            <a:endParaRPr sz="1500" b="1">
               <a:latin typeface="Amatic SC"/>
               <a:ea typeface="Amatic SC"/>
               <a:cs typeface="Amatic SC"/>
@@ -7701,11 +7828,11 @@
 </file>
 
 <file path=ppt/slides/slide4.xml><?xml version="1.0" encoding="utf-8"?>
-<p:sld xmlns:a="http://schemas.openxmlformats.org/drawingml/2006/main" xmlns:r="http://schemas.openxmlformats.org/officeDocument/2006/relationships" xmlns:mc="http://schemas.openxmlformats.org/markup-compatibility/2006" xmlns:mv="urn:schemas-microsoft-com:mac:vml" xmlns:p="http://schemas.openxmlformats.org/presentationml/2006/main" xmlns:c="http://schemas.openxmlformats.org/drawingml/2006/chart" xmlns:dgm="http://schemas.openxmlformats.org/drawingml/2006/diagram" xmlns:o="urn:schemas-microsoft-com:office:office" xmlns:v="urn:schemas-microsoft-com:vml" xmlns:pvml="urn:schemas-microsoft-com:office:powerpoint" xmlns:com="http://schemas.openxmlformats.org/drawingml/2006/compatibility" xmlns:p14="http://schemas.microsoft.com/office/powerpoint/2010/main" xmlns:p15="http://schemas.microsoft.com/office/powerpoint/2012/main" xmlns:ahyp="http://schemas.microsoft.com/office/drawing/2018/hyperlinkcolor">
+<p:sld xmlns:a="http://schemas.openxmlformats.org/drawingml/2006/main" xmlns:r="http://schemas.openxmlformats.org/officeDocument/2006/relationships" xmlns:p="http://schemas.openxmlformats.org/presentationml/2006/main">
   <p:cSld>
     <p:spTree>
       <p:nvGrpSpPr>
-        <p:cNvPr id="75" name="Shape 75"/>
+        <p:cNvPr id="1" name="Shape 75"/>
         <p:cNvGrpSpPr/>
         <p:nvPr/>
       </p:nvGrpSpPr>
@@ -7720,7 +7847,9 @@
       <p:sp>
         <p:nvSpPr>
           <p:cNvPr id="76" name="Google Shape;76;p16"/>
-          <p:cNvSpPr txBox="1"/>
+          <p:cNvSpPr txBox="1">
+            <a:spLocks noGrp="1"/>
+          </p:cNvSpPr>
           <p:nvPr>
             <p:ph type="title"/>
           </p:nvPr>
@@ -7735,12 +7864,12 @@
           </a:prstGeom>
         </p:spPr>
         <p:txBody>
-          <a:bodyPr anchorCtr="0" anchor="t" bIns="91425" lIns="91425" spcFirstLastPara="1" rIns="91425" wrap="square" tIns="91425">
+          <a:bodyPr spcFirstLastPara="1" wrap="square" lIns="91425" tIns="91425" rIns="91425" bIns="91425" anchor="t" anchorCtr="0">
             <a:normAutofit fontScale="90000"/>
           </a:bodyPr>
           <a:lstStyle/>
           <a:p>
-            <a:pPr indent="0" lvl="0" marL="0" rtl="0" algn="l">
+            <a:pPr marL="0" lvl="0" indent="0" algn="l" rtl="0">
               <a:spcBef>
                 <a:spcPts val="0"/>
               </a:spcBef>
@@ -7781,7 +7910,7 @@
             </a:endParaRPr>
           </a:p>
           <a:p>
-            <a:pPr indent="0" lvl="0" marL="0" rtl="0" algn="l">
+            <a:pPr marL="0" lvl="0" indent="0" algn="l" rtl="0">
               <a:spcBef>
                 <a:spcPts val="0"/>
               </a:spcBef>
@@ -7790,9 +7919,6 @@
               </a:spcAft>
               <a:buNone/>
             </a:pPr>
-            <a:r>
-              <a:t/>
-            </a:r>
             <a:endParaRPr sz="1400">
               <a:solidFill>
                 <a:schemeClr val="dk2"/>
@@ -7804,9 +7930,11 @@
       <p:sp>
         <p:nvSpPr>
           <p:cNvPr id="77" name="Google Shape;77;p16"/>
-          <p:cNvSpPr txBox="1"/>
+          <p:cNvSpPr txBox="1">
+            <a:spLocks noGrp="1"/>
+          </p:cNvSpPr>
           <p:nvPr>
-            <p:ph idx="1" type="body"/>
+            <p:ph type="body" idx="1"/>
           </p:nvPr>
         </p:nvSpPr>
         <p:spPr>
@@ -7819,12 +7947,12 @@
           </a:prstGeom>
         </p:spPr>
         <p:txBody>
-          <a:bodyPr anchorCtr="0" anchor="t" bIns="91425" lIns="91425" spcFirstLastPara="1" rIns="91425" wrap="square" tIns="91425">
+          <a:bodyPr spcFirstLastPara="1" wrap="square" lIns="91425" tIns="91425" rIns="91425" bIns="91425" anchor="t" anchorCtr="0">
             <a:noAutofit/>
           </a:bodyPr>
           <a:lstStyle/>
           <a:p>
-            <a:pPr indent="0" lvl="0" marL="0" rtl="0" algn="l">
+            <a:pPr marL="0" lvl="0" indent="0" algn="l" rtl="0">
               <a:lnSpc>
                 <a:spcPct val="107916"/>
               </a:lnSpc>
@@ -7837,7 +7965,7 @@
               <a:buNone/>
             </a:pPr>
             <a:r>
-              <a:rPr b="1" lang="es" sz="1400">
+              <a:rPr lang="es" sz="1400" b="1">
                 <a:latin typeface="Amatic SC"/>
                 <a:ea typeface="Amatic SC"/>
                 <a:cs typeface="Amatic SC"/>
@@ -7845,7 +7973,7 @@
               </a:rPr>
               <a:t>Se crea un tablero Kanban en una plataforma en línea llamada Trello. Se crean las columnas de: "Lista de tareas por hacer", "En progreso", "En revisión" y "Realizado".</a:t>
             </a:r>
-            <a:endParaRPr b="1" sz="1400">
+            <a:endParaRPr sz="1400" b="1">
               <a:latin typeface="Amatic SC"/>
               <a:ea typeface="Amatic SC"/>
               <a:cs typeface="Amatic SC"/>
@@ -7853,7 +7981,7 @@
             </a:endParaRPr>
           </a:p>
           <a:p>
-            <a:pPr indent="0" lvl="0" marL="0" rtl="0" algn="l">
+            <a:pPr marL="0" lvl="0" indent="0" algn="l" rtl="0">
               <a:lnSpc>
                 <a:spcPct val="107916"/>
               </a:lnSpc>
@@ -7866,7 +7994,7 @@
               <a:buNone/>
             </a:pPr>
             <a:r>
-              <a:rPr b="1" lang="es" sz="1400">
+              <a:rPr lang="es" sz="1400" b="1">
                 <a:latin typeface="Amatic SC"/>
                 <a:ea typeface="Amatic SC"/>
                 <a:cs typeface="Amatic SC"/>
@@ -7874,7 +8002,7 @@
               </a:rPr>
               <a:t>Listado de Tareas:</a:t>
             </a:r>
-            <a:endParaRPr b="1" sz="1400">
+            <a:endParaRPr sz="1400" b="1">
               <a:latin typeface="Amatic SC"/>
               <a:ea typeface="Amatic SC"/>
               <a:cs typeface="Amatic SC"/>
@@ -7882,7 +8010,7 @@
             </a:endParaRPr>
           </a:p>
           <a:p>
-            <a:pPr indent="-317500" lvl="0" marL="457200" rtl="0" algn="l">
+            <a:pPr marL="457200" lvl="0" indent="-317500" algn="l" rtl="0">
               <a:lnSpc>
                 <a:spcPct val="107916"/>
               </a:lnSpc>
@@ -7900,7 +8028,7 @@
               <a:buChar char="●"/>
             </a:pPr>
             <a:r>
-              <a:rPr b="1" lang="es" sz="1400">
+              <a:rPr lang="es" sz="1400" b="1">
                 <a:latin typeface="Amatic SC"/>
                 <a:ea typeface="Amatic SC"/>
                 <a:cs typeface="Amatic SC"/>
@@ -7908,7 +8036,7 @@
               </a:rPr>
               <a:t>Dividimos el proyecto en tareas más pequeñas</a:t>
             </a:r>
-            <a:endParaRPr b="1" sz="1400">
+            <a:endParaRPr sz="1400" b="1">
               <a:latin typeface="Amatic SC"/>
               <a:ea typeface="Amatic SC"/>
               <a:cs typeface="Amatic SC"/>
@@ -7916,7 +8044,7 @@
             </a:endParaRPr>
           </a:p>
           <a:p>
-            <a:pPr indent="-317500" lvl="0" marL="457200" rtl="0" algn="l">
+            <a:pPr marL="457200" lvl="0" indent="-317500" algn="l" rtl="0">
               <a:lnSpc>
                 <a:spcPct val="107916"/>
               </a:lnSpc>
@@ -7934,7 +8062,7 @@
               <a:buChar char="●"/>
             </a:pPr>
             <a:r>
-              <a:rPr b="1" lang="es" sz="1400">
+              <a:rPr lang="es" sz="1400" b="1">
                 <a:latin typeface="Amatic SC"/>
                 <a:ea typeface="Amatic SC"/>
                 <a:cs typeface="Amatic SC"/>
@@ -7942,7 +8070,7 @@
               </a:rPr>
               <a:t>Investigar y diseñar la interfaz del sistema.</a:t>
             </a:r>
-            <a:endParaRPr b="1" sz="1400">
+            <a:endParaRPr sz="1400" b="1">
               <a:latin typeface="Amatic SC"/>
               <a:ea typeface="Amatic SC"/>
               <a:cs typeface="Amatic SC"/>
@@ -7950,7 +8078,7 @@
             </a:endParaRPr>
           </a:p>
           <a:p>
-            <a:pPr indent="-317500" lvl="0" marL="457200" rtl="0" algn="l">
+            <a:pPr marL="457200" lvl="0" indent="-317500" algn="l" rtl="0">
               <a:lnSpc>
                 <a:spcPct val="107916"/>
               </a:lnSpc>
@@ -7968,7 +8096,7 @@
               <a:buChar char="●"/>
             </a:pPr>
             <a:r>
-              <a:rPr b="1" lang="es" sz="1400">
+              <a:rPr lang="es" sz="1400" b="1">
                 <a:latin typeface="Amatic SC"/>
                 <a:ea typeface="Amatic SC"/>
                 <a:cs typeface="Amatic SC"/>
@@ -7976,7 +8104,7 @@
               </a:rPr>
               <a:t>Generar un pseudocódigo funcional.</a:t>
             </a:r>
-            <a:endParaRPr b="1" sz="1400">
+            <a:endParaRPr sz="1400" b="1">
               <a:latin typeface="Amatic SC"/>
               <a:ea typeface="Amatic SC"/>
               <a:cs typeface="Amatic SC"/>
@@ -7984,7 +8112,7 @@
             </a:endParaRPr>
           </a:p>
           <a:p>
-            <a:pPr indent="-317500" lvl="0" marL="457200" rtl="0" algn="l">
+            <a:pPr marL="457200" lvl="0" indent="-317500" algn="l" rtl="0">
               <a:lnSpc>
                 <a:spcPct val="107916"/>
               </a:lnSpc>
@@ -8002,7 +8130,7 @@
               <a:buChar char="●"/>
             </a:pPr>
             <a:r>
-              <a:rPr b="1" lang="es" sz="1400">
+              <a:rPr lang="es" sz="1400" b="1">
                 <a:latin typeface="Amatic SC"/>
                 <a:ea typeface="Amatic SC"/>
                 <a:cs typeface="Amatic SC"/>
@@ -8010,7 +8138,7 @@
               </a:rPr>
               <a:t>Crear la estructura de la base de datos para los turnos.</a:t>
             </a:r>
-            <a:endParaRPr b="1" sz="1400">
+            <a:endParaRPr sz="1400" b="1">
               <a:latin typeface="Amatic SC"/>
               <a:ea typeface="Amatic SC"/>
               <a:cs typeface="Amatic SC"/>
@@ -8018,7 +8146,7 @@
             </a:endParaRPr>
           </a:p>
           <a:p>
-            <a:pPr indent="-317500" lvl="0" marL="457200" rtl="0" algn="l">
+            <a:pPr marL="457200" lvl="0" indent="-317500" algn="l" rtl="0">
               <a:lnSpc>
                 <a:spcPct val="107916"/>
               </a:lnSpc>
@@ -8036,7 +8164,7 @@
               <a:buChar char="●"/>
             </a:pPr>
             <a:r>
-              <a:rPr b="1" lang="es" sz="1400">
+              <a:rPr lang="es" sz="1400" b="1">
                 <a:latin typeface="Amatic SC"/>
                 <a:ea typeface="Amatic SC"/>
                 <a:cs typeface="Amatic SC"/>
@@ -8044,7 +8172,7 @@
               </a:rPr>
               <a:t>Implementar la funcionalidad de registro y manejo de turnos.</a:t>
             </a:r>
-            <a:endParaRPr b="1" sz="1400">
+            <a:endParaRPr sz="1400" b="1">
               <a:latin typeface="Amatic SC"/>
               <a:ea typeface="Amatic SC"/>
               <a:cs typeface="Amatic SC"/>
@@ -8052,7 +8180,7 @@
             </a:endParaRPr>
           </a:p>
           <a:p>
-            <a:pPr indent="-317500" lvl="0" marL="457200" rtl="0" algn="l">
+            <a:pPr marL="457200" lvl="0" indent="-317500" algn="l" rtl="0">
               <a:lnSpc>
                 <a:spcPct val="107916"/>
               </a:lnSpc>
@@ -8070,7 +8198,7 @@
               <a:buChar char="●"/>
             </a:pPr>
             <a:r>
-              <a:rPr b="1" lang="es" sz="1400">
+              <a:rPr lang="es" sz="1400" b="1">
                 <a:latin typeface="Amatic SC"/>
                 <a:ea typeface="Amatic SC"/>
                 <a:cs typeface="Amatic SC"/>
@@ -8078,7 +8206,7 @@
               </a:rPr>
               <a:t>Diseñar la lista de precios de los servicios ofrecidos.</a:t>
             </a:r>
-            <a:endParaRPr b="1" sz="1400">
+            <a:endParaRPr sz="1400" b="1">
               <a:latin typeface="Amatic SC"/>
               <a:ea typeface="Amatic SC"/>
               <a:cs typeface="Amatic SC"/>
@@ -8086,7 +8214,7 @@
             </a:endParaRPr>
           </a:p>
           <a:p>
-            <a:pPr indent="-317500" lvl="0" marL="457200" rtl="0" algn="l">
+            <a:pPr marL="457200" lvl="0" indent="-317500" algn="l" rtl="0">
               <a:lnSpc>
                 <a:spcPct val="107916"/>
               </a:lnSpc>
@@ -8104,7 +8232,7 @@
               <a:buChar char="●"/>
             </a:pPr>
             <a:r>
-              <a:rPr b="1" lang="es" sz="1400">
+              <a:rPr lang="es" sz="1400" b="1">
                 <a:latin typeface="Amatic SC"/>
                 <a:ea typeface="Amatic SC"/>
                 <a:cs typeface="Amatic SC"/>
@@ -8112,7 +8240,7 @@
               </a:rPr>
               <a:t>Implementar la funcionalidad de carga de servicios.</a:t>
             </a:r>
-            <a:endParaRPr b="1" sz="1400">
+            <a:endParaRPr sz="1400" b="1">
               <a:latin typeface="Amatic SC"/>
               <a:ea typeface="Amatic SC"/>
               <a:cs typeface="Amatic SC"/>
@@ -8120,7 +8248,7 @@
             </a:endParaRPr>
           </a:p>
           <a:p>
-            <a:pPr indent="-317500" lvl="0" marL="457200" rtl="0" algn="l">
+            <a:pPr marL="457200" lvl="0" indent="-317500" algn="l" rtl="0">
               <a:lnSpc>
                 <a:spcPct val="107916"/>
               </a:lnSpc>
@@ -8138,7 +8266,7 @@
               <a:buChar char="●"/>
             </a:pPr>
             <a:r>
-              <a:rPr b="1" lang="es" sz="1400">
+              <a:rPr lang="es" sz="1400" b="1">
                 <a:latin typeface="Amatic SC"/>
                 <a:ea typeface="Amatic SC"/>
                 <a:cs typeface="Amatic SC"/>
@@ -8146,7 +8274,7 @@
               </a:rPr>
               <a:t>Integrar el sistema con la página web.</a:t>
             </a:r>
-            <a:endParaRPr b="1" sz="1400">
+            <a:endParaRPr sz="1400" b="1">
               <a:latin typeface="Amatic SC"/>
               <a:ea typeface="Amatic SC"/>
               <a:cs typeface="Amatic SC"/>
@@ -8154,7 +8282,7 @@
             </a:endParaRPr>
           </a:p>
           <a:p>
-            <a:pPr indent="0" lvl="0" marL="0" rtl="0" algn="l">
+            <a:pPr marL="0" lvl="0" indent="0" algn="l" rtl="0">
               <a:lnSpc>
                 <a:spcPct val="107916"/>
               </a:lnSpc>
@@ -8166,10 +8294,7 @@
               </a:spcAft>
               <a:buNone/>
             </a:pPr>
-            <a:r>
-              <a:t/>
-            </a:r>
-            <a:endParaRPr b="1" sz="1400">
+            <a:endParaRPr sz="1400" b="1">
               <a:latin typeface="Amatic SC"/>
               <a:ea typeface="Amatic SC"/>
               <a:cs typeface="Amatic SC"/>
@@ -8177,7 +8302,7 @@
             </a:endParaRPr>
           </a:p>
           <a:p>
-            <a:pPr indent="0" lvl="0" marL="0" rtl="0" algn="l">
+            <a:pPr marL="0" lvl="0" indent="0" algn="l" rtl="0">
               <a:lnSpc>
                 <a:spcPct val="107916"/>
               </a:lnSpc>
@@ -8190,7 +8315,7 @@
               <a:buNone/>
             </a:pPr>
             <a:r>
-              <a:rPr b="1" lang="es" sz="1400">
+              <a:rPr lang="es" sz="1400" b="1">
                 <a:latin typeface="Amatic SC"/>
                 <a:ea typeface="Amatic SC"/>
                 <a:cs typeface="Amatic SC"/>
@@ -8198,7 +8323,7 @@
               </a:rPr>
               <a:t>Flujo de Trabajo:</a:t>
             </a:r>
-            <a:endParaRPr b="1" sz="1400">
+            <a:endParaRPr sz="1400" b="1">
               <a:latin typeface="Amatic SC"/>
               <a:ea typeface="Amatic SC"/>
               <a:cs typeface="Amatic SC"/>
@@ -8206,7 +8331,7 @@
             </a:endParaRPr>
           </a:p>
           <a:p>
-            <a:pPr indent="0" lvl="0" marL="0" rtl="0" algn="l">
+            <a:pPr marL="0" lvl="0" indent="0" algn="l" rtl="0">
               <a:lnSpc>
                 <a:spcPct val="107916"/>
               </a:lnSpc>
@@ -8219,7 +8344,7 @@
               <a:buNone/>
             </a:pPr>
             <a:r>
-              <a:rPr b="1" lang="es" sz="1400">
+              <a:rPr lang="es" sz="1400" b="1">
                 <a:latin typeface="Amatic SC"/>
                 <a:ea typeface="Amatic SC"/>
                 <a:cs typeface="Amatic SC"/>
@@ -8228,7 +8353,7 @@
               <a:t>Colocamos las tareas en la columna "Por hacer" del tablero Kanban. A medida que comenzamos a trabajar en una tarea, la movemos a la columna "En progreso".</a:t>
             </a:r>
             <a:br>
-              <a:rPr b="1" lang="es" sz="1400">
+              <a:rPr lang="es" sz="1400" b="1">
                 <a:latin typeface="Amatic SC"/>
                 <a:ea typeface="Amatic SC"/>
                 <a:cs typeface="Amatic SC"/>
@@ -8236,7 +8361,7 @@
               </a:rPr>
             </a:br>
             <a:r>
-              <a:rPr b="1" lang="es" sz="1400">
+              <a:rPr lang="es" sz="1400" b="1">
                 <a:latin typeface="Amatic SC"/>
                 <a:ea typeface="Amatic SC"/>
                 <a:cs typeface="Amatic SC"/>
@@ -8244,7 +8369,7 @@
               </a:rPr>
               <a:t>Cuando completamos una tarea, la movemos a la columna "En revisión" para verificarla y resolver cualquier problema. Una vez que una tarea haya sido revisada y aprobada, la movemos a la columna "Realizado".</a:t>
             </a:r>
-            <a:endParaRPr b="1" sz="1400">
+            <a:endParaRPr sz="1400" b="1">
               <a:latin typeface="Amatic SC"/>
               <a:ea typeface="Amatic SC"/>
               <a:cs typeface="Amatic SC"/>
@@ -8252,7 +8377,7 @@
             </a:endParaRPr>
           </a:p>
           <a:p>
-            <a:pPr indent="0" lvl="0" marL="0" rtl="0" algn="l">
+            <a:pPr marL="0" lvl="0" indent="0" algn="l" rtl="0">
               <a:lnSpc>
                 <a:spcPct val="107916"/>
               </a:lnSpc>
@@ -8264,10 +8389,7 @@
               </a:spcAft>
               <a:buNone/>
             </a:pPr>
-            <a:r>
-              <a:t/>
-            </a:r>
-            <a:endParaRPr b="1" sz="1400">
+            <a:endParaRPr sz="1400" b="1">
               <a:latin typeface="Amatic SC"/>
               <a:ea typeface="Amatic SC"/>
               <a:cs typeface="Amatic SC"/>
@@ -8279,9 +8401,11 @@
       <p:sp>
         <p:nvSpPr>
           <p:cNvPr id="78" name="Google Shape;78;p16"/>
-          <p:cNvSpPr txBox="1"/>
+          <p:cNvSpPr txBox="1">
+            <a:spLocks noGrp="1"/>
+          </p:cNvSpPr>
           <p:nvPr>
-            <p:ph idx="4294967295" type="subTitle"/>
+            <p:ph type="subTitle" idx="4294967295"/>
           </p:nvPr>
         </p:nvSpPr>
         <p:spPr>
@@ -8294,12 +8418,12 @@
           </a:prstGeom>
         </p:spPr>
         <p:txBody>
-          <a:bodyPr anchorCtr="0" anchor="t" bIns="91425" lIns="91425" spcFirstLastPara="1" rIns="91425" wrap="square" tIns="91425">
+          <a:bodyPr spcFirstLastPara="1" wrap="square" lIns="91425" tIns="91425" rIns="91425" bIns="91425" anchor="t" anchorCtr="0">
             <a:noAutofit/>
           </a:bodyPr>
           <a:lstStyle/>
           <a:p>
-            <a:pPr indent="0" lvl="0" marL="0" marR="0" rtl="0" algn="l">
+            <a:pPr marL="0" marR="0" lvl="0" indent="0" algn="l" rtl="0">
               <a:lnSpc>
                 <a:spcPct val="100000"/>
               </a:lnSpc>
@@ -8312,34 +8436,16 @@
               <a:buNone/>
             </a:pPr>
             <a:r>
-              <a:rPr b="1" lang="es" sz="1500">
+              <a:rPr lang="es" sz="1500" b="1">
                 <a:latin typeface="Amatic SC"/>
                 <a:ea typeface="Amatic SC"/>
                 <a:cs typeface="Amatic SC"/>
                 <a:sym typeface="Amatic SC"/>
               </a:rPr>
-              <a:t>ALUMNA: Anabella frois palacio dni 25882324 - TUTOR: </a:t>
+              <a:t>ALUMNA: Anabella frois palacio dni 25882324 - TUTOR: HERNÁN LOISA - </a:t>
             </a:r>
             <a:r>
-              <a:rPr b="1" lang="es" sz="1500">
-                <a:latin typeface="Amatic SC"/>
-                <a:ea typeface="Amatic SC"/>
-                <a:cs typeface="Amatic SC"/>
-                <a:sym typeface="Amatic SC"/>
-              </a:rPr>
-              <a:t>HERNÁN</a:t>
-            </a:r>
-            <a:r>
-              <a:rPr b="1" lang="es" sz="1500">
-                <a:latin typeface="Amatic SC"/>
-                <a:ea typeface="Amatic SC"/>
-                <a:cs typeface="Amatic SC"/>
-                <a:sym typeface="Amatic SC"/>
-              </a:rPr>
-              <a:t> LOISA - </a:t>
-            </a:r>
-            <a:r>
-              <a:rPr b="1" lang="es" sz="1500">
+              <a:rPr lang="es" sz="1500" b="1">
                 <a:uFill>
                   <a:noFill/>
                 </a:uFill>
@@ -8352,7 +8458,7 @@
               <a:t>Comisión 15/21657</a:t>
             </a:r>
             <a:r>
-              <a:rPr b="1" lang="es" sz="1500">
+              <a:rPr lang="es" sz="1500" b="1">
                 <a:latin typeface="Amatic SC"/>
                 <a:ea typeface="Amatic SC"/>
                 <a:cs typeface="Amatic SC"/>
@@ -8360,7 +8466,7 @@
               </a:rPr>
               <a:t> - PROYECTO: Sistema de Gestión para Lavadero de Autos</a:t>
             </a:r>
-            <a:endParaRPr b="1" sz="1500">
+            <a:endParaRPr sz="1500" b="1">
               <a:latin typeface="Amatic SC"/>
               <a:ea typeface="Amatic SC"/>
               <a:cs typeface="Amatic SC"/>
@@ -8406,11 +8512,11 @@
 </file>
 
 <file path=ppt/slides/slide5.xml><?xml version="1.0" encoding="utf-8"?>
-<p:sld xmlns:a="http://schemas.openxmlformats.org/drawingml/2006/main" xmlns:r="http://schemas.openxmlformats.org/officeDocument/2006/relationships" xmlns:mc="http://schemas.openxmlformats.org/markup-compatibility/2006" xmlns:mv="urn:schemas-microsoft-com:mac:vml" xmlns:p="http://schemas.openxmlformats.org/presentationml/2006/main" xmlns:c="http://schemas.openxmlformats.org/drawingml/2006/chart" xmlns:dgm="http://schemas.openxmlformats.org/drawingml/2006/diagram" xmlns:o="urn:schemas-microsoft-com:office:office" xmlns:v="urn:schemas-microsoft-com:vml" xmlns:pvml="urn:schemas-microsoft-com:office:powerpoint" xmlns:com="http://schemas.openxmlformats.org/drawingml/2006/compatibility" xmlns:p14="http://schemas.microsoft.com/office/powerpoint/2010/main" xmlns:p15="http://schemas.microsoft.com/office/powerpoint/2012/main" xmlns:ahyp="http://schemas.microsoft.com/office/drawing/2018/hyperlinkcolor">
+<p:sld xmlns:a="http://schemas.openxmlformats.org/drawingml/2006/main" xmlns:r="http://schemas.openxmlformats.org/officeDocument/2006/relationships" xmlns:p="http://schemas.openxmlformats.org/presentationml/2006/main">
   <p:cSld>
     <p:spTree>
       <p:nvGrpSpPr>
-        <p:cNvPr id="83" name="Shape 83"/>
+        <p:cNvPr id="1" name="Shape 83"/>
         <p:cNvGrpSpPr/>
         <p:nvPr/>
       </p:nvGrpSpPr>
@@ -8425,7 +8531,9 @@
       <p:sp>
         <p:nvSpPr>
           <p:cNvPr id="84" name="Google Shape;84;p17"/>
-          <p:cNvSpPr txBox="1"/>
+          <p:cNvSpPr txBox="1">
+            <a:spLocks noGrp="1"/>
+          </p:cNvSpPr>
           <p:nvPr>
             <p:ph type="title"/>
           </p:nvPr>
@@ -8440,12 +8548,12 @@
           </a:prstGeom>
         </p:spPr>
         <p:txBody>
-          <a:bodyPr anchorCtr="0" anchor="t" bIns="91425" lIns="91425" spcFirstLastPara="1" rIns="91425" wrap="square" tIns="91425">
-            <a:normAutofit fontScale="90000"/>
+          <a:bodyPr spcFirstLastPara="1" wrap="square" lIns="91425" tIns="91425" rIns="91425" bIns="91425" anchor="t" anchorCtr="0">
+            <a:normAutofit/>
           </a:bodyPr>
           <a:lstStyle/>
           <a:p>
-            <a:pPr indent="0" lvl="0" marL="0" rtl="0" algn="l">
+            <a:pPr marL="0" lvl="0" indent="0" algn="l" rtl="0">
               <a:spcBef>
                 <a:spcPts val="0"/>
               </a:spcBef>
@@ -8460,15 +8568,7 @@
                   <a:schemeClr val="dk2"/>
                 </a:solidFill>
               </a:rPr>
-              <a:t>PSEUDOCÓDIGO</a:t>
-            </a:r>
-            <a:r>
-              <a:rPr lang="es" sz="2500">
-                <a:solidFill>
-                  <a:schemeClr val="dk2"/>
-                </a:solidFill>
-              </a:rPr>
-              <a:t> (pseint)</a:t>
+              <a:t>PSEUDOCÓDIGO (pseint)</a:t>
             </a:r>
             <a:endParaRPr sz="2500">
               <a:solidFill>
@@ -8477,7 +8577,7 @@
             </a:endParaRPr>
           </a:p>
           <a:p>
-            <a:pPr indent="0" lvl="0" marL="0" rtl="0" algn="l">
+            <a:pPr marL="0" lvl="0" indent="0" algn="l" rtl="0">
               <a:spcBef>
                 <a:spcPts val="0"/>
               </a:spcBef>
@@ -8486,9 +8586,6 @@
               </a:spcAft>
               <a:buNone/>
             </a:pPr>
-            <a:r>
-              <a:t/>
-            </a:r>
             <a:endParaRPr sz="1400">
               <a:solidFill>
                 <a:schemeClr val="dk2"/>
@@ -8496,7 +8593,7 @@
             </a:endParaRPr>
           </a:p>
           <a:p>
-            <a:pPr indent="0" lvl="0" marL="0" rtl="0" algn="l">
+            <a:pPr marL="0" lvl="0" indent="0" algn="l" rtl="0">
               <a:spcBef>
                 <a:spcPts val="0"/>
               </a:spcBef>
@@ -8505,9 +8602,6 @@
               </a:spcAft>
               <a:buNone/>
             </a:pPr>
-            <a:r>
-              <a:t/>
-            </a:r>
             <a:endParaRPr sz="1400">
               <a:solidFill>
                 <a:schemeClr val="dk2"/>
@@ -8519,9 +8613,11 @@
       <p:sp>
         <p:nvSpPr>
           <p:cNvPr id="85" name="Google Shape;85;p17"/>
-          <p:cNvSpPr txBox="1"/>
+          <p:cNvSpPr txBox="1">
+            <a:spLocks noGrp="1"/>
+          </p:cNvSpPr>
           <p:nvPr>
-            <p:ph idx="1" type="body"/>
+            <p:ph type="body" idx="1"/>
           </p:nvPr>
         </p:nvSpPr>
         <p:spPr>
@@ -8534,12 +8630,12 @@
           </a:prstGeom>
         </p:spPr>
         <p:txBody>
-          <a:bodyPr anchorCtr="0" anchor="t" bIns="91425" lIns="91425" spcFirstLastPara="1" rIns="91425" wrap="square" tIns="91425">
+          <a:bodyPr spcFirstLastPara="1" wrap="square" lIns="91425" tIns="91425" rIns="91425" bIns="91425" anchor="t" anchorCtr="0">
             <a:noAutofit/>
           </a:bodyPr>
           <a:lstStyle/>
           <a:p>
-            <a:pPr indent="0" lvl="0" marL="0" rtl="0" algn="l">
+            <a:pPr marL="0" lvl="0" indent="0" algn="l" rtl="0">
               <a:lnSpc>
                 <a:spcPct val="107916"/>
               </a:lnSpc>
@@ -8552,7 +8648,7 @@
               <a:buNone/>
             </a:pPr>
             <a:r>
-              <a:rPr b="1" lang="es" sz="1400">
+              <a:rPr lang="es" sz="1400" b="1">
                 <a:latin typeface="Amatic SC"/>
                 <a:ea typeface="Amatic SC"/>
                 <a:cs typeface="Amatic SC"/>
@@ -8560,7 +8656,7 @@
               </a:rPr>
               <a:t>El presente trabajo pretende simular la necesidad de un negocio familiar pequeño, un lavadero de autos, que necesita, por un lado, organizar los turnos de lavado de autos, motos, carrocería y servicios adicionales y por otro llevar un control de los turnos ya tomados y disponibles, también mantener actualizados los precios de los servicios y que esto se relacione con su página web.</a:t>
             </a:r>
-            <a:endParaRPr b="1" sz="1400">
+            <a:endParaRPr sz="1400" b="1">
               <a:latin typeface="Amatic SC"/>
               <a:ea typeface="Amatic SC"/>
               <a:cs typeface="Amatic SC"/>
@@ -8568,7 +8664,7 @@
             </a:endParaRPr>
           </a:p>
           <a:p>
-            <a:pPr indent="0" lvl="0" marL="0" rtl="0" algn="l">
+            <a:pPr marL="0" lvl="0" indent="0" algn="l" rtl="0">
               <a:lnSpc>
                 <a:spcPct val="107916"/>
               </a:lnSpc>
@@ -8581,7 +8677,7 @@
               <a:buNone/>
             </a:pPr>
             <a:r>
-              <a:rPr b="1" lang="es" sz="1400">
+              <a:rPr lang="es" sz="1400" b="1">
                 <a:latin typeface="Amatic SC"/>
                 <a:ea typeface="Amatic SC"/>
                 <a:cs typeface="Amatic SC"/>
@@ -8589,7 +8685,7 @@
               </a:rPr>
               <a:t>Se agrega un nombre y un logo simulado con canva</a:t>
             </a:r>
-            <a:endParaRPr b="1" sz="1400">
+            <a:endParaRPr sz="1400" b="1">
               <a:latin typeface="Amatic SC"/>
               <a:ea typeface="Amatic SC"/>
               <a:cs typeface="Amatic SC"/>
@@ -8597,7 +8693,7 @@
             </a:endParaRPr>
           </a:p>
           <a:p>
-            <a:pPr indent="0" lvl="0" marL="0" rtl="0" algn="l">
+            <a:pPr marL="0" lvl="0" indent="0" algn="l" rtl="0">
               <a:lnSpc>
                 <a:spcPct val="107916"/>
               </a:lnSpc>
@@ -8610,7 +8706,7 @@
               <a:buNone/>
             </a:pPr>
             <a:r>
-              <a:rPr b="1" lang="es" sz="1400" u="sng">
+              <a:rPr lang="es" sz="1400" b="1" u="sng">
                 <a:solidFill>
                   <a:schemeClr val="hlink"/>
                 </a:solidFill>
@@ -8622,7 +8718,7 @@
               </a:rPr>
               <a:t>https://www.canva.com/design/DAFtWJVct1M/3RLtgKMHRrucHzHpZr6CAg/edit?utm_content=DAFtWJVct1M&amp;utm_campaign=designshare&amp;utm_medium=link2&amp;utm_source=sharebutton</a:t>
             </a:r>
-            <a:endParaRPr b="1" sz="1400">
+            <a:endParaRPr sz="1400" b="1">
               <a:latin typeface="Amatic SC"/>
               <a:ea typeface="Amatic SC"/>
               <a:cs typeface="Amatic SC"/>
@@ -8630,7 +8726,7 @@
             </a:endParaRPr>
           </a:p>
           <a:p>
-            <a:pPr indent="0" lvl="0" marL="0" rtl="0" algn="l">
+            <a:pPr marL="0" lvl="0" indent="0" algn="l" rtl="0">
               <a:lnSpc>
                 <a:spcPct val="107916"/>
               </a:lnSpc>
@@ -8642,10 +8738,7 @@
               </a:spcAft>
               <a:buNone/>
             </a:pPr>
-            <a:r>
-              <a:t/>
-            </a:r>
-            <a:endParaRPr b="1" sz="1400">
+            <a:endParaRPr sz="1400" b="1">
               <a:latin typeface="Amatic SC"/>
               <a:ea typeface="Amatic SC"/>
               <a:cs typeface="Amatic SC"/>
@@ -8653,7 +8746,7 @@
             </a:endParaRPr>
           </a:p>
           <a:p>
-            <a:pPr indent="0" lvl="0" marL="0" rtl="0" algn="l">
+            <a:pPr marL="0" lvl="0" indent="0" algn="l" rtl="0">
               <a:lnSpc>
                 <a:spcPct val="107916"/>
               </a:lnSpc>
@@ -8666,7 +8759,7 @@
               <a:buNone/>
             </a:pPr>
             <a:r>
-              <a:rPr b="1" lang="es" sz="1400">
+              <a:rPr lang="es" sz="1400" b="1">
                 <a:latin typeface="Amatic SC"/>
                 <a:ea typeface="Amatic SC"/>
                 <a:cs typeface="Amatic SC"/>
@@ -8675,7 +8768,7 @@
               <a:t>En este proyecto introductorio, se presenta un diagrama de flujo general, un pseudocódigo que simula el sistema de turnos y la selección de servicios. Además, se teoriza sobre el proceso de gestión del proyecto con las metodologías ágiles trabajadas en el curso, Kanban y Scrum.</a:t>
             </a:r>
             <a:br>
-              <a:rPr b="1" lang="es" sz="1400">
+              <a:rPr lang="es" sz="1400" b="1">
                 <a:latin typeface="Amatic SC"/>
                 <a:ea typeface="Amatic SC"/>
                 <a:cs typeface="Amatic SC"/>
@@ -8683,7 +8776,7 @@
               </a:rPr>
             </a:br>
             <a:r>
-              <a:rPr b="1" lang="es" sz="1400">
+              <a:rPr lang="es" sz="1400" b="1">
                 <a:latin typeface="Amatic SC"/>
                 <a:ea typeface="Amatic SC"/>
                 <a:cs typeface="Amatic SC"/>
@@ -8691,7 +8784,7 @@
               </a:rPr>
               <a:t>Toda la documentación se encuentra en el siguiente repositorio GitHub:</a:t>
             </a:r>
-            <a:endParaRPr b="1" sz="1400">
+            <a:endParaRPr sz="1400" b="1">
               <a:latin typeface="Amatic SC"/>
               <a:ea typeface="Amatic SC"/>
               <a:cs typeface="Amatic SC"/>
@@ -8699,7 +8792,7 @@
             </a:endParaRPr>
           </a:p>
           <a:p>
-            <a:pPr indent="0" lvl="0" marL="0" rtl="0" algn="l">
+            <a:pPr marL="0" lvl="0" indent="0" algn="l" rtl="0">
               <a:lnSpc>
                 <a:spcPct val="107916"/>
               </a:lnSpc>
@@ -8712,7 +8805,7 @@
               <a:buNone/>
             </a:pPr>
             <a:r>
-              <a:rPr b="1" lang="es" sz="1400" u="sng">
+              <a:rPr lang="es" sz="1400" b="1" u="sng">
                 <a:solidFill>
                   <a:schemeClr val="hlink"/>
                 </a:solidFill>
@@ -8724,7 +8817,7 @@
               </a:rPr>
               <a:t>https://github.com/AFROIS/TPFINALFULLCODERS.git</a:t>
             </a:r>
-            <a:endParaRPr b="1" sz="1400">
+            <a:endParaRPr sz="1400" b="1">
               <a:latin typeface="Amatic SC"/>
               <a:ea typeface="Amatic SC"/>
               <a:cs typeface="Amatic SC"/>
@@ -8732,7 +8825,7 @@
             </a:endParaRPr>
           </a:p>
           <a:p>
-            <a:pPr indent="0" lvl="0" marL="0" rtl="0" algn="l">
+            <a:pPr marL="0" lvl="0" indent="0" algn="l" rtl="0">
               <a:lnSpc>
                 <a:spcPct val="107916"/>
               </a:lnSpc>
@@ -8744,10 +8837,7 @@
               </a:spcAft>
               <a:buNone/>
             </a:pPr>
-            <a:r>
-              <a:t/>
-            </a:r>
-            <a:endParaRPr b="1" sz="1400">
+            <a:endParaRPr sz="1400" b="1">
               <a:latin typeface="Amatic SC"/>
               <a:ea typeface="Amatic SC"/>
               <a:cs typeface="Amatic SC"/>
@@ -8755,7 +8845,7 @@
             </a:endParaRPr>
           </a:p>
           <a:p>
-            <a:pPr indent="0" lvl="0" marL="0" rtl="0" algn="l">
+            <a:pPr marL="0" lvl="0" indent="0" algn="l" rtl="0">
               <a:lnSpc>
                 <a:spcPct val="107916"/>
               </a:lnSpc>
@@ -8767,10 +8857,7 @@
               </a:spcAft>
               <a:buNone/>
             </a:pPr>
-            <a:r>
-              <a:t/>
-            </a:r>
-            <a:endParaRPr b="1" sz="1400">
+            <a:endParaRPr sz="1400" b="1">
               <a:latin typeface="Amatic SC"/>
               <a:ea typeface="Amatic SC"/>
               <a:cs typeface="Amatic SC"/>
@@ -8778,7 +8865,7 @@
             </a:endParaRPr>
           </a:p>
           <a:p>
-            <a:pPr indent="0" lvl="0" marL="0" rtl="0" algn="l">
+            <a:pPr marL="0" lvl="0" indent="0" algn="l" rtl="0">
               <a:lnSpc>
                 <a:spcPct val="107916"/>
               </a:lnSpc>
@@ -8790,10 +8877,7 @@
               </a:spcAft>
               <a:buNone/>
             </a:pPr>
-            <a:r>
-              <a:t/>
-            </a:r>
-            <a:endParaRPr b="1" sz="1400">
+            <a:endParaRPr sz="1400" b="1">
               <a:latin typeface="Amatic SC"/>
               <a:ea typeface="Amatic SC"/>
               <a:cs typeface="Amatic SC"/>
@@ -8805,9 +8889,11 @@
       <p:sp>
         <p:nvSpPr>
           <p:cNvPr id="86" name="Google Shape;86;p17"/>
-          <p:cNvSpPr txBox="1"/>
+          <p:cNvSpPr txBox="1">
+            <a:spLocks noGrp="1"/>
+          </p:cNvSpPr>
           <p:nvPr>
-            <p:ph idx="4294967295" type="subTitle"/>
+            <p:ph type="subTitle" idx="4294967295"/>
           </p:nvPr>
         </p:nvSpPr>
         <p:spPr>
@@ -8820,12 +8906,12 @@
           </a:prstGeom>
         </p:spPr>
         <p:txBody>
-          <a:bodyPr anchorCtr="0" anchor="t" bIns="91425" lIns="91425" spcFirstLastPara="1" rIns="91425" wrap="square" tIns="91425">
+          <a:bodyPr spcFirstLastPara="1" wrap="square" lIns="91425" tIns="91425" rIns="91425" bIns="91425" anchor="t" anchorCtr="0">
             <a:noAutofit/>
           </a:bodyPr>
           <a:lstStyle/>
           <a:p>
-            <a:pPr indent="0" lvl="0" marL="0" marR="0" rtl="0" algn="l">
+            <a:pPr marL="0" marR="0" lvl="0" indent="0" algn="l" rtl="0">
               <a:lnSpc>
                 <a:spcPct val="100000"/>
               </a:lnSpc>
@@ -8838,34 +8924,16 @@
               <a:buNone/>
             </a:pPr>
             <a:r>
-              <a:rPr b="1" lang="es" sz="1500">
+              <a:rPr lang="es" sz="1500" b="1">
                 <a:latin typeface="Amatic SC"/>
                 <a:ea typeface="Amatic SC"/>
                 <a:cs typeface="Amatic SC"/>
                 <a:sym typeface="Amatic SC"/>
               </a:rPr>
-              <a:t>ALUMNA: Anabella frois palacio dni 25882324 - TUTOR: </a:t>
+              <a:t>ALUMNA: Anabella frois palacio dni 25882324 - TUTOR: HERNÁN LOISA - </a:t>
             </a:r>
             <a:r>
-              <a:rPr b="1" lang="es" sz="1500">
-                <a:latin typeface="Amatic SC"/>
-                <a:ea typeface="Amatic SC"/>
-                <a:cs typeface="Amatic SC"/>
-                <a:sym typeface="Amatic SC"/>
-              </a:rPr>
-              <a:t>HERNÁN</a:t>
-            </a:r>
-            <a:r>
-              <a:rPr b="1" lang="es" sz="1500">
-                <a:latin typeface="Amatic SC"/>
-                <a:ea typeface="Amatic SC"/>
-                <a:cs typeface="Amatic SC"/>
-                <a:sym typeface="Amatic SC"/>
-              </a:rPr>
-              <a:t> LOISA - </a:t>
-            </a:r>
-            <a:r>
-              <a:rPr b="1" lang="es" sz="1500">
+              <a:rPr lang="es" sz="1500" b="1">
                 <a:uFill>
                   <a:noFill/>
                 </a:uFill>
@@ -8878,7 +8946,7 @@
               <a:t>Comisión 15/21657</a:t>
             </a:r>
             <a:r>
-              <a:rPr b="1" lang="es" sz="1500">
+              <a:rPr lang="es" sz="1500" b="1">
                 <a:latin typeface="Amatic SC"/>
                 <a:ea typeface="Amatic SC"/>
                 <a:cs typeface="Amatic SC"/>
@@ -8886,7 +8954,7 @@
               </a:rPr>
               <a:t> - PROYECTO: Sistema de Gestión para Lavadero de Autos</a:t>
             </a:r>
-            <a:endParaRPr b="1" sz="1500">
+            <a:endParaRPr sz="1500" b="1">
               <a:latin typeface="Amatic SC"/>
               <a:ea typeface="Amatic SC"/>
               <a:cs typeface="Amatic SC"/>
@@ -8960,7 +9028,7 @@
 </file>
 
 <file path=ppt/theme/theme1.xml><?xml version="1.0" encoding="utf-8"?>
-<a:theme xmlns:a="http://schemas.openxmlformats.org/drawingml/2006/main" xmlns:r="http://schemas.openxmlformats.org/officeDocument/2006/relationships" name="Beach Day">
+<a:theme xmlns:a="http://schemas.openxmlformats.org/drawingml/2006/main" name="Beach Day">
   <a:themeElements>
     <a:clrScheme name="Beach Day">
       <a:dk1>
@@ -9235,11 +9303,13 @@
       </a:bgFillStyleLst>
     </a:fmtScheme>
   </a:themeElements>
+  <a:objectDefaults/>
+  <a:extraClrSchemeLst/>
 </a:theme>
 </file>
 
 <file path=ppt/theme/theme2.xml><?xml version="1.0" encoding="utf-8"?>
-<a:theme xmlns:a="http://schemas.openxmlformats.org/drawingml/2006/main" xmlns:r="http://schemas.openxmlformats.org/officeDocument/2006/relationships">
+<a:theme xmlns:a="http://schemas.openxmlformats.org/drawingml/2006/main">
   <a:themeElements>
     <a:clrScheme name="Default">
       <a:dk1>
@@ -9514,5 +9584,7 @@
       </a:bgFillStyleLst>
     </a:fmtScheme>
   </a:themeElements>
+  <a:objectDefaults/>
+  <a:extraClrSchemeLst/>
 </a:theme>
 </file>